--- a/fig/삽화.pptx
+++ b/fig/삽화.pptx
@@ -106,6 +106,11 @@
       </a:defRPr>
     </a:lvl9pPr>
   </p:defaultTextStyle>
+  <p:extLst>
+    <p:ext uri="{EFAFB233-063F-42B5-8137-9DF3F51BA10A}">
+      <p15:sldGuideLst xmlns:p15="http://schemas.microsoft.com/office/powerpoint/2012/main"/>
+    </p:ext>
+  </p:extLst>
 </p:presentation>
 </file>
 
@@ -258,7 +263,7 @@
           <a:p>
             <a:fld id="{4195D0BA-11C3-5F4C-8F74-12E5186703F3}" type="datetimeFigureOut">
               <a:rPr kumimoji="1" lang="ko-Kore-KR" altLang="en-US" smtClean="0"/>
-              <a:t>2021. 11. 8.</a:t>
+              <a:t>2021. 11. 10.</a:t>
             </a:fld>
             <a:endParaRPr kumimoji="1" lang="ko-Kore-KR" altLang="en-US"/>
           </a:p>
@@ -458,7 +463,7 @@
           <a:p>
             <a:fld id="{4195D0BA-11C3-5F4C-8F74-12E5186703F3}" type="datetimeFigureOut">
               <a:rPr kumimoji="1" lang="ko-Kore-KR" altLang="en-US" smtClean="0"/>
-              <a:t>2021. 11. 8.</a:t>
+              <a:t>2021. 11. 10.</a:t>
             </a:fld>
             <a:endParaRPr kumimoji="1" lang="ko-Kore-KR" altLang="en-US"/>
           </a:p>
@@ -668,7 +673,7 @@
           <a:p>
             <a:fld id="{4195D0BA-11C3-5F4C-8F74-12E5186703F3}" type="datetimeFigureOut">
               <a:rPr kumimoji="1" lang="ko-Kore-KR" altLang="en-US" smtClean="0"/>
-              <a:t>2021. 11. 8.</a:t>
+              <a:t>2021. 11. 10.</a:t>
             </a:fld>
             <a:endParaRPr kumimoji="1" lang="ko-Kore-KR" altLang="en-US"/>
           </a:p>
@@ -868,7 +873,7 @@
           <a:p>
             <a:fld id="{4195D0BA-11C3-5F4C-8F74-12E5186703F3}" type="datetimeFigureOut">
               <a:rPr kumimoji="1" lang="ko-Kore-KR" altLang="en-US" smtClean="0"/>
-              <a:t>2021. 11. 8.</a:t>
+              <a:t>2021. 11. 10.</a:t>
             </a:fld>
             <a:endParaRPr kumimoji="1" lang="ko-Kore-KR" altLang="en-US"/>
           </a:p>
@@ -1144,7 +1149,7 @@
           <a:p>
             <a:fld id="{4195D0BA-11C3-5F4C-8F74-12E5186703F3}" type="datetimeFigureOut">
               <a:rPr kumimoji="1" lang="ko-Kore-KR" altLang="en-US" smtClean="0"/>
-              <a:t>2021. 11. 8.</a:t>
+              <a:t>2021. 11. 10.</a:t>
             </a:fld>
             <a:endParaRPr kumimoji="1" lang="ko-Kore-KR" altLang="en-US"/>
           </a:p>
@@ -1412,7 +1417,7 @@
           <a:p>
             <a:fld id="{4195D0BA-11C3-5F4C-8F74-12E5186703F3}" type="datetimeFigureOut">
               <a:rPr kumimoji="1" lang="ko-Kore-KR" altLang="en-US" smtClean="0"/>
-              <a:t>2021. 11. 8.</a:t>
+              <a:t>2021. 11. 10.</a:t>
             </a:fld>
             <a:endParaRPr kumimoji="1" lang="ko-Kore-KR" altLang="en-US"/>
           </a:p>
@@ -1827,7 +1832,7 @@
           <a:p>
             <a:fld id="{4195D0BA-11C3-5F4C-8F74-12E5186703F3}" type="datetimeFigureOut">
               <a:rPr kumimoji="1" lang="ko-Kore-KR" altLang="en-US" smtClean="0"/>
-              <a:t>2021. 11. 8.</a:t>
+              <a:t>2021. 11. 10.</a:t>
             </a:fld>
             <a:endParaRPr kumimoji="1" lang="ko-Kore-KR" altLang="en-US"/>
           </a:p>
@@ -1969,7 +1974,7 @@
           <a:p>
             <a:fld id="{4195D0BA-11C3-5F4C-8F74-12E5186703F3}" type="datetimeFigureOut">
               <a:rPr kumimoji="1" lang="ko-Kore-KR" altLang="en-US" smtClean="0"/>
-              <a:t>2021. 11. 8.</a:t>
+              <a:t>2021. 11. 10.</a:t>
             </a:fld>
             <a:endParaRPr kumimoji="1" lang="ko-Kore-KR" altLang="en-US"/>
           </a:p>
@@ -2082,7 +2087,7 @@
           <a:p>
             <a:fld id="{4195D0BA-11C3-5F4C-8F74-12E5186703F3}" type="datetimeFigureOut">
               <a:rPr kumimoji="1" lang="ko-Kore-KR" altLang="en-US" smtClean="0"/>
-              <a:t>2021. 11. 8.</a:t>
+              <a:t>2021. 11. 10.</a:t>
             </a:fld>
             <a:endParaRPr kumimoji="1" lang="ko-Kore-KR" altLang="en-US"/>
           </a:p>
@@ -2395,7 +2400,7 @@
           <a:p>
             <a:fld id="{4195D0BA-11C3-5F4C-8F74-12E5186703F3}" type="datetimeFigureOut">
               <a:rPr kumimoji="1" lang="ko-Kore-KR" altLang="en-US" smtClean="0"/>
-              <a:t>2021. 11. 8.</a:t>
+              <a:t>2021. 11. 10.</a:t>
             </a:fld>
             <a:endParaRPr kumimoji="1" lang="ko-Kore-KR" altLang="en-US"/>
           </a:p>
@@ -2684,7 +2689,7 @@
           <a:p>
             <a:fld id="{4195D0BA-11C3-5F4C-8F74-12E5186703F3}" type="datetimeFigureOut">
               <a:rPr kumimoji="1" lang="ko-Kore-KR" altLang="en-US" smtClean="0"/>
-              <a:t>2021. 11. 8.</a:t>
+              <a:t>2021. 11. 10.</a:t>
             </a:fld>
             <a:endParaRPr kumimoji="1" lang="ko-Kore-KR" altLang="en-US"/>
           </a:p>
@@ -2927,7 +2932,7 @@
           <a:p>
             <a:fld id="{4195D0BA-11C3-5F4C-8F74-12E5186703F3}" type="datetimeFigureOut">
               <a:rPr kumimoji="1" lang="ko-Kore-KR" altLang="en-US" smtClean="0"/>
-              <a:t>2021. 11. 8.</a:t>
+              <a:t>2021. 11. 10.</a:t>
             </a:fld>
             <a:endParaRPr kumimoji="1" lang="ko-Kore-KR" altLang="en-US"/>
           </a:p>
@@ -4630,7 +4635,7 @@
         <p:spPr>
           <a:xfrm>
             <a:off x="7382263" y="6202854"/>
-            <a:ext cx="1566776" cy="400110"/>
+            <a:ext cx="1829668" cy="400110"/>
           </a:xfrm>
           <a:prstGeom prst="rect">
             <a:avLst/>
@@ -4651,27 +4656,7 @@
                 <a:latin typeface="NanumSquare" panose="020B0600000101010101" pitchFamily="34" charset="-127"/>
                 <a:ea typeface="NanumSquare" panose="020B0600000101010101" pitchFamily="34" charset="-127"/>
               </a:rPr>
-              <a:t>“</a:t>
-            </a:r>
-            <a:r>
-              <a:rPr kumimoji="1" lang="ko-KR" altLang="en-US" sz="2000" dirty="0">
-                <a:solidFill>
-                  <a:srgbClr val="FF0000"/>
-                </a:solidFill>
-                <a:latin typeface="NanumSquare" panose="020B0600000101010101" pitchFamily="34" charset="-127"/>
-                <a:ea typeface="NanumSquare" panose="020B0600000101010101" pitchFamily="34" charset="-127"/>
-              </a:rPr>
-              <a:t>맵</a:t>
-            </a:r>
-            <a:r>
-              <a:rPr kumimoji="1" lang="en-US" altLang="ko-KR" sz="2000" dirty="0">
-                <a:solidFill>
-                  <a:srgbClr val="FF0000"/>
-                </a:solidFill>
-                <a:latin typeface="NanumSquare" panose="020B0600000101010101" pitchFamily="34" charset="-127"/>
-                <a:ea typeface="NanumSquare" panose="020B0600000101010101" pitchFamily="34" charset="-127"/>
-              </a:rPr>
-              <a:t>-Reduce”</a:t>
+              <a:t>“Map-Reduce”</a:t>
             </a:r>
             <a:endParaRPr kumimoji="1" lang="ko-Kore-KR" altLang="en-US" sz="2000" dirty="0">
               <a:solidFill>
@@ -5513,14 +5498,7 @@
                 <a:latin typeface="NanumSquare Bold" panose="020B0600000101010101" pitchFamily="34" charset="-127"/>
                 <a:ea typeface="NanumSquare Bold" panose="020B0600000101010101" pitchFamily="34" charset="-127"/>
               </a:rPr>
-              <a:t>high level </a:t>
-            </a:r>
-            <a:r>
-              <a:rPr kumimoji="1" lang="en-US" altLang="ko-Kore-KR" b="1" dirty="0">
-                <a:latin typeface="NanumSquare Bold" panose="020B0600000101010101" pitchFamily="34" charset="-127"/>
-                <a:ea typeface="NanumSquare Bold" panose="020B0600000101010101" pitchFamily="34" charset="-127"/>
-              </a:rPr>
-              <a:t>plots</a:t>
+              <a:t>high level plots</a:t>
             </a:r>
             <a:endParaRPr kumimoji="1" lang="ko-Kore-KR" altLang="en-US" b="1" dirty="0">
               <a:latin typeface="NanumSquare Bold" panose="020B0600000101010101" pitchFamily="34" charset="-127"/>
@@ -5880,14 +5858,7 @@
                 <a:latin typeface="NanumSquare Bold" panose="020B0600000101010101" pitchFamily="34" charset="-127"/>
                 <a:ea typeface="NanumSquare Bold" panose="020B0600000101010101" pitchFamily="34" charset="-127"/>
               </a:rPr>
-              <a:t>lattice </a:t>
-            </a:r>
-            <a:r>
-              <a:rPr kumimoji="1" lang="en-US" altLang="ko-Kore-KR" b="1" dirty="0">
-                <a:latin typeface="NanumSquare Bold" panose="020B0600000101010101" pitchFamily="34" charset="-127"/>
-                <a:ea typeface="NanumSquare Bold" panose="020B0600000101010101" pitchFamily="34" charset="-127"/>
-              </a:rPr>
-              <a:t>package</a:t>
+              <a:t>lattice package</a:t>
             </a:r>
             <a:endParaRPr lang="ko-Kore-KR" altLang="en-US" b="1" dirty="0"/>
           </a:p>

--- a/fig/삽화.pptx
+++ b/fig/삽화.pptx
@@ -8,6 +8,8 @@
     <p:sldId id="256" r:id="rId2"/>
     <p:sldId id="257" r:id="rId3"/>
     <p:sldId id="258" r:id="rId4"/>
+    <p:sldId id="259" r:id="rId5"/>
+    <p:sldId id="260" r:id="rId6"/>
   </p:sldIdLst>
   <p:sldSz cx="12192000" cy="6858000"/>
   <p:notesSz cx="6858000" cy="9144000"/>
@@ -263,7 +265,7 @@
           <a:p>
             <a:fld id="{4195D0BA-11C3-5F4C-8F74-12E5186703F3}" type="datetimeFigureOut">
               <a:rPr kumimoji="1" lang="ko-Kore-KR" altLang="en-US" smtClean="0"/>
-              <a:t>2021. 11. 10.</a:t>
+              <a:t>2021. 11. 16.</a:t>
             </a:fld>
             <a:endParaRPr kumimoji="1" lang="ko-Kore-KR" altLang="en-US"/>
           </a:p>
@@ -463,7 +465,7 @@
           <a:p>
             <a:fld id="{4195D0BA-11C3-5F4C-8F74-12E5186703F3}" type="datetimeFigureOut">
               <a:rPr kumimoji="1" lang="ko-Kore-KR" altLang="en-US" smtClean="0"/>
-              <a:t>2021. 11. 10.</a:t>
+              <a:t>2021. 11. 16.</a:t>
             </a:fld>
             <a:endParaRPr kumimoji="1" lang="ko-Kore-KR" altLang="en-US"/>
           </a:p>
@@ -673,7 +675,7 @@
           <a:p>
             <a:fld id="{4195D0BA-11C3-5F4C-8F74-12E5186703F3}" type="datetimeFigureOut">
               <a:rPr kumimoji="1" lang="ko-Kore-KR" altLang="en-US" smtClean="0"/>
-              <a:t>2021. 11. 10.</a:t>
+              <a:t>2021. 11. 16.</a:t>
             </a:fld>
             <a:endParaRPr kumimoji="1" lang="ko-Kore-KR" altLang="en-US"/>
           </a:p>
@@ -873,7 +875,7 @@
           <a:p>
             <a:fld id="{4195D0BA-11C3-5F4C-8F74-12E5186703F3}" type="datetimeFigureOut">
               <a:rPr kumimoji="1" lang="ko-Kore-KR" altLang="en-US" smtClean="0"/>
-              <a:t>2021. 11. 10.</a:t>
+              <a:t>2021. 11. 16.</a:t>
             </a:fld>
             <a:endParaRPr kumimoji="1" lang="ko-Kore-KR" altLang="en-US"/>
           </a:p>
@@ -1149,7 +1151,7 @@
           <a:p>
             <a:fld id="{4195D0BA-11C3-5F4C-8F74-12E5186703F3}" type="datetimeFigureOut">
               <a:rPr kumimoji="1" lang="ko-Kore-KR" altLang="en-US" smtClean="0"/>
-              <a:t>2021. 11. 10.</a:t>
+              <a:t>2021. 11. 16.</a:t>
             </a:fld>
             <a:endParaRPr kumimoji="1" lang="ko-Kore-KR" altLang="en-US"/>
           </a:p>
@@ -1417,7 +1419,7 @@
           <a:p>
             <a:fld id="{4195D0BA-11C3-5F4C-8F74-12E5186703F3}" type="datetimeFigureOut">
               <a:rPr kumimoji="1" lang="ko-Kore-KR" altLang="en-US" smtClean="0"/>
-              <a:t>2021. 11. 10.</a:t>
+              <a:t>2021. 11. 16.</a:t>
             </a:fld>
             <a:endParaRPr kumimoji="1" lang="ko-Kore-KR" altLang="en-US"/>
           </a:p>
@@ -1832,7 +1834,7 @@
           <a:p>
             <a:fld id="{4195D0BA-11C3-5F4C-8F74-12E5186703F3}" type="datetimeFigureOut">
               <a:rPr kumimoji="1" lang="ko-Kore-KR" altLang="en-US" smtClean="0"/>
-              <a:t>2021. 11. 10.</a:t>
+              <a:t>2021. 11. 16.</a:t>
             </a:fld>
             <a:endParaRPr kumimoji="1" lang="ko-Kore-KR" altLang="en-US"/>
           </a:p>
@@ -1974,7 +1976,7 @@
           <a:p>
             <a:fld id="{4195D0BA-11C3-5F4C-8F74-12E5186703F3}" type="datetimeFigureOut">
               <a:rPr kumimoji="1" lang="ko-Kore-KR" altLang="en-US" smtClean="0"/>
-              <a:t>2021. 11. 10.</a:t>
+              <a:t>2021. 11. 16.</a:t>
             </a:fld>
             <a:endParaRPr kumimoji="1" lang="ko-Kore-KR" altLang="en-US"/>
           </a:p>
@@ -2087,7 +2089,7 @@
           <a:p>
             <a:fld id="{4195D0BA-11C3-5F4C-8F74-12E5186703F3}" type="datetimeFigureOut">
               <a:rPr kumimoji="1" lang="ko-Kore-KR" altLang="en-US" smtClean="0"/>
-              <a:t>2021. 11. 10.</a:t>
+              <a:t>2021. 11. 16.</a:t>
             </a:fld>
             <a:endParaRPr kumimoji="1" lang="ko-Kore-KR" altLang="en-US"/>
           </a:p>
@@ -2400,7 +2402,7 @@
           <a:p>
             <a:fld id="{4195D0BA-11C3-5F4C-8F74-12E5186703F3}" type="datetimeFigureOut">
               <a:rPr kumimoji="1" lang="ko-Kore-KR" altLang="en-US" smtClean="0"/>
-              <a:t>2021. 11. 10.</a:t>
+              <a:t>2021. 11. 16.</a:t>
             </a:fld>
             <a:endParaRPr kumimoji="1" lang="ko-Kore-KR" altLang="en-US"/>
           </a:p>
@@ -2689,7 +2691,7 @@
           <a:p>
             <a:fld id="{4195D0BA-11C3-5F4C-8F74-12E5186703F3}" type="datetimeFigureOut">
               <a:rPr kumimoji="1" lang="ko-Kore-KR" altLang="en-US" smtClean="0"/>
-              <a:t>2021. 11. 10.</a:t>
+              <a:t>2021. 11. 16.</a:t>
             </a:fld>
             <a:endParaRPr kumimoji="1" lang="ko-Kore-KR" altLang="en-US"/>
           </a:p>
@@ -2932,7 +2934,7 @@
           <a:p>
             <a:fld id="{4195D0BA-11C3-5F4C-8F74-12E5186703F3}" type="datetimeFigureOut">
               <a:rPr kumimoji="1" lang="ko-Kore-KR" altLang="en-US" smtClean="0"/>
-              <a:t>2021. 11. 10.</a:t>
+              <a:t>2021. 11. 16.</a:t>
             </a:fld>
             <a:endParaRPr kumimoji="1" lang="ko-Kore-KR" altLang="en-US"/>
           </a:p>
@@ -7560,6 +7562,5680 @@
 </p:sld>
 </file>
 
+<file path=ppt/slides/slide4.xml><?xml version="1.0" encoding="utf-8"?>
+<p:sld xmlns:a="http://schemas.openxmlformats.org/drawingml/2006/main" xmlns:r="http://schemas.openxmlformats.org/officeDocument/2006/relationships" xmlns:p="http://schemas.openxmlformats.org/presentationml/2006/main">
+  <p:cSld>
+    <p:spTree>
+      <p:nvGrpSpPr>
+        <p:cNvPr id="1" name=""/>
+        <p:cNvGrpSpPr/>
+        <p:nvPr/>
+      </p:nvGrpSpPr>
+      <p:grpSpPr>
+        <a:xfrm>
+          <a:off x="0" y="0"/>
+          <a:ext cx="0" cy="0"/>
+          <a:chOff x="0" y="0"/>
+          <a:chExt cx="0" cy="0"/>
+        </a:xfrm>
+      </p:grpSpPr>
+      <p:sp>
+        <p:nvSpPr>
+          <p:cNvPr id="15" name="직사각형 14">
+            <a:extLst>
+              <a:ext uri="{FF2B5EF4-FFF2-40B4-BE49-F238E27FC236}">
+                <a16:creationId xmlns:a16="http://schemas.microsoft.com/office/drawing/2014/main" id="{C3700EE7-00FE-6B4B-84C8-96A92E6DF5FD}"/>
+              </a:ext>
+            </a:extLst>
+          </p:cNvPr>
+          <p:cNvSpPr/>
+          <p:nvPr/>
+        </p:nvSpPr>
+        <p:spPr>
+          <a:xfrm>
+            <a:off x="698570" y="1882573"/>
+            <a:ext cx="2007186" cy="493776"/>
+          </a:xfrm>
+          <a:prstGeom prst="rect">
+            <a:avLst/>
+          </a:prstGeom>
+          <a:solidFill>
+            <a:schemeClr val="accent1"/>
+          </a:solidFill>
+          <a:ln w="25400" cap="flat" cmpd="sng" algn="ctr">
+            <a:noFill/>
+            <a:prstDash val="solid"/>
+          </a:ln>
+          <a:effectLst/>
+        </p:spPr>
+        <p:txBody>
+          <a:bodyPr lIns="0" tIns="0" rIns="0" bIns="0" rtlCol="0" anchor="ctr"/>
+          <a:lstStyle/>
+          <a:p>
+            <a:pPr marL="0" marR="0" lvl="0" indent="0" algn="ctr" defTabSz="914400" eaLnBrk="1" fontAlgn="auto" latinLnBrk="0" hangingPunct="1">
+              <a:lnSpc>
+                <a:spcPct val="100000"/>
+              </a:lnSpc>
+              <a:spcBef>
+                <a:spcPts val="0"/>
+              </a:spcBef>
+              <a:spcAft>
+                <a:spcPts val="0"/>
+              </a:spcAft>
+              <a:buClr>
+                <a:srgbClr val="000000"/>
+              </a:buClr>
+              <a:buSzTx/>
+              <a:buFont typeface="Arial"/>
+              <a:buNone/>
+              <a:tabLst/>
+              <a:defRPr/>
+            </a:pPr>
+            <a:endParaRPr kumimoji="0" lang="ko-KR" altLang="en-US" sz="1050" b="0" i="0" u="none" strike="noStrike" kern="0" cap="none" spc="0" normalizeH="0" baseline="0" noProof="0" dirty="0">
+              <a:ln>
+                <a:noFill/>
+              </a:ln>
+              <a:solidFill>
+                <a:srgbClr val="FFFFFF"/>
+              </a:solidFill>
+              <a:effectLst/>
+              <a:uLnTx/>
+              <a:uFillTx/>
+              <a:latin typeface="NanumSquare" panose="020B0600000101010101" pitchFamily="34" charset="-127"/>
+              <a:ea typeface="NanumSquare" panose="020B0600000101010101" pitchFamily="34" charset="-127"/>
+              <a:sym typeface="Arial"/>
+            </a:endParaRPr>
+          </a:p>
+        </p:txBody>
+      </p:sp>
+      <p:sp>
+        <p:nvSpPr>
+          <p:cNvPr id="16" name="직사각형 15">
+            <a:extLst>
+              <a:ext uri="{FF2B5EF4-FFF2-40B4-BE49-F238E27FC236}">
+                <a16:creationId xmlns:a16="http://schemas.microsoft.com/office/drawing/2014/main" id="{FBC69836-2F52-CE4A-A943-8BAAC419ACCD}"/>
+              </a:ext>
+            </a:extLst>
+          </p:cNvPr>
+          <p:cNvSpPr/>
+          <p:nvPr/>
+        </p:nvSpPr>
+        <p:spPr>
+          <a:xfrm>
+            <a:off x="2883572" y="1882573"/>
+            <a:ext cx="2007186" cy="493776"/>
+          </a:xfrm>
+          <a:prstGeom prst="rect">
+            <a:avLst/>
+          </a:prstGeom>
+          <a:solidFill>
+            <a:schemeClr val="accent1"/>
+          </a:solidFill>
+          <a:ln w="25400" cap="flat" cmpd="sng" algn="ctr">
+            <a:noFill/>
+            <a:prstDash val="solid"/>
+          </a:ln>
+          <a:effectLst/>
+        </p:spPr>
+        <p:txBody>
+          <a:bodyPr lIns="0" tIns="0" rIns="0" bIns="0" rtlCol="0" anchor="ctr"/>
+          <a:lstStyle/>
+          <a:p>
+            <a:pPr algn="ctr">
+              <a:buClr>
+                <a:srgbClr val="000000"/>
+              </a:buClr>
+            </a:pPr>
+            <a:endParaRPr lang="ko-KR" altLang="en-US" sz="1050" kern="0" dirty="0">
+              <a:solidFill>
+                <a:srgbClr val="FFFFFF"/>
+              </a:solidFill>
+              <a:latin typeface="NanumSquare" panose="020B0600000101010101" pitchFamily="34" charset="-127"/>
+              <a:ea typeface="NanumSquare" panose="020B0600000101010101" pitchFamily="34" charset="-127"/>
+              <a:sym typeface="Arial"/>
+            </a:endParaRPr>
+          </a:p>
+        </p:txBody>
+      </p:sp>
+      <p:sp>
+        <p:nvSpPr>
+          <p:cNvPr id="17" name="직사각형 16">
+            <a:extLst>
+              <a:ext uri="{FF2B5EF4-FFF2-40B4-BE49-F238E27FC236}">
+                <a16:creationId xmlns:a16="http://schemas.microsoft.com/office/drawing/2014/main" id="{009EB7A5-2A40-8C4E-A157-B97FD89A4EDA}"/>
+              </a:ext>
+            </a:extLst>
+          </p:cNvPr>
+          <p:cNvSpPr/>
+          <p:nvPr/>
+        </p:nvSpPr>
+        <p:spPr>
+          <a:xfrm>
+            <a:off x="5038250" y="1882573"/>
+            <a:ext cx="2007186" cy="493776"/>
+          </a:xfrm>
+          <a:prstGeom prst="rect">
+            <a:avLst/>
+          </a:prstGeom>
+          <a:solidFill>
+            <a:schemeClr val="accent1"/>
+          </a:solidFill>
+          <a:ln w="25400" cap="flat" cmpd="sng" algn="ctr">
+            <a:noFill/>
+            <a:prstDash val="solid"/>
+          </a:ln>
+          <a:effectLst/>
+        </p:spPr>
+        <p:txBody>
+          <a:bodyPr lIns="0" tIns="0" rIns="0" bIns="0" rtlCol="0" anchor="ctr"/>
+          <a:lstStyle/>
+          <a:p>
+            <a:pPr algn="ctr">
+              <a:buClr>
+                <a:srgbClr val="000000"/>
+              </a:buClr>
+            </a:pPr>
+            <a:endParaRPr lang="ko-KR" altLang="en-US" sz="1050" kern="0" dirty="0">
+              <a:solidFill>
+                <a:srgbClr val="FFFFFF"/>
+              </a:solidFill>
+              <a:latin typeface="NanumSquare" panose="020B0600000101010101" pitchFamily="34" charset="-127"/>
+              <a:ea typeface="NanumSquare" panose="020B0600000101010101" pitchFamily="34" charset="-127"/>
+              <a:sym typeface="Arial"/>
+            </a:endParaRPr>
+          </a:p>
+        </p:txBody>
+      </p:sp>
+      <p:sp>
+        <p:nvSpPr>
+          <p:cNvPr id="18" name="직사각형 17">
+            <a:extLst>
+              <a:ext uri="{FF2B5EF4-FFF2-40B4-BE49-F238E27FC236}">
+                <a16:creationId xmlns:a16="http://schemas.microsoft.com/office/drawing/2014/main" id="{341FF1A7-6AE6-FC4A-A878-B0BE20755F44}"/>
+              </a:ext>
+            </a:extLst>
+          </p:cNvPr>
+          <p:cNvSpPr/>
+          <p:nvPr/>
+        </p:nvSpPr>
+        <p:spPr>
+          <a:xfrm>
+            <a:off x="9377595" y="1870055"/>
+            <a:ext cx="2007186" cy="493776"/>
+          </a:xfrm>
+          <a:prstGeom prst="rect">
+            <a:avLst/>
+          </a:prstGeom>
+          <a:solidFill>
+            <a:schemeClr val="accent1"/>
+          </a:solidFill>
+          <a:ln w="25400" cap="flat" cmpd="sng" algn="ctr">
+            <a:noFill/>
+            <a:prstDash val="solid"/>
+          </a:ln>
+          <a:effectLst/>
+        </p:spPr>
+        <p:txBody>
+          <a:bodyPr lIns="0" tIns="0" rIns="0" bIns="0" rtlCol="0" anchor="ctr"/>
+          <a:lstStyle/>
+          <a:p>
+            <a:pPr algn="ctr">
+              <a:buClr>
+                <a:srgbClr val="000000"/>
+              </a:buClr>
+            </a:pPr>
+            <a:endParaRPr lang="ko-KR" altLang="en-US" sz="1050" kern="0" dirty="0">
+              <a:solidFill>
+                <a:srgbClr val="FFFFFF"/>
+              </a:solidFill>
+              <a:latin typeface="NanumSquare" panose="020B0600000101010101" pitchFamily="34" charset="-127"/>
+              <a:ea typeface="NanumSquare" panose="020B0600000101010101" pitchFamily="34" charset="-127"/>
+              <a:sym typeface="Arial"/>
+            </a:endParaRPr>
+          </a:p>
+        </p:txBody>
+      </p:sp>
+      <p:sp>
+        <p:nvSpPr>
+          <p:cNvPr id="19" name="직사각형 18">
+            <a:extLst>
+              <a:ext uri="{FF2B5EF4-FFF2-40B4-BE49-F238E27FC236}">
+                <a16:creationId xmlns:a16="http://schemas.microsoft.com/office/drawing/2014/main" id="{19CF519B-48DD-5146-9A73-5834BF0E340B}"/>
+              </a:ext>
+            </a:extLst>
+          </p:cNvPr>
+          <p:cNvSpPr/>
+          <p:nvPr/>
+        </p:nvSpPr>
+        <p:spPr>
+          <a:xfrm>
+            <a:off x="1119312" y="1977352"/>
+            <a:ext cx="1165704" cy="370743"/>
+          </a:xfrm>
+          <a:prstGeom prst="rect">
+            <a:avLst/>
+          </a:prstGeom>
+        </p:spPr>
+        <p:txBody>
+          <a:bodyPr wrap="none">
+            <a:spAutoFit/>
+          </a:bodyPr>
+          <a:lstStyle/>
+          <a:p>
+            <a:pPr algn="ctr" latinLnBrk="0">
+              <a:lnSpc>
+                <a:spcPct val="120000"/>
+              </a:lnSpc>
+              <a:buClr>
+                <a:srgbClr val="000000"/>
+              </a:buClr>
+              <a:buSzPts val="1600"/>
+              <a:buFont typeface="Arial"/>
+              <a:buNone/>
+            </a:pPr>
+            <a:r>
+              <a:rPr lang="en-US" altLang="ko-KR" sz="1600" b="1" kern="0" dirty="0">
+                <a:solidFill>
+                  <a:srgbClr val="FFFFFF"/>
+                </a:solidFill>
+                <a:latin typeface="NanumSquare Bold" panose="020B0600000101010101" pitchFamily="34" charset="-127"/>
+                <a:ea typeface="NanumSquare Bold" panose="020B0600000101010101" pitchFamily="34" charset="-127"/>
+                <a:cs typeface="Arial"/>
+                <a:sym typeface="Arial"/>
+              </a:rPr>
+              <a:t>Data Scale</a:t>
+            </a:r>
+          </a:p>
+        </p:txBody>
+      </p:sp>
+      <p:sp>
+        <p:nvSpPr>
+          <p:cNvPr id="21" name="직사각형 20">
+            <a:extLst>
+              <a:ext uri="{FF2B5EF4-FFF2-40B4-BE49-F238E27FC236}">
+                <a16:creationId xmlns:a16="http://schemas.microsoft.com/office/drawing/2014/main" id="{919B9F2F-B104-B449-9674-07AAFD0BA05A}"/>
+              </a:ext>
+            </a:extLst>
+          </p:cNvPr>
+          <p:cNvSpPr/>
+          <p:nvPr/>
+        </p:nvSpPr>
+        <p:spPr>
+          <a:xfrm>
+            <a:off x="2907574" y="1977352"/>
+            <a:ext cx="1959191" cy="370743"/>
+          </a:xfrm>
+          <a:prstGeom prst="rect">
+            <a:avLst/>
+          </a:prstGeom>
+        </p:spPr>
+        <p:txBody>
+          <a:bodyPr wrap="none">
+            <a:spAutoFit/>
+          </a:bodyPr>
+          <a:lstStyle/>
+          <a:p>
+            <a:pPr algn="ctr" latinLnBrk="0">
+              <a:lnSpc>
+                <a:spcPct val="120000"/>
+              </a:lnSpc>
+              <a:buClr>
+                <a:srgbClr val="000000"/>
+              </a:buClr>
+              <a:buSzPts val="1600"/>
+              <a:buFont typeface="Arial"/>
+              <a:buNone/>
+            </a:pPr>
+            <a:r>
+              <a:rPr lang="en-US" altLang="ko-KR" sz="1600" b="1" kern="0" dirty="0">
+                <a:solidFill>
+                  <a:srgbClr val="FFFFFF"/>
+                </a:solidFill>
+                <a:latin typeface="NanumSquare Bold" panose="020B0600000101010101" pitchFamily="34" charset="-127"/>
+                <a:ea typeface="NanumSquare Bold" panose="020B0600000101010101" pitchFamily="34" charset="-127"/>
+                <a:cs typeface="Arial"/>
+                <a:sym typeface="Arial"/>
+              </a:rPr>
+              <a:t>Package Developer</a:t>
+            </a:r>
+          </a:p>
+        </p:txBody>
+      </p:sp>
+      <p:sp>
+        <p:nvSpPr>
+          <p:cNvPr id="22" name="직사각형 21">
+            <a:extLst>
+              <a:ext uri="{FF2B5EF4-FFF2-40B4-BE49-F238E27FC236}">
+                <a16:creationId xmlns:a16="http://schemas.microsoft.com/office/drawing/2014/main" id="{92E7603B-7AD8-6D46-B37D-2F9258111066}"/>
+              </a:ext>
+            </a:extLst>
+          </p:cNvPr>
+          <p:cNvSpPr/>
+          <p:nvPr/>
+        </p:nvSpPr>
+        <p:spPr>
+          <a:xfrm>
+            <a:off x="5400486" y="1977352"/>
+            <a:ext cx="1282722" cy="370743"/>
+          </a:xfrm>
+          <a:prstGeom prst="rect">
+            <a:avLst/>
+          </a:prstGeom>
+        </p:spPr>
+        <p:txBody>
+          <a:bodyPr wrap="none">
+            <a:spAutoFit/>
+          </a:bodyPr>
+          <a:lstStyle/>
+          <a:p>
+            <a:pPr algn="ctr" latinLnBrk="0">
+              <a:lnSpc>
+                <a:spcPct val="120000"/>
+              </a:lnSpc>
+              <a:buClr>
+                <a:srgbClr val="000000"/>
+              </a:buClr>
+              <a:buSzPts val="1600"/>
+              <a:buFont typeface="Arial"/>
+              <a:buNone/>
+            </a:pPr>
+            <a:r>
+              <a:rPr lang="en-US" altLang="ko-KR" sz="1600" b="1" kern="0" dirty="0">
+                <a:solidFill>
+                  <a:srgbClr val="FFFFFF"/>
+                </a:solidFill>
+                <a:latin typeface="NanumSquare Bold" panose="020B0600000101010101" pitchFamily="34" charset="-127"/>
+                <a:ea typeface="NanumSquare Bold" panose="020B0600000101010101" pitchFamily="34" charset="-127"/>
+                <a:cs typeface="Arial"/>
+                <a:sym typeface="Arial"/>
+              </a:rPr>
+              <a:t>Distribution</a:t>
+            </a:r>
+          </a:p>
+        </p:txBody>
+      </p:sp>
+      <p:sp>
+        <p:nvSpPr>
+          <p:cNvPr id="23" name="직사각형 22">
+            <a:extLst>
+              <a:ext uri="{FF2B5EF4-FFF2-40B4-BE49-F238E27FC236}">
+                <a16:creationId xmlns:a16="http://schemas.microsoft.com/office/drawing/2014/main" id="{341A2577-1A87-6A49-9452-DE7AE204C156}"/>
+              </a:ext>
+            </a:extLst>
+          </p:cNvPr>
+          <p:cNvSpPr/>
+          <p:nvPr/>
+        </p:nvSpPr>
+        <p:spPr>
+          <a:xfrm>
+            <a:off x="9431251" y="1964834"/>
+            <a:ext cx="1899879" cy="370743"/>
+          </a:xfrm>
+          <a:prstGeom prst="rect">
+            <a:avLst/>
+          </a:prstGeom>
+        </p:spPr>
+        <p:txBody>
+          <a:bodyPr wrap="none">
+            <a:spAutoFit/>
+          </a:bodyPr>
+          <a:lstStyle/>
+          <a:p>
+            <a:pPr algn="ctr" latinLnBrk="0">
+              <a:lnSpc>
+                <a:spcPct val="120000"/>
+              </a:lnSpc>
+              <a:buClr>
+                <a:srgbClr val="000000"/>
+              </a:buClr>
+              <a:buSzPts val="1600"/>
+              <a:buFont typeface="Arial"/>
+              <a:buNone/>
+            </a:pPr>
+            <a:r>
+              <a:rPr lang="en-US" altLang="ko-KR" sz="1600" b="1" kern="0" dirty="0">
+                <a:solidFill>
+                  <a:srgbClr val="FFFFFF"/>
+                </a:solidFill>
+                <a:latin typeface="NanumSquare Bold" panose="020B0600000101010101" pitchFamily="34" charset="-127"/>
+                <a:ea typeface="NanumSquare Bold" panose="020B0600000101010101" pitchFamily="34" charset="-127"/>
+                <a:cs typeface="Arial"/>
+                <a:sym typeface="Arial"/>
+              </a:rPr>
+              <a:t>Analytics Methods</a:t>
+            </a:r>
+          </a:p>
+        </p:txBody>
+      </p:sp>
+      <p:sp>
+        <p:nvSpPr>
+          <p:cNvPr id="25" name="직사각형 24">
+            <a:extLst>
+              <a:ext uri="{FF2B5EF4-FFF2-40B4-BE49-F238E27FC236}">
+                <a16:creationId xmlns:a16="http://schemas.microsoft.com/office/drawing/2014/main" id="{BED9D19D-119D-8E40-8880-B4DB751C34A6}"/>
+              </a:ext>
+            </a:extLst>
+          </p:cNvPr>
+          <p:cNvSpPr/>
+          <p:nvPr/>
+        </p:nvSpPr>
+        <p:spPr>
+          <a:xfrm>
+            <a:off x="698570" y="2376348"/>
+            <a:ext cx="2007186" cy="3001005"/>
+          </a:xfrm>
+          <a:prstGeom prst="rect">
+            <a:avLst/>
+          </a:prstGeom>
+          <a:solidFill>
+            <a:schemeClr val="accent1">
+              <a:lumMod val="20000"/>
+              <a:lumOff val="80000"/>
+            </a:schemeClr>
+          </a:solidFill>
+          <a:ln w="25400" cap="flat" cmpd="sng" algn="ctr">
+            <a:noFill/>
+            <a:prstDash val="solid"/>
+          </a:ln>
+          <a:effectLst/>
+        </p:spPr>
+        <p:txBody>
+          <a:bodyPr lIns="0" tIns="0" rIns="0" bIns="0" rtlCol="0" anchor="ctr"/>
+          <a:lstStyle/>
+          <a:p>
+            <a:pPr marL="0" marR="0" lvl="0" indent="0" algn="ctr" defTabSz="914400" eaLnBrk="1" fontAlgn="auto" latinLnBrk="0" hangingPunct="1">
+              <a:lnSpc>
+                <a:spcPct val="100000"/>
+              </a:lnSpc>
+              <a:spcBef>
+                <a:spcPts val="0"/>
+              </a:spcBef>
+              <a:spcAft>
+                <a:spcPts val="0"/>
+              </a:spcAft>
+              <a:buClr>
+                <a:srgbClr val="000000"/>
+              </a:buClr>
+              <a:buSzTx/>
+              <a:buFont typeface="Arial"/>
+              <a:buNone/>
+              <a:tabLst/>
+              <a:defRPr/>
+            </a:pPr>
+            <a:endParaRPr kumimoji="0" lang="ko-KR" altLang="en-US" sz="1050" b="0" i="0" u="none" strike="noStrike" kern="0" cap="none" spc="0" normalizeH="0" baseline="0" noProof="0" dirty="0">
+              <a:ln>
+                <a:noFill/>
+              </a:ln>
+              <a:solidFill>
+                <a:srgbClr val="FFFFFF"/>
+              </a:solidFill>
+              <a:effectLst/>
+              <a:uLnTx/>
+              <a:uFillTx/>
+              <a:latin typeface="NanumSquare" panose="020B0600000101010101" pitchFamily="34" charset="-127"/>
+              <a:ea typeface="NanumSquare" panose="020B0600000101010101" pitchFamily="34" charset="-127"/>
+              <a:sym typeface="Arial"/>
+            </a:endParaRPr>
+          </a:p>
+        </p:txBody>
+      </p:sp>
+      <p:sp>
+        <p:nvSpPr>
+          <p:cNvPr id="26" name="직사각형 25">
+            <a:extLst>
+              <a:ext uri="{FF2B5EF4-FFF2-40B4-BE49-F238E27FC236}">
+                <a16:creationId xmlns:a16="http://schemas.microsoft.com/office/drawing/2014/main" id="{0CDD5849-D3F8-5848-A353-23AC294BD6C9}"/>
+              </a:ext>
+            </a:extLst>
+          </p:cNvPr>
+          <p:cNvSpPr/>
+          <p:nvPr/>
+        </p:nvSpPr>
+        <p:spPr>
+          <a:xfrm>
+            <a:off x="2883572" y="2376348"/>
+            <a:ext cx="2007186" cy="3001005"/>
+          </a:xfrm>
+          <a:prstGeom prst="rect">
+            <a:avLst/>
+          </a:prstGeom>
+          <a:solidFill>
+            <a:schemeClr val="accent1">
+              <a:lumMod val="20000"/>
+              <a:lumOff val="80000"/>
+            </a:schemeClr>
+          </a:solidFill>
+          <a:ln w="25400" cap="flat" cmpd="sng" algn="ctr">
+            <a:noFill/>
+            <a:prstDash val="solid"/>
+          </a:ln>
+          <a:effectLst/>
+        </p:spPr>
+        <p:txBody>
+          <a:bodyPr lIns="0" tIns="0" rIns="0" bIns="0" rtlCol="0" anchor="ctr"/>
+          <a:lstStyle/>
+          <a:p>
+            <a:pPr algn="ctr">
+              <a:buClr>
+                <a:srgbClr val="000000"/>
+              </a:buClr>
+            </a:pPr>
+            <a:endParaRPr lang="ko-KR" altLang="en-US" sz="1050" kern="0" dirty="0">
+              <a:solidFill>
+                <a:srgbClr val="FFFFFF"/>
+              </a:solidFill>
+              <a:latin typeface="NanumSquare" panose="020B0600000101010101" pitchFamily="34" charset="-127"/>
+              <a:ea typeface="NanumSquare" panose="020B0600000101010101" pitchFamily="34" charset="-127"/>
+              <a:sym typeface="Arial"/>
+            </a:endParaRPr>
+          </a:p>
+        </p:txBody>
+      </p:sp>
+      <p:sp>
+        <p:nvSpPr>
+          <p:cNvPr id="27" name="직사각형 26">
+            <a:extLst>
+              <a:ext uri="{FF2B5EF4-FFF2-40B4-BE49-F238E27FC236}">
+                <a16:creationId xmlns:a16="http://schemas.microsoft.com/office/drawing/2014/main" id="{DC045FBE-115D-B240-90F0-F40CCB18D9D7}"/>
+              </a:ext>
+            </a:extLst>
+          </p:cNvPr>
+          <p:cNvSpPr/>
+          <p:nvPr/>
+        </p:nvSpPr>
+        <p:spPr>
+          <a:xfrm>
+            <a:off x="5038250" y="2376348"/>
+            <a:ext cx="2007186" cy="3001005"/>
+          </a:xfrm>
+          <a:prstGeom prst="rect">
+            <a:avLst/>
+          </a:prstGeom>
+          <a:solidFill>
+            <a:schemeClr val="accent1">
+              <a:lumMod val="20000"/>
+              <a:lumOff val="80000"/>
+            </a:schemeClr>
+          </a:solidFill>
+          <a:ln w="25400" cap="flat" cmpd="sng" algn="ctr">
+            <a:noFill/>
+            <a:prstDash val="solid"/>
+          </a:ln>
+          <a:effectLst/>
+        </p:spPr>
+        <p:txBody>
+          <a:bodyPr lIns="0" tIns="0" rIns="0" bIns="0" rtlCol="0" anchor="ctr"/>
+          <a:lstStyle/>
+          <a:p>
+            <a:pPr algn="ctr">
+              <a:buClr>
+                <a:srgbClr val="000000"/>
+              </a:buClr>
+            </a:pPr>
+            <a:endParaRPr lang="ko-KR" altLang="en-US" sz="1050" kern="0" dirty="0">
+              <a:solidFill>
+                <a:srgbClr val="FFFFFF"/>
+              </a:solidFill>
+              <a:latin typeface="NanumSquare" panose="020B0600000101010101" pitchFamily="34" charset="-127"/>
+              <a:ea typeface="NanumSquare" panose="020B0600000101010101" pitchFamily="34" charset="-127"/>
+              <a:sym typeface="Arial"/>
+            </a:endParaRPr>
+          </a:p>
+        </p:txBody>
+      </p:sp>
+      <p:sp>
+        <p:nvSpPr>
+          <p:cNvPr id="28" name="직사각형 27">
+            <a:extLst>
+              <a:ext uri="{FF2B5EF4-FFF2-40B4-BE49-F238E27FC236}">
+                <a16:creationId xmlns:a16="http://schemas.microsoft.com/office/drawing/2014/main" id="{D92D6C6F-33A0-4D4B-9B36-864A666DD054}"/>
+              </a:ext>
+            </a:extLst>
+          </p:cNvPr>
+          <p:cNvSpPr/>
+          <p:nvPr/>
+        </p:nvSpPr>
+        <p:spPr>
+          <a:xfrm>
+            <a:off x="9377595" y="2363830"/>
+            <a:ext cx="2007186" cy="3001005"/>
+          </a:xfrm>
+          <a:prstGeom prst="rect">
+            <a:avLst/>
+          </a:prstGeom>
+          <a:solidFill>
+            <a:schemeClr val="accent1">
+              <a:lumMod val="20000"/>
+              <a:lumOff val="80000"/>
+            </a:schemeClr>
+          </a:solidFill>
+          <a:ln w="25400" cap="flat" cmpd="sng" algn="ctr">
+            <a:noFill/>
+            <a:prstDash val="solid"/>
+          </a:ln>
+          <a:effectLst/>
+        </p:spPr>
+        <p:txBody>
+          <a:bodyPr lIns="0" tIns="0" rIns="0" bIns="0" rtlCol="0" anchor="ctr"/>
+          <a:lstStyle/>
+          <a:p>
+            <a:pPr algn="ctr">
+              <a:buClr>
+                <a:srgbClr val="000000"/>
+              </a:buClr>
+            </a:pPr>
+            <a:endParaRPr lang="ko-KR" altLang="en-US" sz="1050" kern="0" dirty="0">
+              <a:solidFill>
+                <a:srgbClr val="FFFFFF"/>
+              </a:solidFill>
+              <a:latin typeface="NanumSquare" panose="020B0600000101010101" pitchFamily="34" charset="-127"/>
+              <a:ea typeface="NanumSquare" panose="020B0600000101010101" pitchFamily="34" charset="-127"/>
+              <a:sym typeface="Arial"/>
+            </a:endParaRPr>
+          </a:p>
+        </p:txBody>
+      </p:sp>
+      <p:sp>
+        <p:nvSpPr>
+          <p:cNvPr id="29" name="타원 28">
+            <a:extLst>
+              <a:ext uri="{FF2B5EF4-FFF2-40B4-BE49-F238E27FC236}">
+                <a16:creationId xmlns:a16="http://schemas.microsoft.com/office/drawing/2014/main" id="{64C995F4-FF23-F64A-8ABB-851636FAED8C}"/>
+              </a:ext>
+            </a:extLst>
+          </p:cNvPr>
+          <p:cNvSpPr/>
+          <p:nvPr/>
+        </p:nvSpPr>
+        <p:spPr>
+          <a:xfrm>
+            <a:off x="1359792" y="1318702"/>
+            <a:ext cx="684742" cy="684742"/>
+          </a:xfrm>
+          <a:prstGeom prst="ellipse">
+            <a:avLst/>
+          </a:prstGeom>
+          <a:solidFill>
+            <a:srgbClr val="FFFFFF"/>
+          </a:solidFill>
+          <a:ln w="25400" cap="flat" cmpd="sng" algn="ctr">
+            <a:noFill/>
+            <a:prstDash val="solid"/>
+          </a:ln>
+          <a:effectLst>
+            <a:outerShdw blurRad="50800" dist="38100" dir="2700000" algn="tl" rotWithShape="0">
+              <a:prstClr val="black">
+                <a:alpha val="40000"/>
+              </a:prstClr>
+            </a:outerShdw>
+          </a:effectLst>
+        </p:spPr>
+        <p:txBody>
+          <a:bodyPr rtlCol="0" anchor="ctr"/>
+          <a:lstStyle/>
+          <a:p>
+            <a:pPr marL="0" marR="0" lvl="0" indent="0" algn="ctr" defTabSz="914400" eaLnBrk="1" fontAlgn="auto" latinLnBrk="0" hangingPunct="1">
+              <a:lnSpc>
+                <a:spcPct val="100000"/>
+              </a:lnSpc>
+              <a:spcBef>
+                <a:spcPts val="0"/>
+              </a:spcBef>
+              <a:spcAft>
+                <a:spcPts val="0"/>
+              </a:spcAft>
+              <a:buClr>
+                <a:srgbClr val="000000"/>
+              </a:buClr>
+              <a:buSzTx/>
+              <a:buFont typeface="Arial"/>
+              <a:buNone/>
+              <a:tabLst/>
+              <a:defRPr/>
+            </a:pPr>
+            <a:endParaRPr kumimoji="0" lang="ko-KR" altLang="en-US" sz="1400" b="0" i="0" u="none" strike="noStrike" kern="0" cap="none" spc="0" normalizeH="0" baseline="0" noProof="0">
+              <a:ln>
+                <a:noFill/>
+              </a:ln>
+              <a:solidFill>
+                <a:srgbClr val="FFFFFF"/>
+              </a:solidFill>
+              <a:effectLst/>
+              <a:uLnTx/>
+              <a:uFillTx/>
+              <a:latin typeface="NanumSquare" panose="020B0600000101010101" pitchFamily="34" charset="-127"/>
+              <a:ea typeface="NanumSquare" panose="020B0600000101010101" pitchFamily="34" charset="-127"/>
+              <a:sym typeface="Arial"/>
+            </a:endParaRPr>
+          </a:p>
+        </p:txBody>
+      </p:sp>
+      <p:sp>
+        <p:nvSpPr>
+          <p:cNvPr id="30" name="타원 29">
+            <a:extLst>
+              <a:ext uri="{FF2B5EF4-FFF2-40B4-BE49-F238E27FC236}">
+                <a16:creationId xmlns:a16="http://schemas.microsoft.com/office/drawing/2014/main" id="{D149E8DC-C1E6-704A-953B-6E1AC522E46F}"/>
+              </a:ext>
+            </a:extLst>
+          </p:cNvPr>
+          <p:cNvSpPr/>
+          <p:nvPr/>
+        </p:nvSpPr>
+        <p:spPr>
+          <a:xfrm>
+            <a:off x="3544794" y="1318702"/>
+            <a:ext cx="684742" cy="684742"/>
+          </a:xfrm>
+          <a:prstGeom prst="ellipse">
+            <a:avLst/>
+          </a:prstGeom>
+          <a:solidFill>
+            <a:srgbClr val="FFFFFF"/>
+          </a:solidFill>
+          <a:ln w="25400" cap="flat" cmpd="sng" algn="ctr">
+            <a:noFill/>
+            <a:prstDash val="solid"/>
+          </a:ln>
+          <a:effectLst>
+            <a:outerShdw blurRad="50800" dist="38100" dir="2700000" algn="tl" rotWithShape="0">
+              <a:prstClr val="black">
+                <a:alpha val="40000"/>
+              </a:prstClr>
+            </a:outerShdw>
+          </a:effectLst>
+        </p:spPr>
+        <p:txBody>
+          <a:bodyPr rtlCol="0" anchor="ctr"/>
+          <a:lstStyle/>
+          <a:p>
+            <a:pPr marL="0" marR="0" lvl="0" indent="0" algn="ctr" defTabSz="914400" eaLnBrk="1" fontAlgn="auto" latinLnBrk="0" hangingPunct="1">
+              <a:lnSpc>
+                <a:spcPct val="100000"/>
+              </a:lnSpc>
+              <a:spcBef>
+                <a:spcPts val="0"/>
+              </a:spcBef>
+              <a:spcAft>
+                <a:spcPts val="0"/>
+              </a:spcAft>
+              <a:buClr>
+                <a:srgbClr val="000000"/>
+              </a:buClr>
+              <a:buSzTx/>
+              <a:buFont typeface="Arial"/>
+              <a:buNone/>
+              <a:tabLst/>
+              <a:defRPr/>
+            </a:pPr>
+            <a:endParaRPr kumimoji="0" lang="ko-KR" altLang="en-US" sz="1400" b="0" i="0" u="none" strike="noStrike" kern="0" cap="none" spc="0" normalizeH="0" baseline="0" noProof="0">
+              <a:ln>
+                <a:noFill/>
+              </a:ln>
+              <a:solidFill>
+                <a:srgbClr val="FFFFFF"/>
+              </a:solidFill>
+              <a:effectLst/>
+              <a:uLnTx/>
+              <a:uFillTx/>
+              <a:latin typeface="NanumSquare" panose="020B0600000101010101" pitchFamily="34" charset="-127"/>
+              <a:ea typeface="NanumSquare" panose="020B0600000101010101" pitchFamily="34" charset="-127"/>
+              <a:sym typeface="Arial"/>
+            </a:endParaRPr>
+          </a:p>
+        </p:txBody>
+      </p:sp>
+      <p:sp>
+        <p:nvSpPr>
+          <p:cNvPr id="31" name="타원 30">
+            <a:extLst>
+              <a:ext uri="{FF2B5EF4-FFF2-40B4-BE49-F238E27FC236}">
+                <a16:creationId xmlns:a16="http://schemas.microsoft.com/office/drawing/2014/main" id="{C9303BF5-3D09-BF40-813D-9CAC12F53049}"/>
+              </a:ext>
+            </a:extLst>
+          </p:cNvPr>
+          <p:cNvSpPr/>
+          <p:nvPr/>
+        </p:nvSpPr>
+        <p:spPr>
+          <a:xfrm>
+            <a:off x="5699472" y="1318702"/>
+            <a:ext cx="684742" cy="684742"/>
+          </a:xfrm>
+          <a:prstGeom prst="ellipse">
+            <a:avLst/>
+          </a:prstGeom>
+          <a:solidFill>
+            <a:srgbClr val="FFFFFF"/>
+          </a:solidFill>
+          <a:ln w="25400" cap="flat" cmpd="sng" algn="ctr">
+            <a:noFill/>
+            <a:prstDash val="solid"/>
+          </a:ln>
+          <a:effectLst>
+            <a:outerShdw blurRad="50800" dist="38100" dir="2700000" algn="tl" rotWithShape="0">
+              <a:prstClr val="black">
+                <a:alpha val="40000"/>
+              </a:prstClr>
+            </a:outerShdw>
+          </a:effectLst>
+        </p:spPr>
+        <p:txBody>
+          <a:bodyPr rtlCol="0" anchor="ctr"/>
+          <a:lstStyle/>
+          <a:p>
+            <a:pPr marL="0" marR="0" lvl="0" indent="0" algn="ctr" defTabSz="914400" eaLnBrk="1" fontAlgn="auto" latinLnBrk="0" hangingPunct="1">
+              <a:lnSpc>
+                <a:spcPct val="100000"/>
+              </a:lnSpc>
+              <a:spcBef>
+                <a:spcPts val="0"/>
+              </a:spcBef>
+              <a:spcAft>
+                <a:spcPts val="0"/>
+              </a:spcAft>
+              <a:buClr>
+                <a:srgbClr val="000000"/>
+              </a:buClr>
+              <a:buSzTx/>
+              <a:buFont typeface="Arial"/>
+              <a:buNone/>
+              <a:tabLst/>
+              <a:defRPr/>
+            </a:pPr>
+            <a:endParaRPr kumimoji="0" lang="ko-KR" altLang="en-US" sz="1400" b="0" i="0" u="none" strike="noStrike" kern="0" cap="none" spc="0" normalizeH="0" baseline="0" noProof="0">
+              <a:ln>
+                <a:noFill/>
+              </a:ln>
+              <a:solidFill>
+                <a:srgbClr val="FFFFFF"/>
+              </a:solidFill>
+              <a:effectLst/>
+              <a:uLnTx/>
+              <a:uFillTx/>
+              <a:latin typeface="NanumSquare" panose="020B0600000101010101" pitchFamily="34" charset="-127"/>
+              <a:ea typeface="NanumSquare" panose="020B0600000101010101" pitchFamily="34" charset="-127"/>
+              <a:sym typeface="Arial"/>
+            </a:endParaRPr>
+          </a:p>
+        </p:txBody>
+      </p:sp>
+      <p:sp>
+        <p:nvSpPr>
+          <p:cNvPr id="32" name="타원 31">
+            <a:extLst>
+              <a:ext uri="{FF2B5EF4-FFF2-40B4-BE49-F238E27FC236}">
+                <a16:creationId xmlns:a16="http://schemas.microsoft.com/office/drawing/2014/main" id="{D3F27758-A30C-6E44-813E-B48E2DBA3EE7}"/>
+              </a:ext>
+            </a:extLst>
+          </p:cNvPr>
+          <p:cNvSpPr/>
+          <p:nvPr/>
+        </p:nvSpPr>
+        <p:spPr>
+          <a:xfrm>
+            <a:off x="10038817" y="1306184"/>
+            <a:ext cx="684742" cy="684742"/>
+          </a:xfrm>
+          <a:prstGeom prst="ellipse">
+            <a:avLst/>
+          </a:prstGeom>
+          <a:solidFill>
+            <a:srgbClr val="FFFFFF"/>
+          </a:solidFill>
+          <a:ln w="25400" cap="flat" cmpd="sng" algn="ctr">
+            <a:noFill/>
+            <a:prstDash val="solid"/>
+          </a:ln>
+          <a:effectLst>
+            <a:outerShdw blurRad="50800" dist="38100" dir="2700000" algn="tl" rotWithShape="0">
+              <a:prstClr val="black">
+                <a:alpha val="40000"/>
+              </a:prstClr>
+            </a:outerShdw>
+          </a:effectLst>
+        </p:spPr>
+        <p:txBody>
+          <a:bodyPr rtlCol="0" anchor="ctr"/>
+          <a:lstStyle/>
+          <a:p>
+            <a:pPr marL="0" marR="0" lvl="0" indent="0" algn="ctr" defTabSz="914400" eaLnBrk="1" fontAlgn="auto" latinLnBrk="0" hangingPunct="1">
+              <a:lnSpc>
+                <a:spcPct val="100000"/>
+              </a:lnSpc>
+              <a:spcBef>
+                <a:spcPts val="0"/>
+              </a:spcBef>
+              <a:spcAft>
+                <a:spcPts val="0"/>
+              </a:spcAft>
+              <a:buClr>
+                <a:srgbClr val="000000"/>
+              </a:buClr>
+              <a:buSzTx/>
+              <a:buFont typeface="Arial"/>
+              <a:buNone/>
+              <a:tabLst/>
+              <a:defRPr/>
+            </a:pPr>
+            <a:endParaRPr kumimoji="0" lang="ko-KR" altLang="en-US" sz="1400" b="0" i="0" u="none" strike="noStrike" kern="0" cap="none" spc="0" normalizeH="0" baseline="0" noProof="0">
+              <a:ln>
+                <a:noFill/>
+              </a:ln>
+              <a:solidFill>
+                <a:srgbClr val="FFFFFF"/>
+              </a:solidFill>
+              <a:effectLst/>
+              <a:uLnTx/>
+              <a:uFillTx/>
+              <a:latin typeface="NanumSquare" panose="020B0600000101010101" pitchFamily="34" charset="-127"/>
+              <a:ea typeface="NanumSquare" panose="020B0600000101010101" pitchFamily="34" charset="-127"/>
+              <a:sym typeface="Arial"/>
+            </a:endParaRPr>
+          </a:p>
+        </p:txBody>
+      </p:sp>
+      <p:sp>
+        <p:nvSpPr>
+          <p:cNvPr id="33" name="아래쪽 화살표 설명선 4">
+            <a:extLst>
+              <a:ext uri="{FF2B5EF4-FFF2-40B4-BE49-F238E27FC236}">
+                <a16:creationId xmlns:a16="http://schemas.microsoft.com/office/drawing/2014/main" id="{E8FCE619-5DA0-1845-A66C-31E9C2D184CA}"/>
+              </a:ext>
+            </a:extLst>
+          </p:cNvPr>
+          <p:cNvSpPr/>
+          <p:nvPr/>
+        </p:nvSpPr>
+        <p:spPr>
+          <a:xfrm>
+            <a:off x="807219" y="2681768"/>
+            <a:ext cx="1789889" cy="1149913"/>
+          </a:xfrm>
+          <a:prstGeom prst="downArrowCallout">
+            <a:avLst>
+              <a:gd name="adj1" fmla="val 21466"/>
+              <a:gd name="adj2" fmla="val 25000"/>
+              <a:gd name="adj3" fmla="val 25000"/>
+              <a:gd name="adj4" fmla="val 64977"/>
+            </a:avLst>
+          </a:prstGeom>
+          <a:solidFill>
+            <a:schemeClr val="accent5">
+              <a:lumMod val="60000"/>
+              <a:lumOff val="40000"/>
+            </a:schemeClr>
+          </a:solidFill>
+          <a:ln w="25400" cap="flat" cmpd="sng" algn="ctr">
+            <a:noFill/>
+            <a:prstDash val="solid"/>
+          </a:ln>
+          <a:effectLst/>
+        </p:spPr>
+        <p:txBody>
+          <a:bodyPr rtlCol="0" anchor="ctr"/>
+          <a:lstStyle/>
+          <a:p>
+            <a:pPr marL="0" marR="0" lvl="0" indent="0" algn="ctr" defTabSz="914400" eaLnBrk="1" fontAlgn="auto" latinLnBrk="0" hangingPunct="1">
+              <a:lnSpc>
+                <a:spcPct val="100000"/>
+              </a:lnSpc>
+              <a:spcBef>
+                <a:spcPts val="0"/>
+              </a:spcBef>
+              <a:spcAft>
+                <a:spcPts val="0"/>
+              </a:spcAft>
+              <a:buClr>
+                <a:srgbClr val="000000"/>
+              </a:buClr>
+              <a:buSzTx/>
+              <a:buFont typeface="Arial"/>
+              <a:buNone/>
+              <a:tabLst/>
+              <a:defRPr/>
+            </a:pPr>
+            <a:r>
+              <a:rPr kumimoji="0" lang="ko-KR" altLang="en-US" sz="1400" b="1" i="0" u="none" strike="noStrike" kern="0" cap="none" spc="0" normalizeH="0" baseline="0" noProof="0" dirty="0">
+                <a:ln>
+                  <a:noFill/>
+                </a:ln>
+                <a:solidFill>
+                  <a:srgbClr val="000000">
+                    <a:lumMod val="65000"/>
+                    <a:lumOff val="35000"/>
+                  </a:srgbClr>
+                </a:solidFill>
+                <a:effectLst/>
+                <a:uLnTx/>
+                <a:uFillTx/>
+                <a:latin typeface="NanumSquare Bold" panose="020B0600000101010101" pitchFamily="34" charset="-127"/>
+                <a:ea typeface="NanumSquare Bold" panose="020B0600000101010101" pitchFamily="34" charset="-127"/>
+                <a:cs typeface="Arial"/>
+                <a:sym typeface="Arial"/>
+              </a:rPr>
+              <a:t>토이 데이터 수준의 데이터 분석</a:t>
+            </a:r>
+            <a:endParaRPr kumimoji="0" lang="ko-KR" altLang="en-US" sz="1600" b="0" i="0" u="none" strike="noStrike" kern="0" cap="none" spc="0" normalizeH="0" baseline="0" noProof="0" dirty="0">
+              <a:ln>
+                <a:noFill/>
+              </a:ln>
+              <a:solidFill>
+                <a:srgbClr val="FFFFFF"/>
+              </a:solidFill>
+              <a:effectLst/>
+              <a:uLnTx/>
+              <a:uFillTx/>
+              <a:latin typeface="NanumSquare" panose="020B0600000101010101" pitchFamily="34" charset="-127"/>
+              <a:ea typeface="NanumSquare" panose="020B0600000101010101" pitchFamily="34" charset="-127"/>
+              <a:sym typeface="Arial"/>
+            </a:endParaRPr>
+          </a:p>
+        </p:txBody>
+      </p:sp>
+      <p:sp>
+        <p:nvSpPr>
+          <p:cNvPr id="34" name="직사각형 33">
+            <a:extLst>
+              <a:ext uri="{FF2B5EF4-FFF2-40B4-BE49-F238E27FC236}">
+                <a16:creationId xmlns:a16="http://schemas.microsoft.com/office/drawing/2014/main" id="{D856F348-59E8-9445-A2CA-46F012096892}"/>
+              </a:ext>
+            </a:extLst>
+          </p:cNvPr>
+          <p:cNvSpPr/>
+          <p:nvPr/>
+        </p:nvSpPr>
+        <p:spPr>
+          <a:xfrm>
+            <a:off x="807218" y="3870592"/>
+            <a:ext cx="1789889" cy="1185749"/>
+          </a:xfrm>
+          <a:prstGeom prst="rect">
+            <a:avLst/>
+          </a:prstGeom>
+          <a:solidFill>
+            <a:schemeClr val="accent5">
+              <a:lumMod val="60000"/>
+              <a:lumOff val="40000"/>
+            </a:schemeClr>
+          </a:solidFill>
+          <a:ln w="25400" cap="flat" cmpd="sng" algn="ctr">
+            <a:noFill/>
+            <a:prstDash val="solid"/>
+          </a:ln>
+          <a:effectLst/>
+        </p:spPr>
+        <p:txBody>
+          <a:bodyPr rtlCol="0" anchor="ctr"/>
+          <a:lstStyle/>
+          <a:p>
+            <a:pPr algn="ctr">
+              <a:buClr>
+                <a:srgbClr val="000000"/>
+              </a:buClr>
+            </a:pPr>
+            <a:r>
+              <a:rPr lang="ko-KR" altLang="en-US" sz="1400" b="1" kern="0" dirty="0">
+                <a:solidFill>
+                  <a:srgbClr val="000000">
+                    <a:lumMod val="65000"/>
+                    <a:lumOff val="35000"/>
+                  </a:srgbClr>
+                </a:solidFill>
+                <a:latin typeface="NanumSquare Bold" panose="020B0600000101010101" pitchFamily="34" charset="-127"/>
+                <a:ea typeface="NanumSquare Bold" panose="020B0600000101010101" pitchFamily="34" charset="-127"/>
+                <a:cs typeface="Arial"/>
+                <a:sym typeface="Arial"/>
+              </a:rPr>
+              <a:t>엔터프라이즈급의 대용량 데이터의 </a:t>
+            </a:r>
+            <a:r>
+              <a:rPr lang="ko-KR" altLang="en-US" sz="1400" b="1" kern="0" dirty="0">
+                <a:solidFill>
+                  <a:srgbClr val="000000">
+                    <a:lumMod val="65000"/>
+                    <a:lumOff val="35000"/>
+                  </a:srgbClr>
+                </a:solidFill>
+                <a:latin typeface="NanumSquare Bold" panose="020B0600000101010101" pitchFamily="34" charset="-127"/>
+                <a:ea typeface="NanumSquare Bold" panose="020B0600000101010101" pitchFamily="34" charset="-127"/>
+                <a:cs typeface="Arial"/>
+                <a:sym typeface="Arial"/>
+              </a:rPr>
+              <a:t>분석</a:t>
+            </a:r>
+            <a:endParaRPr lang="en-US" altLang="ko-KR" sz="1400" b="1" kern="0" dirty="0">
+              <a:solidFill>
+                <a:srgbClr val="000000">
+                  <a:lumMod val="65000"/>
+                  <a:lumOff val="35000"/>
+                </a:srgbClr>
+              </a:solidFill>
+              <a:latin typeface="NanumSquare Bold" panose="020B0600000101010101" pitchFamily="34" charset="-127"/>
+              <a:ea typeface="NanumSquare Bold" panose="020B0600000101010101" pitchFamily="34" charset="-127"/>
+              <a:cs typeface="Arial"/>
+              <a:sym typeface="Arial"/>
+            </a:endParaRPr>
+          </a:p>
+        </p:txBody>
+      </p:sp>
+      <p:sp>
+        <p:nvSpPr>
+          <p:cNvPr id="35" name="아래쪽 화살표 설명선 37">
+            <a:extLst>
+              <a:ext uri="{FF2B5EF4-FFF2-40B4-BE49-F238E27FC236}">
+                <a16:creationId xmlns:a16="http://schemas.microsoft.com/office/drawing/2014/main" id="{FB4BEE3B-263B-7342-98FB-19FD778A0B75}"/>
+              </a:ext>
+            </a:extLst>
+          </p:cNvPr>
+          <p:cNvSpPr/>
+          <p:nvPr/>
+        </p:nvSpPr>
+        <p:spPr>
+          <a:xfrm>
+            <a:off x="2992221" y="2681768"/>
+            <a:ext cx="1789889" cy="1149913"/>
+          </a:xfrm>
+          <a:prstGeom prst="downArrowCallout">
+            <a:avLst>
+              <a:gd name="adj1" fmla="val 21466"/>
+              <a:gd name="adj2" fmla="val 25000"/>
+              <a:gd name="adj3" fmla="val 25000"/>
+              <a:gd name="adj4" fmla="val 64977"/>
+            </a:avLst>
+          </a:prstGeom>
+          <a:solidFill>
+            <a:schemeClr val="accent5">
+              <a:lumMod val="60000"/>
+              <a:lumOff val="40000"/>
+            </a:schemeClr>
+          </a:solidFill>
+          <a:ln w="25400" cap="flat" cmpd="sng" algn="ctr">
+            <a:noFill/>
+            <a:prstDash val="solid"/>
+          </a:ln>
+          <a:effectLst/>
+        </p:spPr>
+        <p:txBody>
+          <a:bodyPr rtlCol="0" anchor="ctr"/>
+          <a:lstStyle/>
+          <a:p>
+            <a:pPr algn="ctr">
+              <a:buClr>
+                <a:srgbClr val="000000"/>
+              </a:buClr>
+            </a:pPr>
+            <a:r>
+              <a:rPr lang="ko-KR" altLang="en-US" sz="1400" b="1" kern="0" dirty="0">
+                <a:solidFill>
+                  <a:srgbClr val="000000">
+                    <a:lumMod val="65000"/>
+                    <a:lumOff val="35000"/>
+                  </a:srgbClr>
+                </a:solidFill>
+                <a:latin typeface="NanumSquare Bold" panose="020B0600000101010101" pitchFamily="34" charset="-127"/>
+                <a:ea typeface="NanumSquare Bold" panose="020B0600000101010101" pitchFamily="34" charset="-127"/>
+                <a:cs typeface="Arial"/>
+                <a:sym typeface="Arial"/>
+              </a:rPr>
+              <a:t>통계학자 중심</a:t>
+            </a:r>
+            <a:endParaRPr lang="en-US" altLang="ko-KR" sz="1400" b="1" kern="0" dirty="0">
+              <a:solidFill>
+                <a:srgbClr val="000000">
+                  <a:lumMod val="65000"/>
+                  <a:lumOff val="35000"/>
+                </a:srgbClr>
+              </a:solidFill>
+              <a:latin typeface="NanumSquare Bold" panose="020B0600000101010101" pitchFamily="34" charset="-127"/>
+              <a:ea typeface="NanumSquare Bold" panose="020B0600000101010101" pitchFamily="34" charset="-127"/>
+              <a:cs typeface="Arial"/>
+              <a:sym typeface="Arial"/>
+            </a:endParaRPr>
+          </a:p>
+          <a:p>
+            <a:pPr algn="ctr">
+              <a:buClr>
+                <a:srgbClr val="000000"/>
+              </a:buClr>
+            </a:pPr>
+            <a:r>
+              <a:rPr lang="en-US" altLang="ko-KR" sz="1400" b="1" kern="0" dirty="0">
+                <a:solidFill>
+                  <a:srgbClr val="000000">
+                    <a:lumMod val="65000"/>
+                    <a:lumOff val="35000"/>
+                  </a:srgbClr>
+                </a:solidFill>
+                <a:latin typeface="NanumSquare Bold" panose="020B0600000101010101" pitchFamily="34" charset="-127"/>
+                <a:ea typeface="NanumSquare Bold" panose="020B0600000101010101" pitchFamily="34" charset="-127"/>
+                <a:cs typeface="Arial"/>
+                <a:sym typeface="Arial"/>
+              </a:rPr>
+              <a:t>(Statistics)</a:t>
+            </a:r>
+            <a:endParaRPr lang="ko-KR" altLang="en-US" sz="1400" b="1" kern="0" dirty="0">
+              <a:solidFill>
+                <a:srgbClr val="000000">
+                  <a:lumMod val="65000"/>
+                  <a:lumOff val="35000"/>
+                </a:srgbClr>
+              </a:solidFill>
+              <a:latin typeface="NanumSquare Bold" panose="020B0600000101010101" pitchFamily="34" charset="-127"/>
+              <a:ea typeface="NanumSquare Bold" panose="020B0600000101010101" pitchFamily="34" charset="-127"/>
+              <a:cs typeface="Arial"/>
+              <a:sym typeface="Arial"/>
+            </a:endParaRPr>
+          </a:p>
+        </p:txBody>
+      </p:sp>
+      <p:sp>
+        <p:nvSpPr>
+          <p:cNvPr id="36" name="직사각형 35">
+            <a:extLst>
+              <a:ext uri="{FF2B5EF4-FFF2-40B4-BE49-F238E27FC236}">
+                <a16:creationId xmlns:a16="http://schemas.microsoft.com/office/drawing/2014/main" id="{D54D8B9F-7E34-F749-B049-1C92B463A886}"/>
+              </a:ext>
+            </a:extLst>
+          </p:cNvPr>
+          <p:cNvSpPr/>
+          <p:nvPr/>
+        </p:nvSpPr>
+        <p:spPr>
+          <a:xfrm>
+            <a:off x="2992221" y="3870592"/>
+            <a:ext cx="1789889" cy="1185749"/>
+          </a:xfrm>
+          <a:prstGeom prst="rect">
+            <a:avLst/>
+          </a:prstGeom>
+          <a:solidFill>
+            <a:schemeClr val="accent5">
+              <a:lumMod val="60000"/>
+              <a:lumOff val="40000"/>
+            </a:schemeClr>
+          </a:solidFill>
+          <a:ln w="25400" cap="flat" cmpd="sng" algn="ctr">
+            <a:noFill/>
+            <a:prstDash val="solid"/>
+          </a:ln>
+          <a:effectLst/>
+        </p:spPr>
+        <p:txBody>
+          <a:bodyPr rtlCol="0" anchor="ctr"/>
+          <a:lstStyle/>
+          <a:p>
+            <a:pPr algn="ctr">
+              <a:buClr>
+                <a:srgbClr val="000000"/>
+              </a:buClr>
+            </a:pPr>
+            <a:r>
+              <a:rPr lang="ko-KR" altLang="en-US" sz="1400" b="1" kern="0" dirty="0">
+                <a:solidFill>
+                  <a:srgbClr val="000000">
+                    <a:lumMod val="65000"/>
+                    <a:lumOff val="35000"/>
+                  </a:srgbClr>
+                </a:solidFill>
+                <a:latin typeface="NanumSquare Bold" panose="020B0600000101010101" pitchFamily="34" charset="-127"/>
+                <a:ea typeface="NanumSquare Bold" panose="020B0600000101010101" pitchFamily="34" charset="-127"/>
+                <a:cs typeface="Arial"/>
+                <a:sym typeface="Arial"/>
+              </a:rPr>
+              <a:t>소프트웨어 개발자의 </a:t>
+            </a:r>
+            <a:r>
+              <a:rPr lang="ko-KR" altLang="en-US" sz="1400" b="1" kern="0" dirty="0">
+                <a:solidFill>
+                  <a:srgbClr val="000000">
+                    <a:lumMod val="65000"/>
+                    <a:lumOff val="35000"/>
+                  </a:srgbClr>
+                </a:solidFill>
+                <a:latin typeface="NanumSquare Bold" panose="020B0600000101010101" pitchFamily="34" charset="-127"/>
+                <a:ea typeface="NanumSquare Bold" panose="020B0600000101010101" pitchFamily="34" charset="-127"/>
+                <a:cs typeface="Arial"/>
+                <a:sym typeface="Arial"/>
+              </a:rPr>
+              <a:t>합류</a:t>
+            </a:r>
+            <a:endParaRPr lang="en-US" altLang="ko-KR" sz="1400" b="1" kern="0" dirty="0">
+              <a:solidFill>
+                <a:srgbClr val="000000">
+                  <a:lumMod val="65000"/>
+                  <a:lumOff val="35000"/>
+                </a:srgbClr>
+              </a:solidFill>
+              <a:latin typeface="NanumSquare Bold" panose="020B0600000101010101" pitchFamily="34" charset="-127"/>
+              <a:ea typeface="NanumSquare Bold" panose="020B0600000101010101" pitchFamily="34" charset="-127"/>
+              <a:cs typeface="Arial"/>
+              <a:sym typeface="Arial"/>
+            </a:endParaRPr>
+          </a:p>
+          <a:p>
+            <a:pPr algn="ctr">
+              <a:buClr>
+                <a:srgbClr val="000000"/>
+              </a:buClr>
+            </a:pPr>
+            <a:r>
+              <a:rPr lang="en-US" altLang="ko-KR" sz="1400" b="1" kern="0" dirty="0">
+                <a:solidFill>
+                  <a:srgbClr val="000000">
+                    <a:lumMod val="65000"/>
+                    <a:lumOff val="35000"/>
+                  </a:srgbClr>
+                </a:solidFill>
+                <a:latin typeface="NanumSquare Bold" panose="020B0600000101010101" pitchFamily="34" charset="-127"/>
+                <a:ea typeface="NanumSquare Bold" panose="020B0600000101010101" pitchFamily="34" charset="-127"/>
+                <a:cs typeface="Arial"/>
+                <a:sym typeface="Arial"/>
+              </a:rPr>
+              <a:t>(ML</a:t>
+            </a:r>
+            <a:r>
+              <a:rPr lang="en-US" altLang="ko-KR" sz="1400" b="1" kern="0" dirty="0">
+                <a:solidFill>
+                  <a:srgbClr val="000000">
+                    <a:lumMod val="65000"/>
+                    <a:lumOff val="35000"/>
+                  </a:srgbClr>
+                </a:solidFill>
+                <a:latin typeface="NanumSquare Bold" panose="020B0600000101010101" pitchFamily="34" charset="-127"/>
+                <a:ea typeface="NanumSquare Bold" panose="020B0600000101010101" pitchFamily="34" charset="-127"/>
+                <a:cs typeface="Arial"/>
+                <a:sym typeface="Wingdings" pitchFamily="2" charset="2"/>
+              </a:rPr>
+              <a:t></a:t>
+            </a:r>
+            <a:r>
+              <a:rPr lang="en-US" altLang="ko-KR" sz="1400" b="1" kern="0" dirty="0">
+                <a:solidFill>
+                  <a:srgbClr val="000000">
+                    <a:lumMod val="65000"/>
+                    <a:lumOff val="35000"/>
+                  </a:srgbClr>
+                </a:solidFill>
+                <a:latin typeface="NanumSquare Bold" panose="020B0600000101010101" pitchFamily="34" charset="-127"/>
+                <a:ea typeface="NanumSquare Bold" panose="020B0600000101010101" pitchFamily="34" charset="-127"/>
+                <a:cs typeface="Arial"/>
+                <a:sym typeface="Arial"/>
+              </a:rPr>
+              <a:t>AI)</a:t>
+            </a:r>
+            <a:endParaRPr lang="ko-KR" altLang="en-US" sz="1400" b="1" kern="0" dirty="0">
+              <a:solidFill>
+                <a:srgbClr val="000000">
+                  <a:lumMod val="65000"/>
+                  <a:lumOff val="35000"/>
+                </a:srgbClr>
+              </a:solidFill>
+              <a:latin typeface="NanumSquare Bold" panose="020B0600000101010101" pitchFamily="34" charset="-127"/>
+              <a:ea typeface="NanumSquare Bold" panose="020B0600000101010101" pitchFamily="34" charset="-127"/>
+              <a:cs typeface="Arial"/>
+              <a:sym typeface="Arial"/>
+            </a:endParaRPr>
+          </a:p>
+        </p:txBody>
+      </p:sp>
+      <p:sp>
+        <p:nvSpPr>
+          <p:cNvPr id="37" name="아래쪽 화살표 설명선 39">
+            <a:extLst>
+              <a:ext uri="{FF2B5EF4-FFF2-40B4-BE49-F238E27FC236}">
+                <a16:creationId xmlns:a16="http://schemas.microsoft.com/office/drawing/2014/main" id="{B2D50E38-FF01-894C-B29F-A621169566E3}"/>
+              </a:ext>
+            </a:extLst>
+          </p:cNvPr>
+          <p:cNvSpPr/>
+          <p:nvPr/>
+        </p:nvSpPr>
+        <p:spPr>
+          <a:xfrm>
+            <a:off x="5146899" y="2681768"/>
+            <a:ext cx="1789889" cy="1149913"/>
+          </a:xfrm>
+          <a:prstGeom prst="downArrowCallout">
+            <a:avLst>
+              <a:gd name="adj1" fmla="val 21466"/>
+              <a:gd name="adj2" fmla="val 25000"/>
+              <a:gd name="adj3" fmla="val 25000"/>
+              <a:gd name="adj4" fmla="val 64977"/>
+            </a:avLst>
+          </a:prstGeom>
+          <a:solidFill>
+            <a:schemeClr val="accent5">
+              <a:lumMod val="60000"/>
+              <a:lumOff val="40000"/>
+            </a:schemeClr>
+          </a:solidFill>
+          <a:ln w="25400" cap="flat" cmpd="sng" algn="ctr">
+            <a:noFill/>
+            <a:prstDash val="solid"/>
+          </a:ln>
+          <a:effectLst/>
+        </p:spPr>
+        <p:txBody>
+          <a:bodyPr rtlCol="0" anchor="ctr"/>
+          <a:lstStyle/>
+          <a:p>
+            <a:pPr algn="ctr">
+              <a:buClr>
+                <a:srgbClr val="000000"/>
+              </a:buClr>
+            </a:pPr>
+            <a:r>
+              <a:rPr lang="ko-KR" altLang="en-US" sz="1400" b="1" kern="0" dirty="0">
+                <a:solidFill>
+                  <a:srgbClr val="000000">
+                    <a:lumMod val="65000"/>
+                    <a:lumOff val="35000"/>
+                  </a:srgbClr>
+                </a:solidFill>
+                <a:latin typeface="NanumSquare Bold" panose="020B0600000101010101" pitchFamily="34" charset="-127"/>
+                <a:ea typeface="NanumSquare Bold" panose="020B0600000101010101" pitchFamily="34" charset="-127"/>
+                <a:cs typeface="Arial"/>
+                <a:sym typeface="Arial"/>
+              </a:rPr>
+              <a:t>상업용 </a:t>
+            </a:r>
+            <a:r>
+              <a:rPr lang="ko-KR" altLang="en-US" sz="1400" b="1" kern="0">
+                <a:solidFill>
+                  <a:srgbClr val="000000">
+                    <a:lumMod val="65000"/>
+                    <a:lumOff val="35000"/>
+                  </a:srgbClr>
+                </a:solidFill>
+                <a:latin typeface="NanumSquare Bold" panose="020B0600000101010101" pitchFamily="34" charset="-127"/>
+                <a:ea typeface="NanumSquare Bold" panose="020B0600000101010101" pitchFamily="34" charset="-127"/>
+                <a:cs typeface="Arial"/>
+                <a:sym typeface="Arial"/>
+              </a:rPr>
+              <a:t>통계 프로그램</a:t>
+            </a:r>
+            <a:endParaRPr lang="ko-KR" altLang="en-US" sz="1400" b="1" kern="0" dirty="0">
+              <a:solidFill>
+                <a:srgbClr val="000000">
+                  <a:lumMod val="65000"/>
+                  <a:lumOff val="35000"/>
+                </a:srgbClr>
+              </a:solidFill>
+              <a:latin typeface="NanumSquare Bold" panose="020B0600000101010101" pitchFamily="34" charset="-127"/>
+              <a:ea typeface="NanumSquare Bold" panose="020B0600000101010101" pitchFamily="34" charset="-127"/>
+              <a:cs typeface="Arial"/>
+              <a:sym typeface="Arial"/>
+            </a:endParaRPr>
+          </a:p>
+        </p:txBody>
+      </p:sp>
+      <p:sp>
+        <p:nvSpPr>
+          <p:cNvPr id="38" name="직사각형 37">
+            <a:extLst>
+              <a:ext uri="{FF2B5EF4-FFF2-40B4-BE49-F238E27FC236}">
+                <a16:creationId xmlns:a16="http://schemas.microsoft.com/office/drawing/2014/main" id="{F2D55A8B-889C-0A49-BBBC-C20FE067F4E4}"/>
+              </a:ext>
+            </a:extLst>
+          </p:cNvPr>
+          <p:cNvSpPr/>
+          <p:nvPr/>
+        </p:nvSpPr>
+        <p:spPr>
+          <a:xfrm>
+            <a:off x="5146899" y="3870592"/>
+            <a:ext cx="1789889" cy="1185749"/>
+          </a:xfrm>
+          <a:prstGeom prst="rect">
+            <a:avLst/>
+          </a:prstGeom>
+          <a:solidFill>
+            <a:schemeClr val="accent5">
+              <a:lumMod val="60000"/>
+              <a:lumOff val="40000"/>
+            </a:schemeClr>
+          </a:solidFill>
+          <a:ln w="25400" cap="flat" cmpd="sng" algn="ctr">
+            <a:noFill/>
+            <a:prstDash val="solid"/>
+          </a:ln>
+          <a:effectLst/>
+        </p:spPr>
+        <p:txBody>
+          <a:bodyPr rtlCol="0" anchor="ctr"/>
+          <a:lstStyle/>
+          <a:p>
+            <a:pPr algn="ctr">
+              <a:buClr>
+                <a:srgbClr val="000000"/>
+              </a:buClr>
+            </a:pPr>
+            <a:r>
+              <a:rPr lang="ko-KR" altLang="en-US" sz="1400" b="1" kern="0" dirty="0">
+                <a:solidFill>
+                  <a:srgbClr val="000000">
+                    <a:lumMod val="65000"/>
+                    <a:lumOff val="35000"/>
+                  </a:srgbClr>
+                </a:solidFill>
+                <a:latin typeface="NanumSquare Bold" panose="020B0600000101010101" pitchFamily="34" charset="-127"/>
+                <a:ea typeface="NanumSquare Bold" panose="020B0600000101010101" pitchFamily="34" charset="-127"/>
+                <a:cs typeface="Arial"/>
+                <a:sym typeface="Arial"/>
+              </a:rPr>
+              <a:t>오픈소스 </a:t>
+            </a:r>
+            <a:r>
+              <a:rPr lang="ko-KR" altLang="en-US" sz="1400" b="1" kern="0">
+                <a:solidFill>
+                  <a:srgbClr val="000000">
+                    <a:lumMod val="65000"/>
+                    <a:lumOff val="35000"/>
+                  </a:srgbClr>
+                </a:solidFill>
+                <a:latin typeface="NanumSquare Bold" panose="020B0600000101010101" pitchFamily="34" charset="-127"/>
+                <a:ea typeface="NanumSquare Bold" panose="020B0600000101010101" pitchFamily="34" charset="-127"/>
+                <a:cs typeface="Arial"/>
+                <a:sym typeface="Arial"/>
+              </a:rPr>
+              <a:t>기반의 데이터분석</a:t>
+            </a:r>
+            <a:r>
+              <a:rPr lang="ko-KR" altLang="en-US" sz="1400" b="1" kern="0" dirty="0">
+                <a:solidFill>
+                  <a:srgbClr val="000000">
+                    <a:lumMod val="65000"/>
+                    <a:lumOff val="35000"/>
+                  </a:srgbClr>
+                </a:solidFill>
+                <a:latin typeface="NanumSquare Bold" panose="020B0600000101010101" pitchFamily="34" charset="-127"/>
+                <a:ea typeface="NanumSquare Bold" panose="020B0600000101010101" pitchFamily="34" charset="-127"/>
+                <a:cs typeface="Arial"/>
+                <a:sym typeface="Arial"/>
+              </a:rPr>
+              <a:t> 에코시스템</a:t>
+            </a:r>
+          </a:p>
+        </p:txBody>
+      </p:sp>
+      <p:sp>
+        <p:nvSpPr>
+          <p:cNvPr id="39" name="아래쪽 화살표 설명선 41">
+            <a:extLst>
+              <a:ext uri="{FF2B5EF4-FFF2-40B4-BE49-F238E27FC236}">
+                <a16:creationId xmlns:a16="http://schemas.microsoft.com/office/drawing/2014/main" id="{D1A1EA20-CB1E-024C-8A22-5756FC772128}"/>
+              </a:ext>
+            </a:extLst>
+          </p:cNvPr>
+          <p:cNvSpPr/>
+          <p:nvPr/>
+        </p:nvSpPr>
+        <p:spPr>
+          <a:xfrm>
+            <a:off x="9486244" y="2669250"/>
+            <a:ext cx="1789889" cy="1149913"/>
+          </a:xfrm>
+          <a:prstGeom prst="downArrowCallout">
+            <a:avLst>
+              <a:gd name="adj1" fmla="val 21466"/>
+              <a:gd name="adj2" fmla="val 25000"/>
+              <a:gd name="adj3" fmla="val 25000"/>
+              <a:gd name="adj4" fmla="val 64977"/>
+            </a:avLst>
+          </a:prstGeom>
+          <a:solidFill>
+            <a:schemeClr val="accent5">
+              <a:lumMod val="60000"/>
+              <a:lumOff val="40000"/>
+            </a:schemeClr>
+          </a:solidFill>
+          <a:ln w="25400" cap="flat" cmpd="sng" algn="ctr">
+            <a:noFill/>
+            <a:prstDash val="solid"/>
+          </a:ln>
+          <a:effectLst/>
+        </p:spPr>
+        <p:txBody>
+          <a:bodyPr rtlCol="0" anchor="ctr"/>
+          <a:lstStyle/>
+          <a:p>
+            <a:pPr algn="ctr">
+              <a:buClr>
+                <a:srgbClr val="000000"/>
+              </a:buClr>
+            </a:pPr>
+            <a:r>
+              <a:rPr lang="ko-KR" altLang="en-US" sz="1400" b="1" kern="0" dirty="0">
+                <a:solidFill>
+                  <a:srgbClr val="000000">
+                    <a:lumMod val="65000"/>
+                    <a:lumOff val="35000"/>
+                  </a:srgbClr>
+                </a:solidFill>
+                <a:latin typeface="NanumSquare Bold" panose="020B0600000101010101" pitchFamily="34" charset="-127"/>
+                <a:ea typeface="NanumSquare Bold" panose="020B0600000101010101" pitchFamily="34" charset="-127"/>
+                <a:cs typeface="Arial"/>
+                <a:sym typeface="Arial"/>
+              </a:rPr>
+              <a:t>연결성이 약하고 분석에만 집중된 </a:t>
+            </a:r>
+            <a:r>
+              <a:rPr lang="ko-KR" altLang="en-US" sz="1400" b="1" kern="0" dirty="0">
+                <a:solidFill>
+                  <a:srgbClr val="000000">
+                    <a:lumMod val="65000"/>
+                    <a:lumOff val="35000"/>
+                  </a:srgbClr>
+                </a:solidFill>
+                <a:latin typeface="NanumSquare Bold" panose="020B0600000101010101" pitchFamily="34" charset="-127"/>
+                <a:ea typeface="NanumSquare Bold" panose="020B0600000101010101" pitchFamily="34" charset="-127"/>
+                <a:cs typeface="Arial"/>
+                <a:sym typeface="Arial"/>
+              </a:rPr>
+              <a:t>방법론</a:t>
+            </a:r>
+            <a:endParaRPr lang="ko-KR" altLang="en-US" sz="1400" b="1" kern="0" dirty="0">
+              <a:solidFill>
+                <a:srgbClr val="000000">
+                  <a:lumMod val="65000"/>
+                  <a:lumOff val="35000"/>
+                </a:srgbClr>
+              </a:solidFill>
+              <a:latin typeface="NanumSquare Bold" panose="020B0600000101010101" pitchFamily="34" charset="-127"/>
+              <a:ea typeface="NanumSquare Bold" panose="020B0600000101010101" pitchFamily="34" charset="-127"/>
+              <a:cs typeface="Arial"/>
+              <a:sym typeface="Arial"/>
+            </a:endParaRPr>
+          </a:p>
+        </p:txBody>
+      </p:sp>
+      <p:sp>
+        <p:nvSpPr>
+          <p:cNvPr id="40" name="직사각형 39">
+            <a:extLst>
+              <a:ext uri="{FF2B5EF4-FFF2-40B4-BE49-F238E27FC236}">
+                <a16:creationId xmlns:a16="http://schemas.microsoft.com/office/drawing/2014/main" id="{FE9DFE68-A569-A149-BEE3-5476ACC9D91E}"/>
+              </a:ext>
+            </a:extLst>
+          </p:cNvPr>
+          <p:cNvSpPr/>
+          <p:nvPr/>
+        </p:nvSpPr>
+        <p:spPr>
+          <a:xfrm>
+            <a:off x="9486244" y="3858074"/>
+            <a:ext cx="1789889" cy="1185749"/>
+          </a:xfrm>
+          <a:prstGeom prst="rect">
+            <a:avLst/>
+          </a:prstGeom>
+          <a:solidFill>
+            <a:schemeClr val="accent5">
+              <a:lumMod val="60000"/>
+              <a:lumOff val="40000"/>
+            </a:schemeClr>
+          </a:solidFill>
+          <a:ln w="25400" cap="flat" cmpd="sng" algn="ctr">
+            <a:noFill/>
+            <a:prstDash val="solid"/>
+          </a:ln>
+          <a:effectLst/>
+        </p:spPr>
+        <p:txBody>
+          <a:bodyPr rtlCol="0" anchor="ctr"/>
+          <a:lstStyle/>
+          <a:p>
+            <a:pPr algn="ctr">
+              <a:buClr>
+                <a:srgbClr val="000000"/>
+              </a:buClr>
+            </a:pPr>
+            <a:r>
+              <a:rPr lang="ko-KR" altLang="en-US" sz="1400" b="1" kern="0" dirty="0">
+                <a:solidFill>
+                  <a:srgbClr val="000000">
+                    <a:lumMod val="65000"/>
+                    <a:lumOff val="35000"/>
+                  </a:srgbClr>
+                </a:solidFill>
+                <a:latin typeface="NanumSquare Bold" panose="020B0600000101010101" pitchFamily="34" charset="-127"/>
+                <a:ea typeface="NanumSquare Bold" panose="020B0600000101010101" pitchFamily="34" charset="-127"/>
+                <a:cs typeface="Arial"/>
+                <a:sym typeface="Arial"/>
+              </a:rPr>
+              <a:t>유기적으로 연결된 </a:t>
+            </a:r>
+            <a:r>
+              <a:rPr lang="en-US" altLang="ko-KR" sz="1400" b="1" kern="0" dirty="0">
+                <a:solidFill>
+                  <a:srgbClr val="000000">
+                    <a:lumMod val="65000"/>
+                    <a:lumOff val="35000"/>
+                  </a:srgbClr>
+                </a:solidFill>
+                <a:latin typeface="NanumSquare Bold" panose="020B0600000101010101" pitchFamily="34" charset="-127"/>
+                <a:ea typeface="NanumSquare Bold" panose="020B0600000101010101" pitchFamily="34" charset="-127"/>
+                <a:cs typeface="Arial"/>
+                <a:sym typeface="Arial"/>
+              </a:rPr>
+              <a:t>Closed </a:t>
+            </a:r>
+            <a:r>
+              <a:rPr lang="en-US" altLang="ko-KR" sz="1400" b="1" kern="0" dirty="0">
+                <a:solidFill>
+                  <a:srgbClr val="000000">
+                    <a:lumMod val="65000"/>
+                    <a:lumOff val="35000"/>
+                  </a:srgbClr>
+                </a:solidFill>
+                <a:latin typeface="NanumSquare Bold" panose="020B0600000101010101" pitchFamily="34" charset="-127"/>
+                <a:ea typeface="NanumSquare Bold" panose="020B0600000101010101" pitchFamily="34" charset="-127"/>
+                <a:cs typeface="Arial"/>
+                <a:sym typeface="Arial"/>
+              </a:rPr>
+              <a:t>Loop</a:t>
+            </a:r>
+            <a:r>
+              <a:rPr lang="ko-KR" altLang="en-US" sz="1400" b="1" kern="0" dirty="0">
+                <a:solidFill>
+                  <a:srgbClr val="000000">
+                    <a:lumMod val="65000"/>
+                    <a:lumOff val="35000"/>
+                  </a:srgbClr>
+                </a:solidFill>
+                <a:latin typeface="NanumSquare Bold" panose="020B0600000101010101" pitchFamily="34" charset="-127"/>
+                <a:ea typeface="NanumSquare Bold" panose="020B0600000101010101" pitchFamily="34" charset="-127"/>
+                <a:cs typeface="Arial"/>
+                <a:sym typeface="Arial"/>
+              </a:rPr>
+              <a:t> </a:t>
+            </a:r>
+            <a:r>
+              <a:rPr lang="ko-KR" altLang="en-US" sz="1400" b="1" kern="0" dirty="0">
+                <a:solidFill>
+                  <a:srgbClr val="000000">
+                    <a:lumMod val="65000"/>
+                    <a:lumOff val="35000"/>
+                  </a:srgbClr>
+                </a:solidFill>
+                <a:latin typeface="NanumSquare Bold" panose="020B0600000101010101" pitchFamily="34" charset="-127"/>
+                <a:ea typeface="NanumSquare Bold" panose="020B0600000101010101" pitchFamily="34" charset="-127"/>
+                <a:cs typeface="Arial"/>
+                <a:sym typeface="Arial"/>
+              </a:rPr>
+              <a:t>분석 코드 및 재사용성 제고</a:t>
+            </a:r>
+            <a:endParaRPr lang="en-US" altLang="ko-KR" sz="1400" b="1" kern="0" dirty="0">
+              <a:solidFill>
+                <a:srgbClr val="000000">
+                  <a:lumMod val="65000"/>
+                  <a:lumOff val="35000"/>
+                </a:srgbClr>
+              </a:solidFill>
+              <a:latin typeface="NanumSquare Bold" panose="020B0600000101010101" pitchFamily="34" charset="-127"/>
+              <a:ea typeface="NanumSquare Bold" panose="020B0600000101010101" pitchFamily="34" charset="-127"/>
+              <a:cs typeface="Arial"/>
+              <a:sym typeface="Arial"/>
+            </a:endParaRPr>
+          </a:p>
+        </p:txBody>
+      </p:sp>
+      <p:pic>
+        <p:nvPicPr>
+          <p:cNvPr id="41" name="그림 40">
+            <a:extLst>
+              <a:ext uri="{FF2B5EF4-FFF2-40B4-BE49-F238E27FC236}">
+                <a16:creationId xmlns:a16="http://schemas.microsoft.com/office/drawing/2014/main" id="{AA25475C-F2E1-6E4A-BC0B-FB2535D00365}"/>
+              </a:ext>
+            </a:extLst>
+          </p:cNvPr>
+          <p:cNvPicPr>
+            <a:picLocks noChangeAspect="1"/>
+          </p:cNvPicPr>
+          <p:nvPr/>
+        </p:nvPicPr>
+        <p:blipFill>
+          <a:blip r:embed="rId2"/>
+          <a:srcRect/>
+          <a:stretch/>
+        </p:blipFill>
+        <p:spPr>
+          <a:xfrm>
+            <a:off x="1523450" y="1450515"/>
+            <a:ext cx="406835" cy="406835"/>
+          </a:xfrm>
+          <a:prstGeom prst="rect">
+            <a:avLst/>
+          </a:prstGeom>
+        </p:spPr>
+      </p:pic>
+      <p:pic>
+        <p:nvPicPr>
+          <p:cNvPr id="42" name="그림 41">
+            <a:extLst>
+              <a:ext uri="{FF2B5EF4-FFF2-40B4-BE49-F238E27FC236}">
+                <a16:creationId xmlns:a16="http://schemas.microsoft.com/office/drawing/2014/main" id="{D8D4C8E2-8D15-864C-A458-BBCA6FEA4E43}"/>
+              </a:ext>
+            </a:extLst>
+          </p:cNvPr>
+          <p:cNvPicPr>
+            <a:picLocks noChangeAspect="1"/>
+          </p:cNvPicPr>
+          <p:nvPr/>
+        </p:nvPicPr>
+        <p:blipFill>
+          <a:blip r:embed="rId3"/>
+          <a:srcRect/>
+          <a:stretch/>
+        </p:blipFill>
+        <p:spPr>
+          <a:xfrm>
+            <a:off x="3646499" y="1391099"/>
+            <a:ext cx="481332" cy="481332"/>
+          </a:xfrm>
+          <a:prstGeom prst="rect">
+            <a:avLst/>
+          </a:prstGeom>
+        </p:spPr>
+      </p:pic>
+      <p:pic>
+        <p:nvPicPr>
+          <p:cNvPr id="43" name="그림 42">
+            <a:extLst>
+              <a:ext uri="{FF2B5EF4-FFF2-40B4-BE49-F238E27FC236}">
+                <a16:creationId xmlns:a16="http://schemas.microsoft.com/office/drawing/2014/main" id="{6D53CFF1-982F-DC41-96B5-7E76357219BD}"/>
+              </a:ext>
+            </a:extLst>
+          </p:cNvPr>
+          <p:cNvPicPr>
+            <a:picLocks noChangeAspect="1"/>
+          </p:cNvPicPr>
+          <p:nvPr/>
+        </p:nvPicPr>
+        <p:blipFill>
+          <a:blip r:embed="rId4"/>
+          <a:srcRect/>
+          <a:stretch/>
+        </p:blipFill>
+        <p:spPr>
+          <a:xfrm>
+            <a:off x="5786164" y="1416254"/>
+            <a:ext cx="511358" cy="511358"/>
+          </a:xfrm>
+          <a:prstGeom prst="rect">
+            <a:avLst/>
+          </a:prstGeom>
+        </p:spPr>
+      </p:pic>
+      <p:pic>
+        <p:nvPicPr>
+          <p:cNvPr id="44" name="그림 43">
+            <a:extLst>
+              <a:ext uri="{FF2B5EF4-FFF2-40B4-BE49-F238E27FC236}">
+                <a16:creationId xmlns:a16="http://schemas.microsoft.com/office/drawing/2014/main" id="{A8E4D0A1-4908-A343-9B9C-C9315EC3C7A5}"/>
+              </a:ext>
+            </a:extLst>
+          </p:cNvPr>
+          <p:cNvPicPr>
+            <a:picLocks noChangeAspect="1"/>
+          </p:cNvPicPr>
+          <p:nvPr/>
+        </p:nvPicPr>
+        <p:blipFill>
+          <a:blip r:embed="rId5"/>
+          <a:srcRect/>
+          <a:stretch/>
+        </p:blipFill>
+        <p:spPr>
+          <a:xfrm>
+            <a:off x="10146644" y="1395770"/>
+            <a:ext cx="469088" cy="469088"/>
+          </a:xfrm>
+          <a:prstGeom prst="rect">
+            <a:avLst/>
+          </a:prstGeom>
+        </p:spPr>
+      </p:pic>
+      <p:sp>
+        <p:nvSpPr>
+          <p:cNvPr id="45" name="직사각형 44">
+            <a:extLst>
+              <a:ext uri="{FF2B5EF4-FFF2-40B4-BE49-F238E27FC236}">
+                <a16:creationId xmlns:a16="http://schemas.microsoft.com/office/drawing/2014/main" id="{FA0783FB-BF42-7C4F-BE83-05C5E4ACF444}"/>
+              </a:ext>
+            </a:extLst>
+          </p:cNvPr>
+          <p:cNvSpPr/>
+          <p:nvPr/>
+        </p:nvSpPr>
+        <p:spPr>
+          <a:xfrm>
+            <a:off x="7201974" y="1876314"/>
+            <a:ext cx="2007186" cy="493776"/>
+          </a:xfrm>
+          <a:prstGeom prst="rect">
+            <a:avLst/>
+          </a:prstGeom>
+          <a:solidFill>
+            <a:schemeClr val="accent1"/>
+          </a:solidFill>
+          <a:ln w="25400" cap="flat" cmpd="sng" algn="ctr">
+            <a:noFill/>
+            <a:prstDash val="solid"/>
+          </a:ln>
+          <a:effectLst/>
+        </p:spPr>
+        <p:txBody>
+          <a:bodyPr lIns="0" tIns="0" rIns="0" bIns="0" rtlCol="0" anchor="ctr"/>
+          <a:lstStyle/>
+          <a:p>
+            <a:pPr algn="ctr">
+              <a:buClr>
+                <a:srgbClr val="000000"/>
+              </a:buClr>
+            </a:pPr>
+            <a:endParaRPr lang="ko-KR" altLang="en-US" sz="1050" kern="0" dirty="0">
+              <a:solidFill>
+                <a:srgbClr val="FFFFFF"/>
+              </a:solidFill>
+              <a:latin typeface="NanumSquare" panose="020B0600000101010101" pitchFamily="34" charset="-127"/>
+              <a:ea typeface="NanumSquare" panose="020B0600000101010101" pitchFamily="34" charset="-127"/>
+              <a:sym typeface="Arial"/>
+            </a:endParaRPr>
+          </a:p>
+        </p:txBody>
+      </p:sp>
+      <p:sp>
+        <p:nvSpPr>
+          <p:cNvPr id="46" name="직사각형 45">
+            <a:extLst>
+              <a:ext uri="{FF2B5EF4-FFF2-40B4-BE49-F238E27FC236}">
+                <a16:creationId xmlns:a16="http://schemas.microsoft.com/office/drawing/2014/main" id="{01167D14-1945-4946-8291-1FA2919E193E}"/>
+              </a:ext>
+            </a:extLst>
+          </p:cNvPr>
+          <p:cNvSpPr/>
+          <p:nvPr/>
+        </p:nvSpPr>
+        <p:spPr>
+          <a:xfrm>
+            <a:off x="7765386" y="1971093"/>
+            <a:ext cx="880369" cy="370743"/>
+          </a:xfrm>
+          <a:prstGeom prst="rect">
+            <a:avLst/>
+          </a:prstGeom>
+        </p:spPr>
+        <p:txBody>
+          <a:bodyPr wrap="none">
+            <a:spAutoFit/>
+          </a:bodyPr>
+          <a:lstStyle/>
+          <a:p>
+            <a:pPr algn="ctr" latinLnBrk="0">
+              <a:lnSpc>
+                <a:spcPct val="120000"/>
+              </a:lnSpc>
+              <a:buClr>
+                <a:srgbClr val="000000"/>
+              </a:buClr>
+              <a:buSzPts val="1600"/>
+              <a:buFont typeface="Arial"/>
+              <a:buNone/>
+            </a:pPr>
+            <a:r>
+              <a:rPr lang="en-US" altLang="ko-KR" sz="1600" b="1" kern="0" dirty="0">
+                <a:solidFill>
+                  <a:srgbClr val="FFFFFF"/>
+                </a:solidFill>
+                <a:latin typeface="NanumSquare Bold" panose="020B0600000101010101" pitchFamily="34" charset="-127"/>
+                <a:ea typeface="NanumSquare Bold" panose="020B0600000101010101" pitchFamily="34" charset="-127"/>
+                <a:cs typeface="Arial"/>
+                <a:sym typeface="Arial"/>
+              </a:rPr>
+              <a:t>Analyst</a:t>
+            </a:r>
+          </a:p>
+        </p:txBody>
+      </p:sp>
+      <p:sp>
+        <p:nvSpPr>
+          <p:cNvPr id="47" name="직사각형 46">
+            <a:extLst>
+              <a:ext uri="{FF2B5EF4-FFF2-40B4-BE49-F238E27FC236}">
+                <a16:creationId xmlns:a16="http://schemas.microsoft.com/office/drawing/2014/main" id="{859E9974-D62A-2349-B4CE-D1739BBBF440}"/>
+              </a:ext>
+            </a:extLst>
+          </p:cNvPr>
+          <p:cNvSpPr/>
+          <p:nvPr/>
+        </p:nvSpPr>
+        <p:spPr>
+          <a:xfrm>
+            <a:off x="7201974" y="2370089"/>
+            <a:ext cx="2007186" cy="3001005"/>
+          </a:xfrm>
+          <a:prstGeom prst="rect">
+            <a:avLst/>
+          </a:prstGeom>
+          <a:solidFill>
+            <a:schemeClr val="accent1">
+              <a:lumMod val="20000"/>
+              <a:lumOff val="80000"/>
+            </a:schemeClr>
+          </a:solidFill>
+          <a:ln w="25400" cap="flat" cmpd="sng" algn="ctr">
+            <a:noFill/>
+            <a:prstDash val="solid"/>
+          </a:ln>
+          <a:effectLst/>
+        </p:spPr>
+        <p:txBody>
+          <a:bodyPr lIns="0" tIns="0" rIns="0" bIns="0" rtlCol="0" anchor="ctr"/>
+          <a:lstStyle/>
+          <a:p>
+            <a:pPr algn="ctr">
+              <a:buClr>
+                <a:srgbClr val="000000"/>
+              </a:buClr>
+            </a:pPr>
+            <a:endParaRPr lang="ko-KR" altLang="en-US" sz="1050" kern="0" dirty="0">
+              <a:solidFill>
+                <a:srgbClr val="FFFFFF"/>
+              </a:solidFill>
+              <a:latin typeface="NanumSquare" panose="020B0600000101010101" pitchFamily="34" charset="-127"/>
+              <a:ea typeface="NanumSquare" panose="020B0600000101010101" pitchFamily="34" charset="-127"/>
+              <a:sym typeface="Arial"/>
+            </a:endParaRPr>
+          </a:p>
+        </p:txBody>
+      </p:sp>
+      <p:sp>
+        <p:nvSpPr>
+          <p:cNvPr id="51" name="타원 50">
+            <a:extLst>
+              <a:ext uri="{FF2B5EF4-FFF2-40B4-BE49-F238E27FC236}">
+                <a16:creationId xmlns:a16="http://schemas.microsoft.com/office/drawing/2014/main" id="{37435026-E400-3F4F-A3EF-9E367B3BA93F}"/>
+              </a:ext>
+            </a:extLst>
+          </p:cNvPr>
+          <p:cNvSpPr/>
+          <p:nvPr/>
+        </p:nvSpPr>
+        <p:spPr>
+          <a:xfrm>
+            <a:off x="7863196" y="1312443"/>
+            <a:ext cx="684742" cy="684742"/>
+          </a:xfrm>
+          <a:prstGeom prst="ellipse">
+            <a:avLst/>
+          </a:prstGeom>
+          <a:solidFill>
+            <a:srgbClr val="FFFFFF"/>
+          </a:solidFill>
+          <a:ln w="25400" cap="flat" cmpd="sng" algn="ctr">
+            <a:noFill/>
+            <a:prstDash val="solid"/>
+          </a:ln>
+          <a:effectLst>
+            <a:outerShdw blurRad="50800" dist="38100" dir="2700000" algn="tl" rotWithShape="0">
+              <a:prstClr val="black">
+                <a:alpha val="40000"/>
+              </a:prstClr>
+            </a:outerShdw>
+          </a:effectLst>
+        </p:spPr>
+        <p:txBody>
+          <a:bodyPr rtlCol="0" anchor="ctr"/>
+          <a:lstStyle/>
+          <a:p>
+            <a:pPr marL="0" marR="0" lvl="0" indent="0" algn="ctr" defTabSz="914400" eaLnBrk="1" fontAlgn="auto" latinLnBrk="0" hangingPunct="1">
+              <a:lnSpc>
+                <a:spcPct val="100000"/>
+              </a:lnSpc>
+              <a:spcBef>
+                <a:spcPts val="0"/>
+              </a:spcBef>
+              <a:spcAft>
+                <a:spcPts val="0"/>
+              </a:spcAft>
+              <a:buClr>
+                <a:srgbClr val="000000"/>
+              </a:buClr>
+              <a:buSzTx/>
+              <a:buFont typeface="Arial"/>
+              <a:buNone/>
+              <a:tabLst/>
+              <a:defRPr/>
+            </a:pPr>
+            <a:endParaRPr kumimoji="0" lang="ko-KR" altLang="en-US" sz="1400" b="0" i="0" u="none" strike="noStrike" kern="0" cap="none" spc="0" normalizeH="0" baseline="0" noProof="0">
+              <a:ln>
+                <a:noFill/>
+              </a:ln>
+              <a:solidFill>
+                <a:srgbClr val="FFFFFF"/>
+              </a:solidFill>
+              <a:effectLst/>
+              <a:uLnTx/>
+              <a:uFillTx/>
+              <a:latin typeface="NanumSquare" panose="020B0600000101010101" pitchFamily="34" charset="-127"/>
+              <a:ea typeface="NanumSquare" panose="020B0600000101010101" pitchFamily="34" charset="-127"/>
+              <a:sym typeface="Arial"/>
+            </a:endParaRPr>
+          </a:p>
+        </p:txBody>
+      </p:sp>
+      <p:sp>
+        <p:nvSpPr>
+          <p:cNvPr id="54" name="아래쪽 화살표 설명선 41">
+            <a:extLst>
+              <a:ext uri="{FF2B5EF4-FFF2-40B4-BE49-F238E27FC236}">
+                <a16:creationId xmlns:a16="http://schemas.microsoft.com/office/drawing/2014/main" id="{B8EEC84E-3833-2E43-B4E0-33BE757C84AB}"/>
+              </a:ext>
+            </a:extLst>
+          </p:cNvPr>
+          <p:cNvSpPr/>
+          <p:nvPr/>
+        </p:nvSpPr>
+        <p:spPr>
+          <a:xfrm>
+            <a:off x="7310623" y="2675509"/>
+            <a:ext cx="1789889" cy="1149913"/>
+          </a:xfrm>
+          <a:prstGeom prst="downArrowCallout">
+            <a:avLst>
+              <a:gd name="adj1" fmla="val 21466"/>
+              <a:gd name="adj2" fmla="val 25000"/>
+              <a:gd name="adj3" fmla="val 25000"/>
+              <a:gd name="adj4" fmla="val 64977"/>
+            </a:avLst>
+          </a:prstGeom>
+          <a:solidFill>
+            <a:schemeClr val="accent5">
+              <a:lumMod val="60000"/>
+              <a:lumOff val="40000"/>
+            </a:schemeClr>
+          </a:solidFill>
+          <a:ln w="25400" cap="flat" cmpd="sng" algn="ctr">
+            <a:noFill/>
+            <a:prstDash val="solid"/>
+          </a:ln>
+          <a:effectLst/>
+        </p:spPr>
+        <p:txBody>
+          <a:bodyPr rtlCol="0" anchor="ctr"/>
+          <a:lstStyle/>
+          <a:p>
+            <a:pPr algn="ctr">
+              <a:buClr>
+                <a:srgbClr val="000000"/>
+              </a:buClr>
+            </a:pPr>
+            <a:r>
+              <a:rPr lang="ko-KR" altLang="en-US" sz="1400" b="1" kern="0" dirty="0">
+                <a:solidFill>
+                  <a:srgbClr val="000000">
+                    <a:lumMod val="65000"/>
+                    <a:lumOff val="35000"/>
+                  </a:srgbClr>
+                </a:solidFill>
+                <a:latin typeface="NanumSquare Bold" panose="020B0600000101010101" pitchFamily="34" charset="-127"/>
+                <a:ea typeface="NanumSquare Bold" panose="020B0600000101010101" pitchFamily="34" charset="-127"/>
+                <a:cs typeface="Arial"/>
+                <a:sym typeface="Arial"/>
+              </a:rPr>
+              <a:t>데이터분석가</a:t>
+            </a:r>
+          </a:p>
+        </p:txBody>
+      </p:sp>
+      <p:sp>
+        <p:nvSpPr>
+          <p:cNvPr id="55" name="직사각형 54">
+            <a:extLst>
+              <a:ext uri="{FF2B5EF4-FFF2-40B4-BE49-F238E27FC236}">
+                <a16:creationId xmlns:a16="http://schemas.microsoft.com/office/drawing/2014/main" id="{05A4E7F0-E1ED-2047-957D-56F4DD67E08D}"/>
+              </a:ext>
+            </a:extLst>
+          </p:cNvPr>
+          <p:cNvSpPr/>
+          <p:nvPr/>
+        </p:nvSpPr>
+        <p:spPr>
+          <a:xfrm>
+            <a:off x="7310623" y="3864333"/>
+            <a:ext cx="1789889" cy="1185749"/>
+          </a:xfrm>
+          <a:prstGeom prst="rect">
+            <a:avLst/>
+          </a:prstGeom>
+          <a:solidFill>
+            <a:schemeClr val="accent5">
+              <a:lumMod val="60000"/>
+              <a:lumOff val="40000"/>
+            </a:schemeClr>
+          </a:solidFill>
+          <a:ln w="25400" cap="flat" cmpd="sng" algn="ctr">
+            <a:noFill/>
+            <a:prstDash val="solid"/>
+          </a:ln>
+          <a:effectLst/>
+        </p:spPr>
+        <p:txBody>
+          <a:bodyPr tIns="0" bIns="0" rtlCol="0" anchor="ctr"/>
+          <a:lstStyle/>
+          <a:p>
+            <a:pPr algn="ctr">
+              <a:buClr>
+                <a:srgbClr val="000000"/>
+              </a:buClr>
+            </a:pPr>
+            <a:r>
+              <a:rPr lang="ko-KR" altLang="en-US" sz="1400" b="1" kern="0" dirty="0">
+                <a:solidFill>
+                  <a:srgbClr val="000000">
+                    <a:lumMod val="65000"/>
+                    <a:lumOff val="35000"/>
+                  </a:srgbClr>
+                </a:solidFill>
+                <a:latin typeface="NanumSquare Bold" panose="020B0600000101010101" pitchFamily="34" charset="-127"/>
+                <a:ea typeface="NanumSquare Bold" panose="020B0600000101010101" pitchFamily="34" charset="-127"/>
+                <a:cs typeface="Arial"/>
+                <a:sym typeface="Arial"/>
+              </a:rPr>
+              <a:t>데이터과학자</a:t>
+            </a:r>
+            <a:endParaRPr lang="en-US" altLang="ko-KR" sz="1400" b="1" kern="0" dirty="0">
+              <a:solidFill>
+                <a:srgbClr val="000000">
+                  <a:lumMod val="65000"/>
+                  <a:lumOff val="35000"/>
+                </a:srgbClr>
+              </a:solidFill>
+              <a:latin typeface="NanumSquare Bold" panose="020B0600000101010101" pitchFamily="34" charset="-127"/>
+              <a:ea typeface="NanumSquare Bold" panose="020B0600000101010101" pitchFamily="34" charset="-127"/>
+              <a:cs typeface="Arial"/>
+              <a:sym typeface="Arial"/>
+            </a:endParaRPr>
+          </a:p>
+        </p:txBody>
+      </p:sp>
+      <p:pic>
+        <p:nvPicPr>
+          <p:cNvPr id="56" name="그림 55">
+            <a:extLst>
+              <a:ext uri="{FF2B5EF4-FFF2-40B4-BE49-F238E27FC236}">
+                <a16:creationId xmlns:a16="http://schemas.microsoft.com/office/drawing/2014/main" id="{EBD9360F-7033-BC42-8908-2F95750C18A5}"/>
+              </a:ext>
+            </a:extLst>
+          </p:cNvPr>
+          <p:cNvPicPr>
+            <a:picLocks noChangeAspect="1"/>
+          </p:cNvPicPr>
+          <p:nvPr/>
+        </p:nvPicPr>
+        <p:blipFill>
+          <a:blip r:embed="rId6"/>
+          <a:srcRect/>
+          <a:stretch/>
+        </p:blipFill>
+        <p:spPr>
+          <a:xfrm>
+            <a:off x="7971023" y="1402029"/>
+            <a:ext cx="469088" cy="469088"/>
+          </a:xfrm>
+          <a:prstGeom prst="rect">
+            <a:avLst/>
+          </a:prstGeom>
+        </p:spPr>
+      </p:pic>
+    </p:spTree>
+    <p:extLst>
+      <p:ext uri="{BB962C8B-B14F-4D97-AF65-F5344CB8AC3E}">
+        <p14:creationId xmlns:p14="http://schemas.microsoft.com/office/powerpoint/2010/main" val="2668527385"/>
+      </p:ext>
+    </p:extLst>
+  </p:cSld>
+  <p:clrMapOvr>
+    <a:masterClrMapping/>
+  </p:clrMapOvr>
+</p:sld>
+</file>
+
+<file path=ppt/slides/slide5.xml><?xml version="1.0" encoding="utf-8"?>
+<p:sld xmlns:a="http://schemas.openxmlformats.org/drawingml/2006/main" xmlns:r="http://schemas.openxmlformats.org/officeDocument/2006/relationships" xmlns:p="http://schemas.openxmlformats.org/presentationml/2006/main">
+  <p:cSld>
+    <p:spTree>
+      <p:nvGrpSpPr>
+        <p:cNvPr id="1" name=""/>
+        <p:cNvGrpSpPr/>
+        <p:nvPr/>
+      </p:nvGrpSpPr>
+      <p:grpSpPr>
+        <a:xfrm>
+          <a:off x="0" y="0"/>
+          <a:ext cx="0" cy="0"/>
+          <a:chOff x="0" y="0"/>
+          <a:chExt cx="0" cy="0"/>
+        </a:xfrm>
+      </p:grpSpPr>
+      <p:sp>
+        <p:nvSpPr>
+          <p:cNvPr id="45" name="직사각형 44">
+            <a:extLst>
+              <a:ext uri="{FF2B5EF4-FFF2-40B4-BE49-F238E27FC236}">
+                <a16:creationId xmlns:a16="http://schemas.microsoft.com/office/drawing/2014/main" id="{E0FC775A-C86C-6546-BF9E-2C418B600BAB}"/>
+              </a:ext>
+            </a:extLst>
+          </p:cNvPr>
+          <p:cNvSpPr/>
+          <p:nvPr/>
+        </p:nvSpPr>
+        <p:spPr>
+          <a:xfrm>
+            <a:off x="7550986" y="3282621"/>
+            <a:ext cx="3600000" cy="950808"/>
+          </a:xfrm>
+          <a:prstGeom prst="rect">
+            <a:avLst/>
+          </a:prstGeom>
+          <a:solidFill>
+            <a:schemeClr val="accent5">
+              <a:lumMod val="60000"/>
+              <a:lumOff val="40000"/>
+            </a:schemeClr>
+          </a:solidFill>
+          <a:ln w="25400" cap="flat" cmpd="sng" algn="ctr">
+            <a:noFill/>
+            <a:prstDash val="solid"/>
+          </a:ln>
+          <a:effectLst/>
+        </p:spPr>
+        <p:txBody>
+          <a:bodyPr rtlCol="0" anchor="ctr"/>
+          <a:lstStyle/>
+          <a:p>
+            <a:pPr algn="ctr">
+              <a:buClr>
+                <a:srgbClr val="000000"/>
+              </a:buClr>
+            </a:pPr>
+            <a:endParaRPr lang="ko-KR" altLang="en-US" sz="1200" b="1" kern="0" dirty="0">
+              <a:solidFill>
+                <a:srgbClr val="000000">
+                  <a:lumMod val="65000"/>
+                  <a:lumOff val="35000"/>
+                </a:srgbClr>
+              </a:solidFill>
+              <a:latin typeface="NanumSquare Bold" panose="020B0600000101010101" pitchFamily="34" charset="-127"/>
+              <a:ea typeface="NanumSquare Bold" panose="020B0600000101010101" pitchFamily="34" charset="-127"/>
+              <a:cs typeface="Arial"/>
+              <a:sym typeface="Arial"/>
+            </a:endParaRPr>
+          </a:p>
+        </p:txBody>
+      </p:sp>
+      <p:sp>
+        <p:nvSpPr>
+          <p:cNvPr id="46" name="직사각형 45">
+            <a:extLst>
+              <a:ext uri="{FF2B5EF4-FFF2-40B4-BE49-F238E27FC236}">
+                <a16:creationId xmlns:a16="http://schemas.microsoft.com/office/drawing/2014/main" id="{B56AE179-9AA7-1D48-9396-97D33D76271E}"/>
+              </a:ext>
+            </a:extLst>
+          </p:cNvPr>
+          <p:cNvSpPr/>
+          <p:nvPr/>
+        </p:nvSpPr>
+        <p:spPr>
+          <a:xfrm>
+            <a:off x="7559957" y="5450427"/>
+            <a:ext cx="3600000" cy="950808"/>
+          </a:xfrm>
+          <a:prstGeom prst="rect">
+            <a:avLst/>
+          </a:prstGeom>
+          <a:solidFill>
+            <a:schemeClr val="accent5">
+              <a:lumMod val="60000"/>
+              <a:lumOff val="40000"/>
+            </a:schemeClr>
+          </a:solidFill>
+          <a:ln w="25400" cap="flat" cmpd="sng" algn="ctr">
+            <a:noFill/>
+            <a:prstDash val="solid"/>
+          </a:ln>
+          <a:effectLst/>
+        </p:spPr>
+        <p:txBody>
+          <a:bodyPr rtlCol="0" anchor="ctr"/>
+          <a:lstStyle/>
+          <a:p>
+            <a:pPr algn="ctr">
+              <a:buClr>
+                <a:srgbClr val="000000"/>
+              </a:buClr>
+            </a:pPr>
+            <a:endParaRPr lang="ko-KR" altLang="en-US" sz="1200" b="1" kern="0" dirty="0">
+              <a:solidFill>
+                <a:srgbClr val="000000">
+                  <a:lumMod val="65000"/>
+                  <a:lumOff val="35000"/>
+                </a:srgbClr>
+              </a:solidFill>
+              <a:latin typeface="NanumSquare Bold" panose="020B0600000101010101" pitchFamily="34" charset="-127"/>
+              <a:ea typeface="NanumSquare Bold" panose="020B0600000101010101" pitchFamily="34" charset="-127"/>
+              <a:cs typeface="Arial"/>
+              <a:sym typeface="Arial"/>
+            </a:endParaRPr>
+          </a:p>
+        </p:txBody>
+      </p:sp>
+      <p:sp>
+        <p:nvSpPr>
+          <p:cNvPr id="47" name="직사각형 46">
+            <a:extLst>
+              <a:ext uri="{FF2B5EF4-FFF2-40B4-BE49-F238E27FC236}">
+                <a16:creationId xmlns:a16="http://schemas.microsoft.com/office/drawing/2014/main" id="{8449B974-A1E0-F444-BD66-DD8594CB4389}"/>
+              </a:ext>
+            </a:extLst>
+          </p:cNvPr>
+          <p:cNvSpPr/>
+          <p:nvPr/>
+        </p:nvSpPr>
+        <p:spPr>
+          <a:xfrm>
+            <a:off x="3009396" y="5450427"/>
+            <a:ext cx="3600000" cy="950808"/>
+          </a:xfrm>
+          <a:prstGeom prst="rect">
+            <a:avLst/>
+          </a:prstGeom>
+          <a:solidFill>
+            <a:schemeClr val="accent5">
+              <a:lumMod val="60000"/>
+              <a:lumOff val="40000"/>
+            </a:schemeClr>
+          </a:solidFill>
+          <a:ln w="25400" cap="flat" cmpd="sng" algn="ctr">
+            <a:noFill/>
+            <a:prstDash val="solid"/>
+          </a:ln>
+          <a:effectLst/>
+        </p:spPr>
+        <p:txBody>
+          <a:bodyPr rtlCol="0" anchor="ctr"/>
+          <a:lstStyle/>
+          <a:p>
+            <a:pPr algn="ctr">
+              <a:buClr>
+                <a:srgbClr val="000000"/>
+              </a:buClr>
+            </a:pPr>
+            <a:endParaRPr lang="ko-KR" altLang="en-US" sz="1200" b="1" kern="0" dirty="0">
+              <a:solidFill>
+                <a:srgbClr val="000000">
+                  <a:lumMod val="65000"/>
+                  <a:lumOff val="35000"/>
+                </a:srgbClr>
+              </a:solidFill>
+              <a:latin typeface="NanumSquare Bold" panose="020B0600000101010101" pitchFamily="34" charset="-127"/>
+              <a:ea typeface="NanumSquare Bold" panose="020B0600000101010101" pitchFamily="34" charset="-127"/>
+              <a:cs typeface="Arial"/>
+              <a:sym typeface="Arial"/>
+            </a:endParaRPr>
+          </a:p>
+        </p:txBody>
+      </p:sp>
+      <p:sp>
+        <p:nvSpPr>
+          <p:cNvPr id="48" name="직사각형 47">
+            <a:extLst>
+              <a:ext uri="{FF2B5EF4-FFF2-40B4-BE49-F238E27FC236}">
+                <a16:creationId xmlns:a16="http://schemas.microsoft.com/office/drawing/2014/main" id="{9DD40D8C-89DF-4C46-9087-569FD3660A21}"/>
+              </a:ext>
+            </a:extLst>
+          </p:cNvPr>
+          <p:cNvSpPr/>
+          <p:nvPr/>
+        </p:nvSpPr>
+        <p:spPr>
+          <a:xfrm>
+            <a:off x="3021495" y="3282621"/>
+            <a:ext cx="3600000" cy="950808"/>
+          </a:xfrm>
+          <a:prstGeom prst="rect">
+            <a:avLst/>
+          </a:prstGeom>
+          <a:solidFill>
+            <a:schemeClr val="accent5">
+              <a:lumMod val="60000"/>
+              <a:lumOff val="40000"/>
+            </a:schemeClr>
+          </a:solidFill>
+          <a:ln w="25400" cap="flat" cmpd="sng" algn="ctr">
+            <a:noFill/>
+            <a:prstDash val="solid"/>
+          </a:ln>
+          <a:effectLst/>
+        </p:spPr>
+        <p:txBody>
+          <a:bodyPr rtlCol="0" anchor="ctr"/>
+          <a:lstStyle/>
+          <a:p>
+            <a:pPr algn="ctr">
+              <a:buClr>
+                <a:srgbClr val="000000"/>
+              </a:buClr>
+            </a:pPr>
+            <a:endParaRPr lang="ko-KR" altLang="en-US" sz="1200" b="1" kern="0" dirty="0">
+              <a:solidFill>
+                <a:srgbClr val="000000">
+                  <a:lumMod val="65000"/>
+                  <a:lumOff val="35000"/>
+                </a:srgbClr>
+              </a:solidFill>
+              <a:latin typeface="NanumSquare Bold" panose="020B0600000101010101" pitchFamily="34" charset="-127"/>
+              <a:ea typeface="NanumSquare Bold" panose="020B0600000101010101" pitchFamily="34" charset="-127"/>
+              <a:cs typeface="Arial"/>
+              <a:sym typeface="Arial"/>
+            </a:endParaRPr>
+          </a:p>
+        </p:txBody>
+      </p:sp>
+      <p:sp>
+        <p:nvSpPr>
+          <p:cNvPr id="49" name="직사각형 48">
+            <a:extLst>
+              <a:ext uri="{FF2B5EF4-FFF2-40B4-BE49-F238E27FC236}">
+                <a16:creationId xmlns:a16="http://schemas.microsoft.com/office/drawing/2014/main" id="{291124C4-AB56-0C4E-9E8E-532069F8C5C1}"/>
+              </a:ext>
+            </a:extLst>
+          </p:cNvPr>
+          <p:cNvSpPr/>
+          <p:nvPr/>
+        </p:nvSpPr>
+        <p:spPr>
+          <a:xfrm>
+            <a:off x="7550987" y="2054340"/>
+            <a:ext cx="3600000" cy="1074042"/>
+          </a:xfrm>
+          <a:prstGeom prst="rect">
+            <a:avLst/>
+          </a:prstGeom>
+          <a:solidFill>
+            <a:schemeClr val="accent5">
+              <a:lumMod val="60000"/>
+              <a:lumOff val="40000"/>
+            </a:schemeClr>
+          </a:solidFill>
+          <a:ln w="25400" cap="flat" cmpd="sng" algn="ctr">
+            <a:noFill/>
+            <a:prstDash val="solid"/>
+          </a:ln>
+          <a:effectLst/>
+        </p:spPr>
+        <p:txBody>
+          <a:bodyPr rtlCol="0" anchor="ctr"/>
+          <a:lstStyle/>
+          <a:p>
+            <a:pPr algn="ctr">
+              <a:buClr>
+                <a:srgbClr val="000000"/>
+              </a:buClr>
+            </a:pPr>
+            <a:endParaRPr lang="ko-KR" altLang="en-US" sz="1200" b="1" kern="0" dirty="0">
+              <a:solidFill>
+                <a:srgbClr val="000000">
+                  <a:lumMod val="65000"/>
+                  <a:lumOff val="35000"/>
+                </a:srgbClr>
+              </a:solidFill>
+              <a:latin typeface="NanumSquare Bold" panose="020B0600000101010101" pitchFamily="34" charset="-127"/>
+              <a:ea typeface="NanumSquare Bold" panose="020B0600000101010101" pitchFamily="34" charset="-127"/>
+              <a:cs typeface="Arial"/>
+              <a:sym typeface="Arial"/>
+            </a:endParaRPr>
+          </a:p>
+        </p:txBody>
+      </p:sp>
+      <p:sp>
+        <p:nvSpPr>
+          <p:cNvPr id="50" name="직사각형 49">
+            <a:extLst>
+              <a:ext uri="{FF2B5EF4-FFF2-40B4-BE49-F238E27FC236}">
+                <a16:creationId xmlns:a16="http://schemas.microsoft.com/office/drawing/2014/main" id="{DF69E475-CD38-9947-938A-6A051949CEC4}"/>
+              </a:ext>
+            </a:extLst>
+          </p:cNvPr>
+          <p:cNvSpPr/>
+          <p:nvPr/>
+        </p:nvSpPr>
+        <p:spPr>
+          <a:xfrm>
+            <a:off x="3009396" y="2050813"/>
+            <a:ext cx="3600000" cy="1077569"/>
+          </a:xfrm>
+          <a:prstGeom prst="rect">
+            <a:avLst/>
+          </a:prstGeom>
+          <a:solidFill>
+            <a:schemeClr val="accent5">
+              <a:lumMod val="60000"/>
+              <a:lumOff val="40000"/>
+            </a:schemeClr>
+          </a:solidFill>
+          <a:ln w="25400" cap="flat" cmpd="sng" algn="ctr">
+            <a:noFill/>
+            <a:prstDash val="solid"/>
+          </a:ln>
+          <a:effectLst/>
+        </p:spPr>
+        <p:txBody>
+          <a:bodyPr rtlCol="0" anchor="ctr"/>
+          <a:lstStyle/>
+          <a:p>
+            <a:pPr algn="ctr">
+              <a:buClr>
+                <a:srgbClr val="000000"/>
+              </a:buClr>
+            </a:pPr>
+            <a:endParaRPr lang="ko-KR" altLang="en-US" sz="1200" b="1" kern="0" dirty="0">
+              <a:solidFill>
+                <a:srgbClr val="000000">
+                  <a:lumMod val="65000"/>
+                  <a:lumOff val="35000"/>
+                </a:srgbClr>
+              </a:solidFill>
+              <a:latin typeface="NanumSquare Bold" panose="020B0600000101010101" pitchFamily="34" charset="-127"/>
+              <a:ea typeface="NanumSquare Bold" panose="020B0600000101010101" pitchFamily="34" charset="-127"/>
+              <a:cs typeface="Arial"/>
+              <a:sym typeface="Arial"/>
+            </a:endParaRPr>
+          </a:p>
+        </p:txBody>
+      </p:sp>
+      <p:sp>
+        <p:nvSpPr>
+          <p:cNvPr id="51" name="직사각형 50">
+            <a:extLst>
+              <a:ext uri="{FF2B5EF4-FFF2-40B4-BE49-F238E27FC236}">
+                <a16:creationId xmlns:a16="http://schemas.microsoft.com/office/drawing/2014/main" id="{70D4DDF6-5230-CC4B-9A0E-7A282DBFF374}"/>
+              </a:ext>
+            </a:extLst>
+          </p:cNvPr>
+          <p:cNvSpPr/>
+          <p:nvPr/>
+        </p:nvSpPr>
+        <p:spPr>
+          <a:xfrm>
+            <a:off x="3021495" y="781154"/>
+            <a:ext cx="3600000" cy="1132735"/>
+          </a:xfrm>
+          <a:prstGeom prst="rect">
+            <a:avLst/>
+          </a:prstGeom>
+          <a:solidFill>
+            <a:schemeClr val="accent5">
+              <a:lumMod val="60000"/>
+              <a:lumOff val="40000"/>
+            </a:schemeClr>
+          </a:solidFill>
+          <a:ln w="25400" cap="flat" cmpd="sng" algn="ctr">
+            <a:noFill/>
+            <a:prstDash val="solid"/>
+          </a:ln>
+          <a:effectLst/>
+        </p:spPr>
+        <p:txBody>
+          <a:bodyPr rtlCol="0" anchor="ctr"/>
+          <a:lstStyle/>
+          <a:p>
+            <a:pPr algn="ctr">
+              <a:buClr>
+                <a:srgbClr val="000000"/>
+              </a:buClr>
+            </a:pPr>
+            <a:endParaRPr lang="ko-KR" altLang="en-US" sz="1200" b="1" kern="0" dirty="0">
+              <a:solidFill>
+                <a:srgbClr val="000000">
+                  <a:lumMod val="65000"/>
+                  <a:lumOff val="35000"/>
+                </a:srgbClr>
+              </a:solidFill>
+              <a:latin typeface="NanumSquare Bold" panose="020B0600000101010101" pitchFamily="34" charset="-127"/>
+              <a:ea typeface="NanumSquare Bold" panose="020B0600000101010101" pitchFamily="34" charset="-127"/>
+              <a:cs typeface="Arial"/>
+              <a:sym typeface="Arial"/>
+            </a:endParaRPr>
+          </a:p>
+        </p:txBody>
+      </p:sp>
+      <p:sp>
+        <p:nvSpPr>
+          <p:cNvPr id="52" name="직사각형 51">
+            <a:extLst>
+              <a:ext uri="{FF2B5EF4-FFF2-40B4-BE49-F238E27FC236}">
+                <a16:creationId xmlns:a16="http://schemas.microsoft.com/office/drawing/2014/main" id="{1AF23010-85CF-A542-8EFC-E8722045CD1A}"/>
+              </a:ext>
+            </a:extLst>
+          </p:cNvPr>
+          <p:cNvSpPr/>
+          <p:nvPr/>
+        </p:nvSpPr>
+        <p:spPr>
+          <a:xfrm>
+            <a:off x="7555477" y="781153"/>
+            <a:ext cx="3600000" cy="1132736"/>
+          </a:xfrm>
+          <a:prstGeom prst="rect">
+            <a:avLst/>
+          </a:prstGeom>
+          <a:solidFill>
+            <a:schemeClr val="accent5">
+              <a:lumMod val="60000"/>
+              <a:lumOff val="40000"/>
+            </a:schemeClr>
+          </a:solidFill>
+          <a:ln w="25400" cap="flat" cmpd="sng" algn="ctr">
+            <a:noFill/>
+            <a:prstDash val="solid"/>
+          </a:ln>
+          <a:effectLst/>
+        </p:spPr>
+        <p:txBody>
+          <a:bodyPr rtlCol="0" anchor="ctr"/>
+          <a:lstStyle/>
+          <a:p>
+            <a:pPr algn="ctr">
+              <a:buClr>
+                <a:srgbClr val="000000"/>
+              </a:buClr>
+            </a:pPr>
+            <a:endParaRPr lang="ko-KR" altLang="en-US" sz="1200" b="1" kern="0" dirty="0">
+              <a:solidFill>
+                <a:srgbClr val="000000">
+                  <a:lumMod val="65000"/>
+                  <a:lumOff val="35000"/>
+                </a:srgbClr>
+              </a:solidFill>
+              <a:latin typeface="NanumSquare Bold" panose="020B0600000101010101" pitchFamily="34" charset="-127"/>
+              <a:ea typeface="NanumSquare Bold" panose="020B0600000101010101" pitchFamily="34" charset="-127"/>
+              <a:cs typeface="Arial"/>
+              <a:sym typeface="Arial"/>
+            </a:endParaRPr>
+          </a:p>
+        </p:txBody>
+      </p:sp>
+      <p:sp>
+        <p:nvSpPr>
+          <p:cNvPr id="53" name="직사각형 52">
+            <a:extLst>
+              <a:ext uri="{FF2B5EF4-FFF2-40B4-BE49-F238E27FC236}">
+                <a16:creationId xmlns:a16="http://schemas.microsoft.com/office/drawing/2014/main" id="{C92DB426-E7E1-6941-A8BF-DDBA2396E641}"/>
+              </a:ext>
+            </a:extLst>
+          </p:cNvPr>
+          <p:cNvSpPr/>
+          <p:nvPr/>
+        </p:nvSpPr>
+        <p:spPr>
+          <a:xfrm>
+            <a:off x="3288767" y="830849"/>
+            <a:ext cx="3263155" cy="338554"/>
+          </a:xfrm>
+          <a:prstGeom prst="rect">
+            <a:avLst/>
+          </a:prstGeom>
+        </p:spPr>
+        <p:txBody>
+          <a:bodyPr wrap="square">
+            <a:spAutoFit/>
+          </a:bodyPr>
+          <a:lstStyle/>
+          <a:p>
+            <a:pPr algn="ctr"/>
+            <a:r>
+              <a:rPr lang="en" altLang="ko-Kore-KR" sz="1600" b="1" dirty="0">
+                <a:solidFill>
+                  <a:schemeClr val="tx1">
+                    <a:lumMod val="65000"/>
+                    <a:lumOff val="35000"/>
+                  </a:schemeClr>
+                </a:solidFill>
+                <a:latin typeface="NanumSquare Bold" panose="020B0600000101010101" pitchFamily="34" charset="-127"/>
+                <a:ea typeface="NanumSquare Bold" panose="020B0600000101010101" pitchFamily="34" charset="-127"/>
+              </a:rPr>
+              <a:t>Toy Data</a:t>
+            </a:r>
+            <a:r>
+              <a:rPr lang="en-US" altLang="ko-KR" sz="1600" b="1" dirty="0">
+                <a:solidFill>
+                  <a:schemeClr val="tx1">
+                    <a:lumMod val="65000"/>
+                    <a:lumOff val="35000"/>
+                  </a:schemeClr>
+                </a:solidFill>
+                <a:latin typeface="NanumSquare Bold" panose="020B0600000101010101" pitchFamily="34" charset="-127"/>
+                <a:ea typeface="NanumSquare Bold" panose="020B0600000101010101" pitchFamily="34" charset="-127"/>
+              </a:rPr>
+              <a:t>,</a:t>
+            </a:r>
+            <a:r>
+              <a:rPr lang="ko-KR" altLang="en-US" sz="1600" b="1" dirty="0">
+                <a:solidFill>
+                  <a:schemeClr val="tx1">
+                    <a:lumMod val="65000"/>
+                    <a:lumOff val="35000"/>
+                  </a:schemeClr>
+                </a:solidFill>
+                <a:latin typeface="NanumSquare Bold" panose="020B0600000101010101" pitchFamily="34" charset="-127"/>
+                <a:ea typeface="NanumSquare Bold" panose="020B0600000101010101" pitchFamily="34" charset="-127"/>
+              </a:rPr>
+              <a:t> </a:t>
+            </a:r>
+            <a:r>
+              <a:rPr lang="en-US" altLang="ko-KR" sz="1600" b="1" dirty="0">
+                <a:solidFill>
+                  <a:schemeClr val="tx1">
+                    <a:lumMod val="65000"/>
+                    <a:lumOff val="35000"/>
+                  </a:schemeClr>
+                </a:solidFill>
+                <a:latin typeface="NanumSquare Bold" panose="020B0600000101010101" pitchFamily="34" charset="-127"/>
+                <a:ea typeface="NanumSquare Bold" panose="020B0600000101010101" pitchFamily="34" charset="-127"/>
+              </a:rPr>
+              <a:t>Sequence Processing</a:t>
+            </a:r>
+            <a:endParaRPr lang="ko-Kore-KR" altLang="en-US" sz="1600" b="1" dirty="0">
+              <a:solidFill>
+                <a:schemeClr val="tx1">
+                  <a:lumMod val="65000"/>
+                  <a:lumOff val="35000"/>
+                </a:schemeClr>
+              </a:solidFill>
+              <a:latin typeface="NanumSquare Bold" panose="020B0600000101010101" pitchFamily="34" charset="-127"/>
+              <a:ea typeface="NanumSquare Bold" panose="020B0600000101010101" pitchFamily="34" charset="-127"/>
+            </a:endParaRPr>
+          </a:p>
+        </p:txBody>
+      </p:sp>
+      <p:sp>
+        <p:nvSpPr>
+          <p:cNvPr id="54" name="직사각형 53">
+            <a:extLst>
+              <a:ext uri="{FF2B5EF4-FFF2-40B4-BE49-F238E27FC236}">
+                <a16:creationId xmlns:a16="http://schemas.microsoft.com/office/drawing/2014/main" id="{69860B6D-A179-9B43-AD00-979F05FA0AAC}"/>
+              </a:ext>
+            </a:extLst>
+          </p:cNvPr>
+          <p:cNvSpPr/>
+          <p:nvPr/>
+        </p:nvSpPr>
+        <p:spPr>
+          <a:xfrm>
+            <a:off x="7541292" y="830849"/>
+            <a:ext cx="3600000" cy="338554"/>
+          </a:xfrm>
+          <a:prstGeom prst="rect">
+            <a:avLst/>
+          </a:prstGeom>
+        </p:spPr>
+        <p:txBody>
+          <a:bodyPr wrap="square">
+            <a:spAutoFit/>
+          </a:bodyPr>
+          <a:lstStyle/>
+          <a:p>
+            <a:pPr algn="ctr"/>
+            <a:r>
+              <a:rPr lang="en" altLang="ko-Kore-KR" sz="1600" b="1" dirty="0">
+                <a:solidFill>
+                  <a:schemeClr val="tx1">
+                    <a:lumMod val="65000"/>
+                    <a:lumOff val="35000"/>
+                  </a:schemeClr>
+                </a:solidFill>
+                <a:latin typeface="NanumSquare Bold" panose="020B0600000101010101" pitchFamily="34" charset="-127"/>
+                <a:ea typeface="NanumSquare Bold" panose="020B0600000101010101" pitchFamily="34" charset="-127"/>
+              </a:rPr>
+              <a:t>Enterprise Data</a:t>
+            </a:r>
+            <a:r>
+              <a:rPr lang="en-US" altLang="ko-KR" sz="1600" b="1" dirty="0">
+                <a:solidFill>
+                  <a:schemeClr val="tx1">
+                    <a:lumMod val="65000"/>
+                    <a:lumOff val="35000"/>
+                  </a:schemeClr>
+                </a:solidFill>
+                <a:latin typeface="NanumSquare Bold" panose="020B0600000101010101" pitchFamily="34" charset="-127"/>
+                <a:ea typeface="NanumSquare Bold" panose="020B0600000101010101" pitchFamily="34" charset="-127"/>
+              </a:rPr>
+              <a:t>,</a:t>
+            </a:r>
+            <a:r>
+              <a:rPr lang="ko-KR" altLang="en-US" sz="1600" b="1" dirty="0">
+                <a:solidFill>
+                  <a:schemeClr val="tx1">
+                    <a:lumMod val="65000"/>
+                    <a:lumOff val="35000"/>
+                  </a:schemeClr>
+                </a:solidFill>
+                <a:latin typeface="NanumSquare Bold" panose="020B0600000101010101" pitchFamily="34" charset="-127"/>
+                <a:ea typeface="NanumSquare Bold" panose="020B0600000101010101" pitchFamily="34" charset="-127"/>
+              </a:rPr>
+              <a:t> </a:t>
+            </a:r>
+            <a:r>
+              <a:rPr lang="en" altLang="ko-KR" sz="1600" b="1" dirty="0">
+                <a:solidFill>
+                  <a:schemeClr val="tx1">
+                    <a:lumMod val="65000"/>
+                    <a:lumOff val="35000"/>
+                  </a:schemeClr>
+                </a:solidFill>
+                <a:latin typeface="NanumSquare Bold" panose="020B0600000101010101" pitchFamily="34" charset="-127"/>
+                <a:ea typeface="NanumSquare Bold" panose="020B0600000101010101" pitchFamily="34" charset="-127"/>
+              </a:rPr>
+              <a:t>Parallel Processing </a:t>
+            </a:r>
+            <a:endParaRPr lang="ko-Kore-KR" altLang="en-US" sz="1600" b="1" dirty="0">
+              <a:solidFill>
+                <a:schemeClr val="tx1">
+                  <a:lumMod val="65000"/>
+                  <a:lumOff val="35000"/>
+                </a:schemeClr>
+              </a:solidFill>
+              <a:latin typeface="NanumSquare Bold" panose="020B0600000101010101" pitchFamily="34" charset="-127"/>
+              <a:ea typeface="NanumSquare Bold" panose="020B0600000101010101" pitchFamily="34" charset="-127"/>
+            </a:endParaRPr>
+          </a:p>
+        </p:txBody>
+      </p:sp>
+      <p:sp>
+        <p:nvSpPr>
+          <p:cNvPr id="55" name="직사각형 54">
+            <a:extLst>
+              <a:ext uri="{FF2B5EF4-FFF2-40B4-BE49-F238E27FC236}">
+                <a16:creationId xmlns:a16="http://schemas.microsoft.com/office/drawing/2014/main" id="{D1725C4F-AC6C-9946-9889-EA2987AC5FC0}"/>
+              </a:ext>
+            </a:extLst>
+          </p:cNvPr>
+          <p:cNvSpPr/>
+          <p:nvPr/>
+        </p:nvSpPr>
+        <p:spPr>
+          <a:xfrm>
+            <a:off x="3506320" y="1178244"/>
+            <a:ext cx="2761639" cy="338554"/>
+          </a:xfrm>
+          <a:prstGeom prst="rect">
+            <a:avLst/>
+          </a:prstGeom>
+        </p:spPr>
+        <p:txBody>
+          <a:bodyPr wrap="square">
+            <a:spAutoFit/>
+          </a:bodyPr>
+          <a:lstStyle/>
+          <a:p>
+            <a:pPr algn="ctr"/>
+            <a:r>
+              <a:rPr lang="en-US" altLang="ko-Kore-KR" sz="1600" b="1" dirty="0">
+                <a:solidFill>
+                  <a:schemeClr val="tx1">
+                    <a:lumMod val="65000"/>
+                    <a:lumOff val="35000"/>
+                  </a:schemeClr>
+                </a:solidFill>
+                <a:latin typeface="NanumSquare Bold" panose="020B0600000101010101" pitchFamily="34" charset="-127"/>
+                <a:ea typeface="NanumSquare Bold" panose="020B0600000101010101" pitchFamily="34" charset="-127"/>
+              </a:rPr>
+              <a:t>data.frame, base R  read.*,</a:t>
+            </a:r>
+            <a:endParaRPr lang="ko-Kore-KR" altLang="en-US" sz="1600" b="1" dirty="0">
+              <a:solidFill>
+                <a:schemeClr val="tx1">
+                  <a:lumMod val="65000"/>
+                  <a:lumOff val="35000"/>
+                </a:schemeClr>
+              </a:solidFill>
+              <a:latin typeface="NanumSquare Bold" panose="020B0600000101010101" pitchFamily="34" charset="-127"/>
+              <a:ea typeface="NanumSquare Bold" panose="020B0600000101010101" pitchFamily="34" charset="-127"/>
+            </a:endParaRPr>
+          </a:p>
+        </p:txBody>
+      </p:sp>
+      <p:sp>
+        <p:nvSpPr>
+          <p:cNvPr id="56" name="직사각형 55">
+            <a:extLst>
+              <a:ext uri="{FF2B5EF4-FFF2-40B4-BE49-F238E27FC236}">
+                <a16:creationId xmlns:a16="http://schemas.microsoft.com/office/drawing/2014/main" id="{7B7CA146-6276-0D4A-97D1-E3DE266A0195}"/>
+              </a:ext>
+            </a:extLst>
+          </p:cNvPr>
+          <p:cNvSpPr/>
+          <p:nvPr/>
+        </p:nvSpPr>
+        <p:spPr>
+          <a:xfrm>
+            <a:off x="8302715" y="1178244"/>
+            <a:ext cx="2105513" cy="338554"/>
+          </a:xfrm>
+          <a:prstGeom prst="rect">
+            <a:avLst/>
+          </a:prstGeom>
+        </p:spPr>
+        <p:txBody>
+          <a:bodyPr wrap="square">
+            <a:spAutoFit/>
+          </a:bodyPr>
+          <a:lstStyle/>
+          <a:p>
+            <a:pPr algn="ctr"/>
+            <a:r>
+              <a:rPr lang="en-US" altLang="ko-Kore-KR" sz="1600" b="1" dirty="0">
+                <a:solidFill>
+                  <a:schemeClr val="tx1">
+                    <a:lumMod val="65000"/>
+                    <a:lumOff val="35000"/>
+                  </a:schemeClr>
+                </a:solidFill>
+                <a:latin typeface="NanumSquare Bold" panose="020B0600000101010101" pitchFamily="34" charset="-127"/>
+                <a:ea typeface="NanumSquare Bold" panose="020B0600000101010101" pitchFamily="34" charset="-127"/>
+              </a:rPr>
+              <a:t>tibble, dplyr, read_*</a:t>
+            </a:r>
+            <a:endParaRPr lang="ko-Kore-KR" altLang="en-US" sz="1600" b="1" dirty="0">
+              <a:solidFill>
+                <a:schemeClr val="tx1">
+                  <a:lumMod val="65000"/>
+                  <a:lumOff val="35000"/>
+                </a:schemeClr>
+              </a:solidFill>
+              <a:latin typeface="NanumSquare Bold" panose="020B0600000101010101" pitchFamily="34" charset="-127"/>
+              <a:ea typeface="NanumSquare Bold" panose="020B0600000101010101" pitchFamily="34" charset="-127"/>
+            </a:endParaRPr>
+          </a:p>
+        </p:txBody>
+      </p:sp>
+      <p:sp>
+        <p:nvSpPr>
+          <p:cNvPr id="59" name="직사각형 58">
+            <a:extLst>
+              <a:ext uri="{FF2B5EF4-FFF2-40B4-BE49-F238E27FC236}">
+                <a16:creationId xmlns:a16="http://schemas.microsoft.com/office/drawing/2014/main" id="{A4E9DC36-7AF9-A340-B21E-22093DA42CB1}"/>
+              </a:ext>
+            </a:extLst>
+          </p:cNvPr>
+          <p:cNvSpPr/>
+          <p:nvPr/>
+        </p:nvSpPr>
+        <p:spPr>
+          <a:xfrm>
+            <a:off x="3818530" y="1525640"/>
+            <a:ext cx="2105513" cy="338554"/>
+          </a:xfrm>
+          <a:prstGeom prst="rect">
+            <a:avLst/>
+          </a:prstGeom>
+        </p:spPr>
+        <p:txBody>
+          <a:bodyPr wrap="square">
+            <a:spAutoFit/>
+          </a:bodyPr>
+          <a:lstStyle/>
+          <a:p>
+            <a:pPr algn="ctr"/>
+            <a:r>
+              <a:rPr lang="en-US" altLang="ko-Kore-KR" sz="1600" b="1" dirty="0">
+                <a:solidFill>
+                  <a:schemeClr val="tx1">
+                    <a:lumMod val="65000"/>
+                    <a:lumOff val="35000"/>
+                  </a:schemeClr>
+                </a:solidFill>
+                <a:latin typeface="NanumSquare Bold" panose="020B0600000101010101" pitchFamily="34" charset="-127"/>
+                <a:ea typeface="NanumSquare Bold" panose="020B0600000101010101" pitchFamily="34" charset="-127"/>
+              </a:rPr>
+              <a:t>In-Memory</a:t>
+            </a:r>
+            <a:endParaRPr lang="ko-Kore-KR" altLang="en-US" sz="1600" b="1" dirty="0">
+              <a:solidFill>
+                <a:schemeClr val="tx1">
+                  <a:lumMod val="65000"/>
+                  <a:lumOff val="35000"/>
+                </a:schemeClr>
+              </a:solidFill>
+              <a:latin typeface="NanumSquare Bold" panose="020B0600000101010101" pitchFamily="34" charset="-127"/>
+              <a:ea typeface="NanumSquare Bold" panose="020B0600000101010101" pitchFamily="34" charset="-127"/>
+            </a:endParaRPr>
+          </a:p>
+        </p:txBody>
+      </p:sp>
+      <p:sp>
+        <p:nvSpPr>
+          <p:cNvPr id="60" name="직사각형 59">
+            <a:extLst>
+              <a:ext uri="{FF2B5EF4-FFF2-40B4-BE49-F238E27FC236}">
+                <a16:creationId xmlns:a16="http://schemas.microsoft.com/office/drawing/2014/main" id="{3BFD3780-5C86-D642-91CF-BC3B7D0525D5}"/>
+              </a:ext>
+            </a:extLst>
+          </p:cNvPr>
+          <p:cNvSpPr/>
+          <p:nvPr/>
+        </p:nvSpPr>
+        <p:spPr>
+          <a:xfrm>
+            <a:off x="8302715" y="1525640"/>
+            <a:ext cx="2105513" cy="338554"/>
+          </a:xfrm>
+          <a:prstGeom prst="rect">
+            <a:avLst/>
+          </a:prstGeom>
+        </p:spPr>
+        <p:txBody>
+          <a:bodyPr wrap="square">
+            <a:spAutoFit/>
+          </a:bodyPr>
+          <a:lstStyle/>
+          <a:p>
+            <a:pPr algn="ctr"/>
+            <a:r>
+              <a:rPr lang="en-US" altLang="ko-Kore-KR" sz="1600" b="1" dirty="0">
+                <a:solidFill>
+                  <a:schemeClr val="tx1">
+                    <a:lumMod val="65000"/>
+                    <a:lumOff val="35000"/>
+                  </a:schemeClr>
+                </a:solidFill>
+                <a:latin typeface="NanumSquare Bold" panose="020B0600000101010101" pitchFamily="34" charset="-127"/>
+                <a:ea typeface="NanumSquare Bold" panose="020B0600000101010101" pitchFamily="34" charset="-127"/>
+              </a:rPr>
+              <a:t>In-Database</a:t>
+            </a:r>
+            <a:endParaRPr lang="ko-Kore-KR" altLang="en-US" sz="1600" b="1" dirty="0">
+              <a:solidFill>
+                <a:schemeClr val="tx1">
+                  <a:lumMod val="65000"/>
+                  <a:lumOff val="35000"/>
+                </a:schemeClr>
+              </a:solidFill>
+              <a:latin typeface="NanumSquare Bold" panose="020B0600000101010101" pitchFamily="34" charset="-127"/>
+              <a:ea typeface="NanumSquare Bold" panose="020B0600000101010101" pitchFamily="34" charset="-127"/>
+            </a:endParaRPr>
+          </a:p>
+        </p:txBody>
+      </p:sp>
+      <p:sp>
+        <p:nvSpPr>
+          <p:cNvPr id="61" name="직사각형 60">
+            <a:extLst>
+              <a:ext uri="{FF2B5EF4-FFF2-40B4-BE49-F238E27FC236}">
+                <a16:creationId xmlns:a16="http://schemas.microsoft.com/office/drawing/2014/main" id="{BC893542-0469-DF48-B324-4050237A9DB4}"/>
+              </a:ext>
+            </a:extLst>
+          </p:cNvPr>
+          <p:cNvSpPr/>
+          <p:nvPr/>
+        </p:nvSpPr>
+        <p:spPr>
+          <a:xfrm>
+            <a:off x="3818530" y="2075638"/>
+            <a:ext cx="2105513" cy="338554"/>
+          </a:xfrm>
+          <a:prstGeom prst="rect">
+            <a:avLst/>
+          </a:prstGeom>
+        </p:spPr>
+        <p:txBody>
+          <a:bodyPr wrap="square">
+            <a:spAutoFit/>
+          </a:bodyPr>
+          <a:lstStyle/>
+          <a:p>
+            <a:pPr algn="ctr"/>
+            <a:r>
+              <a:rPr lang="en-US" altLang="ko-Kore-KR" sz="1600" b="1" dirty="0">
+                <a:solidFill>
+                  <a:schemeClr val="tx1">
+                    <a:lumMod val="65000"/>
+                    <a:lumOff val="35000"/>
+                  </a:schemeClr>
+                </a:solidFill>
+                <a:latin typeface="NanumSquare Bold" panose="020B0600000101010101" pitchFamily="34" charset="-127"/>
+                <a:ea typeface="NanumSquare Bold" panose="020B0600000101010101" pitchFamily="34" charset="-127"/>
+              </a:rPr>
+              <a:t>Statistician</a:t>
+            </a:r>
+            <a:endParaRPr lang="ko-Kore-KR" altLang="en-US" sz="1600" b="1" dirty="0">
+              <a:solidFill>
+                <a:schemeClr val="tx1">
+                  <a:lumMod val="65000"/>
+                  <a:lumOff val="35000"/>
+                </a:schemeClr>
+              </a:solidFill>
+              <a:latin typeface="NanumSquare Bold" panose="020B0600000101010101" pitchFamily="34" charset="-127"/>
+              <a:ea typeface="NanumSquare Bold" panose="020B0600000101010101" pitchFamily="34" charset="-127"/>
+            </a:endParaRPr>
+          </a:p>
+        </p:txBody>
+      </p:sp>
+      <p:sp>
+        <p:nvSpPr>
+          <p:cNvPr id="62" name="직사각형 61">
+            <a:extLst>
+              <a:ext uri="{FF2B5EF4-FFF2-40B4-BE49-F238E27FC236}">
+                <a16:creationId xmlns:a16="http://schemas.microsoft.com/office/drawing/2014/main" id="{9394C0F7-6957-6B4F-9119-5AA2538BF1FE}"/>
+              </a:ext>
+            </a:extLst>
+          </p:cNvPr>
+          <p:cNvSpPr/>
+          <p:nvPr/>
+        </p:nvSpPr>
+        <p:spPr>
+          <a:xfrm>
+            <a:off x="8302715" y="2075638"/>
+            <a:ext cx="2105513" cy="338554"/>
+          </a:xfrm>
+          <a:prstGeom prst="rect">
+            <a:avLst/>
+          </a:prstGeom>
+        </p:spPr>
+        <p:txBody>
+          <a:bodyPr wrap="square">
+            <a:spAutoFit/>
+          </a:bodyPr>
+          <a:lstStyle/>
+          <a:p>
+            <a:pPr algn="ctr"/>
+            <a:r>
+              <a:rPr lang="en-US" altLang="ko-Kore-KR" sz="1600" b="1" dirty="0">
+                <a:solidFill>
+                  <a:schemeClr val="tx1">
+                    <a:lumMod val="65000"/>
+                    <a:lumOff val="35000"/>
+                  </a:schemeClr>
+                </a:solidFill>
+                <a:latin typeface="NanumSquare Bold" panose="020B0600000101010101" pitchFamily="34" charset="-127"/>
+                <a:ea typeface="NanumSquare Bold" panose="020B0600000101010101" pitchFamily="34" charset="-127"/>
+              </a:rPr>
+              <a:t>S/W Developer</a:t>
+            </a:r>
+            <a:endParaRPr lang="ko-Kore-KR" altLang="en-US" sz="1600" b="1" dirty="0">
+              <a:solidFill>
+                <a:schemeClr val="tx1">
+                  <a:lumMod val="65000"/>
+                  <a:lumOff val="35000"/>
+                </a:schemeClr>
+              </a:solidFill>
+              <a:latin typeface="NanumSquare Bold" panose="020B0600000101010101" pitchFamily="34" charset="-127"/>
+              <a:ea typeface="NanumSquare Bold" panose="020B0600000101010101" pitchFamily="34" charset="-127"/>
+            </a:endParaRPr>
+          </a:p>
+        </p:txBody>
+      </p:sp>
+      <p:sp>
+        <p:nvSpPr>
+          <p:cNvPr id="63" name="직사각형 62">
+            <a:extLst>
+              <a:ext uri="{FF2B5EF4-FFF2-40B4-BE49-F238E27FC236}">
+                <a16:creationId xmlns:a16="http://schemas.microsoft.com/office/drawing/2014/main" id="{30B61656-FBCA-864A-A986-69E5BA687916}"/>
+              </a:ext>
+            </a:extLst>
+          </p:cNvPr>
+          <p:cNvSpPr/>
+          <p:nvPr/>
+        </p:nvSpPr>
+        <p:spPr>
+          <a:xfrm>
+            <a:off x="3818530" y="2779798"/>
+            <a:ext cx="2105513" cy="338554"/>
+          </a:xfrm>
+          <a:prstGeom prst="rect">
+            <a:avLst/>
+          </a:prstGeom>
+        </p:spPr>
+        <p:txBody>
+          <a:bodyPr wrap="square">
+            <a:spAutoFit/>
+          </a:bodyPr>
+          <a:lstStyle/>
+          <a:p>
+            <a:pPr algn="ctr"/>
+            <a:r>
+              <a:rPr lang="en-US" altLang="ko-Kore-KR" sz="1600" b="1" dirty="0">
+                <a:solidFill>
+                  <a:schemeClr val="tx1">
+                    <a:lumMod val="65000"/>
+                    <a:lumOff val="35000"/>
+                  </a:schemeClr>
+                </a:solidFill>
+                <a:latin typeface="NanumSquare Bold" panose="020B0600000101010101" pitchFamily="34" charset="-127"/>
+                <a:ea typeface="NanumSquare Bold" panose="020B0600000101010101" pitchFamily="34" charset="-127"/>
+              </a:rPr>
+              <a:t>Statistics</a:t>
+            </a:r>
+            <a:endParaRPr lang="ko-Kore-KR" altLang="en-US" sz="1600" b="1" dirty="0">
+              <a:solidFill>
+                <a:schemeClr val="tx1">
+                  <a:lumMod val="65000"/>
+                  <a:lumOff val="35000"/>
+                </a:schemeClr>
+              </a:solidFill>
+              <a:latin typeface="NanumSquare Bold" panose="020B0600000101010101" pitchFamily="34" charset="-127"/>
+              <a:ea typeface="NanumSquare Bold" panose="020B0600000101010101" pitchFamily="34" charset="-127"/>
+            </a:endParaRPr>
+          </a:p>
+        </p:txBody>
+      </p:sp>
+      <p:sp>
+        <p:nvSpPr>
+          <p:cNvPr id="64" name="직사각형 63">
+            <a:extLst>
+              <a:ext uri="{FF2B5EF4-FFF2-40B4-BE49-F238E27FC236}">
+                <a16:creationId xmlns:a16="http://schemas.microsoft.com/office/drawing/2014/main" id="{2A8A8782-49EB-4D4E-A993-4857A9F9A7DC}"/>
+              </a:ext>
+            </a:extLst>
+          </p:cNvPr>
+          <p:cNvSpPr/>
+          <p:nvPr/>
+        </p:nvSpPr>
+        <p:spPr>
+          <a:xfrm>
+            <a:off x="8083263" y="2750072"/>
+            <a:ext cx="2544417" cy="338554"/>
+          </a:xfrm>
+          <a:prstGeom prst="rect">
+            <a:avLst/>
+          </a:prstGeom>
+        </p:spPr>
+        <p:txBody>
+          <a:bodyPr wrap="square">
+            <a:spAutoFit/>
+          </a:bodyPr>
+          <a:lstStyle/>
+          <a:p>
+            <a:pPr algn="ctr"/>
+            <a:r>
+              <a:rPr lang="en-US" altLang="ko-Kore-KR" sz="1600" b="1" dirty="0">
+                <a:solidFill>
+                  <a:schemeClr val="tx1">
+                    <a:lumMod val="65000"/>
+                    <a:lumOff val="35000"/>
+                  </a:schemeClr>
+                </a:solidFill>
+                <a:latin typeface="NanumSquare Bold" panose="020B0600000101010101" pitchFamily="34" charset="-127"/>
+                <a:ea typeface="NanumSquare Bold" panose="020B0600000101010101" pitchFamily="34" charset="-127"/>
+              </a:rPr>
+              <a:t>Machine Learning</a:t>
+            </a:r>
+            <a:endParaRPr lang="ko-Kore-KR" altLang="en-US" sz="1600" b="1" dirty="0">
+              <a:solidFill>
+                <a:schemeClr val="tx1">
+                  <a:lumMod val="65000"/>
+                  <a:lumOff val="35000"/>
+                </a:schemeClr>
+              </a:solidFill>
+              <a:latin typeface="NanumSquare Bold" panose="020B0600000101010101" pitchFamily="34" charset="-127"/>
+              <a:ea typeface="NanumSquare Bold" panose="020B0600000101010101" pitchFamily="34" charset="-127"/>
+            </a:endParaRPr>
+          </a:p>
+        </p:txBody>
+      </p:sp>
+      <p:sp>
+        <p:nvSpPr>
+          <p:cNvPr id="65" name="직사각형 64">
+            <a:extLst>
+              <a:ext uri="{FF2B5EF4-FFF2-40B4-BE49-F238E27FC236}">
+                <a16:creationId xmlns:a16="http://schemas.microsoft.com/office/drawing/2014/main" id="{5ACDE510-82E2-944E-B585-95EFF1E4F6BE}"/>
+              </a:ext>
+            </a:extLst>
+          </p:cNvPr>
+          <p:cNvSpPr/>
+          <p:nvPr/>
+        </p:nvSpPr>
+        <p:spPr>
+          <a:xfrm>
+            <a:off x="3818530" y="3769388"/>
+            <a:ext cx="2105513" cy="338554"/>
+          </a:xfrm>
+          <a:prstGeom prst="rect">
+            <a:avLst/>
+          </a:prstGeom>
+        </p:spPr>
+        <p:txBody>
+          <a:bodyPr wrap="square">
+            <a:spAutoFit/>
+          </a:bodyPr>
+          <a:lstStyle/>
+          <a:p>
+            <a:pPr algn="ctr"/>
+            <a:r>
+              <a:rPr lang="en-US" altLang="ko-Kore-KR" sz="1600" b="1" dirty="0">
+                <a:solidFill>
+                  <a:schemeClr val="tx1">
+                    <a:lumMod val="65000"/>
+                    <a:lumOff val="35000"/>
+                  </a:schemeClr>
+                </a:solidFill>
+                <a:latin typeface="NanumSquare Bold" panose="020B0600000101010101" pitchFamily="34" charset="-127"/>
+                <a:ea typeface="NanumSquare Bold" panose="020B0600000101010101" pitchFamily="34" charset="-127"/>
+              </a:rPr>
+              <a:t>S-Plus (CSAN)</a:t>
+            </a:r>
+            <a:endParaRPr lang="ko-Kore-KR" altLang="en-US" sz="1600" b="1" dirty="0">
+              <a:solidFill>
+                <a:schemeClr val="tx1">
+                  <a:lumMod val="65000"/>
+                  <a:lumOff val="35000"/>
+                </a:schemeClr>
+              </a:solidFill>
+              <a:latin typeface="NanumSquare Bold" panose="020B0600000101010101" pitchFamily="34" charset="-127"/>
+              <a:ea typeface="NanumSquare Bold" panose="020B0600000101010101" pitchFamily="34" charset="-127"/>
+            </a:endParaRPr>
+          </a:p>
+        </p:txBody>
+      </p:sp>
+      <p:sp>
+        <p:nvSpPr>
+          <p:cNvPr id="66" name="직사각형 65">
+            <a:extLst>
+              <a:ext uri="{FF2B5EF4-FFF2-40B4-BE49-F238E27FC236}">
+                <a16:creationId xmlns:a16="http://schemas.microsoft.com/office/drawing/2014/main" id="{71DB56C3-AE53-C44A-9FD2-8E765E62D95D}"/>
+              </a:ext>
+            </a:extLst>
+          </p:cNvPr>
+          <p:cNvSpPr/>
+          <p:nvPr/>
+        </p:nvSpPr>
+        <p:spPr>
+          <a:xfrm>
+            <a:off x="8083263" y="3769388"/>
+            <a:ext cx="2544417" cy="338554"/>
+          </a:xfrm>
+          <a:prstGeom prst="rect">
+            <a:avLst/>
+          </a:prstGeom>
+        </p:spPr>
+        <p:txBody>
+          <a:bodyPr wrap="square">
+            <a:spAutoFit/>
+          </a:bodyPr>
+          <a:lstStyle/>
+          <a:p>
+            <a:pPr algn="ctr"/>
+            <a:r>
+              <a:rPr lang="en-US" altLang="ko-Kore-KR" sz="1600" b="1" dirty="0">
+                <a:solidFill>
+                  <a:schemeClr val="tx1">
+                    <a:lumMod val="65000"/>
+                    <a:lumOff val="35000"/>
+                  </a:schemeClr>
+                </a:solidFill>
+                <a:latin typeface="NanumSquare Bold" panose="020B0600000101010101" pitchFamily="34" charset="-127"/>
+                <a:ea typeface="NanumSquare Bold" panose="020B0600000101010101" pitchFamily="34" charset="-127"/>
+              </a:rPr>
+              <a:t>R (CRAN, GitHub)</a:t>
+            </a:r>
+            <a:endParaRPr lang="ko-Kore-KR" altLang="en-US" sz="1600" b="1" dirty="0">
+              <a:solidFill>
+                <a:schemeClr val="tx1">
+                  <a:lumMod val="65000"/>
+                  <a:lumOff val="35000"/>
+                </a:schemeClr>
+              </a:solidFill>
+              <a:latin typeface="NanumSquare Bold" panose="020B0600000101010101" pitchFamily="34" charset="-127"/>
+              <a:ea typeface="NanumSquare Bold" panose="020B0600000101010101" pitchFamily="34" charset="-127"/>
+            </a:endParaRPr>
+          </a:p>
+        </p:txBody>
+      </p:sp>
+      <p:sp>
+        <p:nvSpPr>
+          <p:cNvPr id="67" name="직사각형 66">
+            <a:extLst>
+              <a:ext uri="{FF2B5EF4-FFF2-40B4-BE49-F238E27FC236}">
+                <a16:creationId xmlns:a16="http://schemas.microsoft.com/office/drawing/2014/main" id="{356E5AD2-768B-1445-901D-9FC631015990}"/>
+              </a:ext>
+            </a:extLst>
+          </p:cNvPr>
+          <p:cNvSpPr/>
+          <p:nvPr/>
+        </p:nvSpPr>
+        <p:spPr>
+          <a:xfrm>
+            <a:off x="3599078" y="5553911"/>
+            <a:ext cx="2544416" cy="338554"/>
+          </a:xfrm>
+          <a:prstGeom prst="rect">
+            <a:avLst/>
+          </a:prstGeom>
+        </p:spPr>
+        <p:txBody>
+          <a:bodyPr wrap="square">
+            <a:spAutoFit/>
+          </a:bodyPr>
+          <a:lstStyle/>
+          <a:p>
+            <a:pPr algn="ctr"/>
+            <a:r>
+              <a:rPr lang="en-US" altLang="ko-Kore-KR" sz="1600" b="1" dirty="0">
+                <a:solidFill>
+                  <a:schemeClr val="tx1">
+                    <a:lumMod val="65000"/>
+                    <a:lumOff val="35000"/>
+                  </a:schemeClr>
+                </a:solidFill>
+                <a:latin typeface="NanumSquare Bold" panose="020B0600000101010101" pitchFamily="34" charset="-127"/>
+                <a:ea typeface="NanumSquare Bold" panose="020B0600000101010101" pitchFamily="34" charset="-127"/>
+              </a:rPr>
+              <a:t>R Graphics, lattice</a:t>
+            </a:r>
+            <a:endParaRPr lang="ko-Kore-KR" altLang="en-US" sz="1600" b="1" dirty="0">
+              <a:solidFill>
+                <a:schemeClr val="tx1">
+                  <a:lumMod val="65000"/>
+                  <a:lumOff val="35000"/>
+                </a:schemeClr>
+              </a:solidFill>
+              <a:latin typeface="NanumSquare Bold" panose="020B0600000101010101" pitchFamily="34" charset="-127"/>
+              <a:ea typeface="NanumSquare Bold" panose="020B0600000101010101" pitchFamily="34" charset="-127"/>
+            </a:endParaRPr>
+          </a:p>
+        </p:txBody>
+      </p:sp>
+      <p:sp>
+        <p:nvSpPr>
+          <p:cNvPr id="68" name="직사각형 67">
+            <a:extLst>
+              <a:ext uri="{FF2B5EF4-FFF2-40B4-BE49-F238E27FC236}">
+                <a16:creationId xmlns:a16="http://schemas.microsoft.com/office/drawing/2014/main" id="{F37EC321-EFBD-0A45-94B8-6C21EA6C4720}"/>
+              </a:ext>
+            </a:extLst>
+          </p:cNvPr>
+          <p:cNvSpPr/>
+          <p:nvPr/>
+        </p:nvSpPr>
+        <p:spPr>
+          <a:xfrm>
+            <a:off x="8083263" y="5474399"/>
+            <a:ext cx="2544417" cy="338554"/>
+          </a:xfrm>
+          <a:prstGeom prst="rect">
+            <a:avLst/>
+          </a:prstGeom>
+        </p:spPr>
+        <p:txBody>
+          <a:bodyPr wrap="square">
+            <a:spAutoFit/>
+          </a:bodyPr>
+          <a:lstStyle/>
+          <a:p>
+            <a:pPr algn="ctr"/>
+            <a:r>
+              <a:rPr lang="en-US" altLang="ko-Kore-KR" sz="1600" b="1" dirty="0">
+                <a:solidFill>
+                  <a:schemeClr val="tx1">
+                    <a:lumMod val="65000"/>
+                    <a:lumOff val="35000"/>
+                  </a:schemeClr>
+                </a:solidFill>
+                <a:latin typeface="NanumSquare Bold" panose="020B0600000101010101" pitchFamily="34" charset="-127"/>
+                <a:ea typeface="NanumSquare Bold" panose="020B0600000101010101" pitchFamily="34" charset="-127"/>
+              </a:rPr>
+              <a:t>ggplot2</a:t>
+            </a:r>
+            <a:endParaRPr lang="ko-Kore-KR" altLang="en-US" sz="1600" b="1" dirty="0">
+              <a:solidFill>
+                <a:schemeClr val="tx1">
+                  <a:lumMod val="65000"/>
+                  <a:lumOff val="35000"/>
+                </a:schemeClr>
+              </a:solidFill>
+              <a:latin typeface="NanumSquare Bold" panose="020B0600000101010101" pitchFamily="34" charset="-127"/>
+              <a:ea typeface="NanumSquare Bold" panose="020B0600000101010101" pitchFamily="34" charset="-127"/>
+            </a:endParaRPr>
+          </a:p>
+        </p:txBody>
+      </p:sp>
+      <p:sp>
+        <p:nvSpPr>
+          <p:cNvPr id="69" name="직사각형 68">
+            <a:extLst>
+              <a:ext uri="{FF2B5EF4-FFF2-40B4-BE49-F238E27FC236}">
+                <a16:creationId xmlns:a16="http://schemas.microsoft.com/office/drawing/2014/main" id="{194A87BC-2633-5B44-97CF-04C1FD99103F}"/>
+              </a:ext>
+            </a:extLst>
+          </p:cNvPr>
+          <p:cNvSpPr/>
+          <p:nvPr/>
+        </p:nvSpPr>
+        <p:spPr>
+          <a:xfrm>
+            <a:off x="3599078" y="3384256"/>
+            <a:ext cx="2544416" cy="338554"/>
+          </a:xfrm>
+          <a:prstGeom prst="rect">
+            <a:avLst/>
+          </a:prstGeom>
+        </p:spPr>
+        <p:txBody>
+          <a:bodyPr wrap="square">
+            <a:spAutoFit/>
+          </a:bodyPr>
+          <a:lstStyle/>
+          <a:p>
+            <a:pPr algn="ctr"/>
+            <a:r>
+              <a:rPr lang="en-US" altLang="ko-Kore-KR" sz="1600" b="1" dirty="0">
+                <a:solidFill>
+                  <a:schemeClr val="tx1">
+                    <a:lumMod val="65000"/>
+                    <a:lumOff val="35000"/>
+                  </a:schemeClr>
+                </a:solidFill>
+                <a:latin typeface="NanumSquare Bold" panose="020B0600000101010101" pitchFamily="34" charset="-127"/>
+                <a:ea typeface="NanumSquare Bold" panose="020B0600000101010101" pitchFamily="34" charset="-127"/>
+              </a:rPr>
+              <a:t>Commercial</a:t>
+            </a:r>
+            <a:endParaRPr lang="ko-Kore-KR" altLang="en-US" sz="1600" b="1" dirty="0">
+              <a:solidFill>
+                <a:schemeClr val="tx1">
+                  <a:lumMod val="65000"/>
+                  <a:lumOff val="35000"/>
+                </a:schemeClr>
+              </a:solidFill>
+              <a:latin typeface="NanumSquare Bold" panose="020B0600000101010101" pitchFamily="34" charset="-127"/>
+              <a:ea typeface="NanumSquare Bold" panose="020B0600000101010101" pitchFamily="34" charset="-127"/>
+            </a:endParaRPr>
+          </a:p>
+        </p:txBody>
+      </p:sp>
+      <p:sp>
+        <p:nvSpPr>
+          <p:cNvPr id="70" name="직사각형 69">
+            <a:extLst>
+              <a:ext uri="{FF2B5EF4-FFF2-40B4-BE49-F238E27FC236}">
+                <a16:creationId xmlns:a16="http://schemas.microsoft.com/office/drawing/2014/main" id="{67F21784-61B7-8049-874D-EA5391DF3C52}"/>
+              </a:ext>
+            </a:extLst>
+          </p:cNvPr>
+          <p:cNvSpPr/>
+          <p:nvPr/>
+        </p:nvSpPr>
+        <p:spPr>
+          <a:xfrm>
+            <a:off x="8083263" y="3384256"/>
+            <a:ext cx="2544417" cy="338554"/>
+          </a:xfrm>
+          <a:prstGeom prst="rect">
+            <a:avLst/>
+          </a:prstGeom>
+        </p:spPr>
+        <p:txBody>
+          <a:bodyPr wrap="square">
+            <a:spAutoFit/>
+          </a:bodyPr>
+          <a:lstStyle/>
+          <a:p>
+            <a:pPr algn="ctr"/>
+            <a:r>
+              <a:rPr lang="en-US" altLang="ko-Kore-KR" sz="1600" b="1" dirty="0">
+                <a:solidFill>
+                  <a:schemeClr val="tx1">
+                    <a:lumMod val="65000"/>
+                    <a:lumOff val="35000"/>
+                  </a:schemeClr>
+                </a:solidFill>
+                <a:latin typeface="NanumSquare Bold" panose="020B0600000101010101" pitchFamily="34" charset="-127"/>
+                <a:ea typeface="NanumSquare Bold" panose="020B0600000101010101" pitchFamily="34" charset="-127"/>
+              </a:rPr>
+              <a:t>Open Source</a:t>
+            </a:r>
+            <a:endParaRPr lang="ko-Kore-KR" altLang="en-US" sz="1600" b="1" dirty="0">
+              <a:solidFill>
+                <a:schemeClr val="tx1">
+                  <a:lumMod val="65000"/>
+                  <a:lumOff val="35000"/>
+                </a:schemeClr>
+              </a:solidFill>
+              <a:latin typeface="NanumSquare Bold" panose="020B0600000101010101" pitchFamily="34" charset="-127"/>
+              <a:ea typeface="NanumSquare Bold" panose="020B0600000101010101" pitchFamily="34" charset="-127"/>
+            </a:endParaRPr>
+          </a:p>
+        </p:txBody>
+      </p:sp>
+      <p:sp>
+        <p:nvSpPr>
+          <p:cNvPr id="71" name="직사각형 70">
+            <a:extLst>
+              <a:ext uri="{FF2B5EF4-FFF2-40B4-BE49-F238E27FC236}">
+                <a16:creationId xmlns:a16="http://schemas.microsoft.com/office/drawing/2014/main" id="{9C840AB6-7DAD-0147-B7E4-9B8351AB457B}"/>
+              </a:ext>
+            </a:extLst>
+          </p:cNvPr>
+          <p:cNvSpPr/>
+          <p:nvPr/>
+        </p:nvSpPr>
+        <p:spPr>
+          <a:xfrm>
+            <a:off x="8050605" y="5781993"/>
+            <a:ext cx="2743200" cy="338554"/>
+          </a:xfrm>
+          <a:prstGeom prst="rect">
+            <a:avLst/>
+          </a:prstGeom>
+        </p:spPr>
+        <p:txBody>
+          <a:bodyPr wrap="square">
+            <a:spAutoFit/>
+          </a:bodyPr>
+          <a:lstStyle/>
+          <a:p>
+            <a:pPr algn="ctr"/>
+            <a:r>
+              <a:rPr lang="en-US" altLang="ko-Kore-KR" sz="1600" b="1" dirty="0">
+                <a:solidFill>
+                  <a:schemeClr val="tx1">
+                    <a:lumMod val="65000"/>
+                    <a:lumOff val="35000"/>
+                  </a:schemeClr>
+                </a:solidFill>
+                <a:latin typeface="NanumSquare Bold" panose="020B0600000101010101" pitchFamily="34" charset="-127"/>
+                <a:ea typeface="NanumSquare Bold" panose="020B0600000101010101" pitchFamily="34" charset="-127"/>
+              </a:rPr>
+              <a:t>tidyverse,  tidymodels, ML</a:t>
+            </a:r>
+            <a:endParaRPr lang="ko-Kore-KR" altLang="en-US" sz="1600" b="1" dirty="0">
+              <a:solidFill>
+                <a:schemeClr val="tx1">
+                  <a:lumMod val="65000"/>
+                  <a:lumOff val="35000"/>
+                </a:schemeClr>
+              </a:solidFill>
+              <a:latin typeface="NanumSquare Bold" panose="020B0600000101010101" pitchFamily="34" charset="-127"/>
+              <a:ea typeface="NanumSquare Bold" panose="020B0600000101010101" pitchFamily="34" charset="-127"/>
+            </a:endParaRPr>
+          </a:p>
+        </p:txBody>
+      </p:sp>
+      <p:sp>
+        <p:nvSpPr>
+          <p:cNvPr id="72" name="직사각형 71">
+            <a:extLst>
+              <a:ext uri="{FF2B5EF4-FFF2-40B4-BE49-F238E27FC236}">
+                <a16:creationId xmlns:a16="http://schemas.microsoft.com/office/drawing/2014/main" id="{AB151CE5-0DF2-7645-82A3-CA062C0BBCC7}"/>
+              </a:ext>
+            </a:extLst>
+          </p:cNvPr>
+          <p:cNvSpPr/>
+          <p:nvPr/>
+        </p:nvSpPr>
+        <p:spPr>
+          <a:xfrm>
+            <a:off x="3210482" y="5941017"/>
+            <a:ext cx="3316208" cy="338554"/>
+          </a:xfrm>
+          <a:prstGeom prst="rect">
+            <a:avLst/>
+          </a:prstGeom>
+        </p:spPr>
+        <p:txBody>
+          <a:bodyPr wrap="square">
+            <a:spAutoFit/>
+          </a:bodyPr>
+          <a:lstStyle/>
+          <a:p>
+            <a:pPr algn="ctr"/>
+            <a:r>
+              <a:rPr lang="en-US" altLang="ko-Kore-KR" sz="1600" b="1" dirty="0">
+                <a:solidFill>
+                  <a:schemeClr val="tx1">
+                    <a:lumMod val="65000"/>
+                    <a:lumOff val="35000"/>
+                  </a:schemeClr>
+                </a:solidFill>
+                <a:latin typeface="NanumSquare Bold" panose="020B0600000101010101" pitchFamily="34" charset="-127"/>
+                <a:ea typeface="NanumSquare Bold" panose="020B0600000101010101" pitchFamily="34" charset="-127"/>
+              </a:rPr>
+              <a:t>stat packages (Statistics)</a:t>
+            </a:r>
+            <a:endParaRPr lang="ko-Kore-KR" altLang="en-US" sz="1600" b="1" dirty="0">
+              <a:solidFill>
+                <a:schemeClr val="tx1">
+                  <a:lumMod val="65000"/>
+                  <a:lumOff val="35000"/>
+                </a:schemeClr>
+              </a:solidFill>
+              <a:latin typeface="NanumSquare Bold" panose="020B0600000101010101" pitchFamily="34" charset="-127"/>
+              <a:ea typeface="NanumSquare Bold" panose="020B0600000101010101" pitchFamily="34" charset="-127"/>
+            </a:endParaRPr>
+          </a:p>
+        </p:txBody>
+      </p:sp>
+      <p:sp>
+        <p:nvSpPr>
+          <p:cNvPr id="73" name="직사각형 72">
+            <a:extLst>
+              <a:ext uri="{FF2B5EF4-FFF2-40B4-BE49-F238E27FC236}">
+                <a16:creationId xmlns:a16="http://schemas.microsoft.com/office/drawing/2014/main" id="{D13D138A-4D81-DD48-9DAF-4CE7707777A1}"/>
+              </a:ext>
+            </a:extLst>
+          </p:cNvPr>
+          <p:cNvSpPr/>
+          <p:nvPr/>
+        </p:nvSpPr>
+        <p:spPr>
+          <a:xfrm>
+            <a:off x="3315272" y="2427718"/>
+            <a:ext cx="3112028" cy="338554"/>
+          </a:xfrm>
+          <a:prstGeom prst="rect">
+            <a:avLst/>
+          </a:prstGeom>
+        </p:spPr>
+        <p:txBody>
+          <a:bodyPr wrap="square">
+            <a:spAutoFit/>
+          </a:bodyPr>
+          <a:lstStyle/>
+          <a:p>
+            <a:pPr algn="ctr"/>
+            <a:r>
+              <a:rPr lang="en-US" altLang="ko-Kore-KR" sz="1600" b="1" dirty="0">
+                <a:solidFill>
+                  <a:schemeClr val="tx1">
+                    <a:lumMod val="65000"/>
+                    <a:lumOff val="35000"/>
+                  </a:schemeClr>
+                </a:solidFill>
+                <a:latin typeface="NanumSquare Bold" panose="020B0600000101010101" pitchFamily="34" charset="-127"/>
+                <a:ea typeface="NanumSquare Bold" panose="020B0600000101010101" pitchFamily="34" charset="-127"/>
+              </a:rPr>
+              <a:t>R Development Core Team </a:t>
+            </a:r>
+          </a:p>
+        </p:txBody>
+      </p:sp>
+      <p:sp>
+        <p:nvSpPr>
+          <p:cNvPr id="74" name="직사각형 73">
+            <a:extLst>
+              <a:ext uri="{FF2B5EF4-FFF2-40B4-BE49-F238E27FC236}">
+                <a16:creationId xmlns:a16="http://schemas.microsoft.com/office/drawing/2014/main" id="{8AFC8FE3-ED48-5948-9038-6B34E6B71EB0}"/>
+              </a:ext>
+            </a:extLst>
+          </p:cNvPr>
+          <p:cNvSpPr/>
+          <p:nvPr/>
+        </p:nvSpPr>
+        <p:spPr>
+          <a:xfrm>
+            <a:off x="7973934" y="2412855"/>
+            <a:ext cx="3064667" cy="338554"/>
+          </a:xfrm>
+          <a:prstGeom prst="rect">
+            <a:avLst/>
+          </a:prstGeom>
+        </p:spPr>
+        <p:txBody>
+          <a:bodyPr wrap="square">
+            <a:spAutoFit/>
+          </a:bodyPr>
+          <a:lstStyle/>
+          <a:p>
+            <a:pPr algn="ctr"/>
+            <a:r>
+              <a:rPr lang="en-US" altLang="ko-Kore-KR" sz="1600" b="1" dirty="0">
+                <a:solidFill>
+                  <a:schemeClr val="tx1">
+                    <a:lumMod val="65000"/>
+                    <a:lumOff val="35000"/>
+                  </a:schemeClr>
+                </a:solidFill>
+                <a:latin typeface="NanumSquare Bold" panose="020B0600000101010101" pitchFamily="34" charset="-127"/>
+                <a:ea typeface="NanumSquare Bold" panose="020B0600000101010101" pitchFamily="34" charset="-127"/>
+              </a:rPr>
+              <a:t>Hadley </a:t>
+            </a:r>
+            <a:r>
+              <a:rPr lang="ko-KR" altLang="ko-Kore-KR" sz="1600" b="1" dirty="0">
+                <a:solidFill>
+                  <a:schemeClr val="tx1">
+                    <a:lumMod val="65000"/>
+                    <a:lumOff val="35000"/>
+                  </a:schemeClr>
+                </a:solidFill>
+                <a:latin typeface="NanumSquare Bold" panose="020B0600000101010101" pitchFamily="34" charset="-127"/>
+                <a:ea typeface="NanumSquare Bold" panose="020B0600000101010101" pitchFamily="34" charset="-127"/>
+              </a:rPr>
+              <a:t>사단</a:t>
+            </a:r>
+            <a:r>
+              <a:rPr lang="en-US" altLang="ko-KR" sz="1600" b="1" dirty="0">
+                <a:solidFill>
+                  <a:schemeClr val="tx1">
+                    <a:lumMod val="65000"/>
+                    <a:lumOff val="35000"/>
+                  </a:schemeClr>
+                </a:solidFill>
+                <a:latin typeface="NanumSquare Bold" panose="020B0600000101010101" pitchFamily="34" charset="-127"/>
+                <a:ea typeface="NanumSquare Bold" panose="020B0600000101010101" pitchFamily="34" charset="-127"/>
+              </a:rPr>
+              <a:t> </a:t>
+            </a:r>
+            <a:r>
+              <a:rPr lang="en-US" altLang="ko-KR" sz="1200" b="1" dirty="0">
+                <a:solidFill>
+                  <a:schemeClr val="tx1">
+                    <a:lumMod val="65000"/>
+                    <a:lumOff val="35000"/>
+                  </a:schemeClr>
+                </a:solidFill>
+                <a:latin typeface="NanumSquare Bold" panose="020B0600000101010101" pitchFamily="34" charset="-127"/>
+                <a:ea typeface="NanumSquare Bold" panose="020B0600000101010101" pitchFamily="34" charset="-127"/>
+              </a:rPr>
+              <a:t>(Reproducible Research)</a:t>
+            </a:r>
+            <a:endParaRPr lang="ko-Kore-KR" altLang="ko-Kore-KR" sz="1600" dirty="0">
+              <a:solidFill>
+                <a:schemeClr val="tx1">
+                  <a:lumMod val="65000"/>
+                  <a:lumOff val="35000"/>
+                </a:schemeClr>
+              </a:solidFill>
+              <a:effectLst/>
+              <a:latin typeface="NanumSquare" panose="020B0600000101010101" pitchFamily="34" charset="-127"/>
+              <a:ea typeface="NanumSquare" panose="020B0600000101010101" pitchFamily="34" charset="-127"/>
+            </a:endParaRPr>
+          </a:p>
+        </p:txBody>
+      </p:sp>
+      <p:sp>
+        <p:nvSpPr>
+          <p:cNvPr id="75" name="직사각형 74">
+            <a:extLst>
+              <a:ext uri="{FF2B5EF4-FFF2-40B4-BE49-F238E27FC236}">
+                <a16:creationId xmlns:a16="http://schemas.microsoft.com/office/drawing/2014/main" id="{6F62ACA8-D7B6-864E-B00B-D4F174479D91}"/>
+              </a:ext>
+            </a:extLst>
+          </p:cNvPr>
+          <p:cNvSpPr/>
+          <p:nvPr/>
+        </p:nvSpPr>
+        <p:spPr>
+          <a:xfrm>
+            <a:off x="837912" y="1221880"/>
+            <a:ext cx="2007186" cy="493776"/>
+          </a:xfrm>
+          <a:prstGeom prst="rect">
+            <a:avLst/>
+          </a:prstGeom>
+          <a:solidFill>
+            <a:schemeClr val="accent1"/>
+          </a:solidFill>
+          <a:ln w="25400" cap="flat" cmpd="sng" algn="ctr">
+            <a:noFill/>
+            <a:prstDash val="solid"/>
+          </a:ln>
+          <a:effectLst/>
+        </p:spPr>
+        <p:txBody>
+          <a:bodyPr lIns="0" tIns="0" rIns="0" bIns="0" rtlCol="0" anchor="ctr"/>
+          <a:lstStyle/>
+          <a:p>
+            <a:pPr marL="0" marR="0" lvl="0" indent="0" algn="ctr" defTabSz="914400" eaLnBrk="1" fontAlgn="auto" latinLnBrk="0" hangingPunct="1">
+              <a:lnSpc>
+                <a:spcPct val="100000"/>
+              </a:lnSpc>
+              <a:spcBef>
+                <a:spcPts val="0"/>
+              </a:spcBef>
+              <a:spcAft>
+                <a:spcPts val="0"/>
+              </a:spcAft>
+              <a:buClr>
+                <a:srgbClr val="000000"/>
+              </a:buClr>
+              <a:buSzTx/>
+              <a:buFont typeface="Arial"/>
+              <a:buNone/>
+              <a:tabLst/>
+              <a:defRPr/>
+            </a:pPr>
+            <a:endParaRPr kumimoji="0" lang="ko-KR" altLang="en-US" sz="1050" b="0" i="0" u="none" strike="noStrike" kern="0" cap="none" spc="0" normalizeH="0" baseline="0" noProof="0" dirty="0">
+              <a:ln>
+                <a:noFill/>
+              </a:ln>
+              <a:solidFill>
+                <a:srgbClr val="FFFFFF"/>
+              </a:solidFill>
+              <a:effectLst/>
+              <a:uLnTx/>
+              <a:uFillTx/>
+              <a:latin typeface="NanumSquare" panose="020B0600000101010101" pitchFamily="34" charset="-127"/>
+              <a:ea typeface="NanumSquare" panose="020B0600000101010101" pitchFamily="34" charset="-127"/>
+              <a:sym typeface="Arial"/>
+            </a:endParaRPr>
+          </a:p>
+        </p:txBody>
+      </p:sp>
+      <p:sp>
+        <p:nvSpPr>
+          <p:cNvPr id="76" name="직사각형 75">
+            <a:extLst>
+              <a:ext uri="{FF2B5EF4-FFF2-40B4-BE49-F238E27FC236}">
+                <a16:creationId xmlns:a16="http://schemas.microsoft.com/office/drawing/2014/main" id="{667C988B-CC43-7B45-8041-FCF5FA978ABB}"/>
+              </a:ext>
+            </a:extLst>
+          </p:cNvPr>
+          <p:cNvSpPr/>
+          <p:nvPr/>
+        </p:nvSpPr>
+        <p:spPr>
+          <a:xfrm>
+            <a:off x="1258654" y="1316659"/>
+            <a:ext cx="1165704" cy="370743"/>
+          </a:xfrm>
+          <a:prstGeom prst="rect">
+            <a:avLst/>
+          </a:prstGeom>
+        </p:spPr>
+        <p:txBody>
+          <a:bodyPr wrap="none">
+            <a:spAutoFit/>
+          </a:bodyPr>
+          <a:lstStyle/>
+          <a:p>
+            <a:pPr algn="ctr" latinLnBrk="0">
+              <a:lnSpc>
+                <a:spcPct val="120000"/>
+              </a:lnSpc>
+              <a:buClr>
+                <a:srgbClr val="000000"/>
+              </a:buClr>
+              <a:buSzPts val="1600"/>
+              <a:buFont typeface="Arial"/>
+              <a:buNone/>
+            </a:pPr>
+            <a:r>
+              <a:rPr lang="en-US" altLang="ko-KR" sz="1600" b="1" kern="0" dirty="0">
+                <a:solidFill>
+                  <a:srgbClr val="FFFFFF"/>
+                </a:solidFill>
+                <a:latin typeface="NanumSquare Bold" panose="020B0600000101010101" pitchFamily="34" charset="-127"/>
+                <a:ea typeface="NanumSquare Bold" panose="020B0600000101010101" pitchFamily="34" charset="-127"/>
+                <a:cs typeface="Arial"/>
+                <a:sym typeface="Arial"/>
+              </a:rPr>
+              <a:t>Data Scale</a:t>
+            </a:r>
+          </a:p>
+        </p:txBody>
+      </p:sp>
+      <p:sp>
+        <p:nvSpPr>
+          <p:cNvPr id="77" name="타원 76">
+            <a:extLst>
+              <a:ext uri="{FF2B5EF4-FFF2-40B4-BE49-F238E27FC236}">
+                <a16:creationId xmlns:a16="http://schemas.microsoft.com/office/drawing/2014/main" id="{AC3C1C8E-1F29-4641-8022-62A05F3BAC34}"/>
+              </a:ext>
+            </a:extLst>
+          </p:cNvPr>
+          <p:cNvSpPr/>
+          <p:nvPr/>
+        </p:nvSpPr>
+        <p:spPr>
+          <a:xfrm>
+            <a:off x="1499134" y="658009"/>
+            <a:ext cx="684742" cy="684742"/>
+          </a:xfrm>
+          <a:prstGeom prst="ellipse">
+            <a:avLst/>
+          </a:prstGeom>
+          <a:solidFill>
+            <a:srgbClr val="FFFFFF"/>
+          </a:solidFill>
+          <a:ln w="25400" cap="flat" cmpd="sng" algn="ctr">
+            <a:noFill/>
+            <a:prstDash val="solid"/>
+          </a:ln>
+          <a:effectLst>
+            <a:outerShdw blurRad="50800" dist="38100" dir="2700000" algn="tl" rotWithShape="0">
+              <a:prstClr val="black">
+                <a:alpha val="40000"/>
+              </a:prstClr>
+            </a:outerShdw>
+          </a:effectLst>
+        </p:spPr>
+        <p:txBody>
+          <a:bodyPr rtlCol="0" anchor="ctr"/>
+          <a:lstStyle/>
+          <a:p>
+            <a:pPr marL="0" marR="0" lvl="0" indent="0" algn="ctr" defTabSz="914400" eaLnBrk="1" fontAlgn="auto" latinLnBrk="0" hangingPunct="1">
+              <a:lnSpc>
+                <a:spcPct val="100000"/>
+              </a:lnSpc>
+              <a:spcBef>
+                <a:spcPts val="0"/>
+              </a:spcBef>
+              <a:spcAft>
+                <a:spcPts val="0"/>
+              </a:spcAft>
+              <a:buClr>
+                <a:srgbClr val="000000"/>
+              </a:buClr>
+              <a:buSzTx/>
+              <a:buFont typeface="Arial"/>
+              <a:buNone/>
+              <a:tabLst/>
+              <a:defRPr/>
+            </a:pPr>
+            <a:endParaRPr kumimoji="0" lang="ko-KR" altLang="en-US" sz="1400" b="0" i="0" u="none" strike="noStrike" kern="0" cap="none" spc="0" normalizeH="0" baseline="0" noProof="0">
+              <a:ln>
+                <a:noFill/>
+              </a:ln>
+              <a:solidFill>
+                <a:srgbClr val="FFFFFF"/>
+              </a:solidFill>
+              <a:effectLst/>
+              <a:uLnTx/>
+              <a:uFillTx/>
+              <a:latin typeface="NanumSquare" panose="020B0600000101010101" pitchFamily="34" charset="-127"/>
+              <a:ea typeface="NanumSquare" panose="020B0600000101010101" pitchFamily="34" charset="-127"/>
+              <a:sym typeface="Arial"/>
+            </a:endParaRPr>
+          </a:p>
+        </p:txBody>
+      </p:sp>
+      <p:pic>
+        <p:nvPicPr>
+          <p:cNvPr id="78" name="그림 77">
+            <a:extLst>
+              <a:ext uri="{FF2B5EF4-FFF2-40B4-BE49-F238E27FC236}">
+                <a16:creationId xmlns:a16="http://schemas.microsoft.com/office/drawing/2014/main" id="{4B7CE2B7-652C-F248-92BA-F93386AA78D5}"/>
+              </a:ext>
+            </a:extLst>
+          </p:cNvPr>
+          <p:cNvPicPr>
+            <a:picLocks noChangeAspect="1"/>
+          </p:cNvPicPr>
+          <p:nvPr/>
+        </p:nvPicPr>
+        <p:blipFill>
+          <a:blip r:embed="rId2"/>
+          <a:srcRect/>
+          <a:stretch/>
+        </p:blipFill>
+        <p:spPr>
+          <a:xfrm>
+            <a:off x="1662792" y="795986"/>
+            <a:ext cx="406835" cy="394506"/>
+          </a:xfrm>
+          <a:prstGeom prst="rect">
+            <a:avLst/>
+          </a:prstGeom>
+        </p:spPr>
+      </p:pic>
+      <p:sp>
+        <p:nvSpPr>
+          <p:cNvPr id="79" name="직사각형 78">
+            <a:extLst>
+              <a:ext uri="{FF2B5EF4-FFF2-40B4-BE49-F238E27FC236}">
+                <a16:creationId xmlns:a16="http://schemas.microsoft.com/office/drawing/2014/main" id="{CB8A75DD-79FB-0849-8B10-D1E9AF0DCCAB}"/>
+              </a:ext>
+            </a:extLst>
+          </p:cNvPr>
+          <p:cNvSpPr/>
+          <p:nvPr/>
+        </p:nvSpPr>
+        <p:spPr>
+          <a:xfrm>
+            <a:off x="809808" y="2499968"/>
+            <a:ext cx="2007186" cy="493776"/>
+          </a:xfrm>
+          <a:prstGeom prst="rect">
+            <a:avLst/>
+          </a:prstGeom>
+          <a:solidFill>
+            <a:schemeClr val="accent1"/>
+          </a:solidFill>
+          <a:ln w="25400" cap="flat" cmpd="sng" algn="ctr">
+            <a:noFill/>
+            <a:prstDash val="solid"/>
+          </a:ln>
+          <a:effectLst/>
+        </p:spPr>
+        <p:txBody>
+          <a:bodyPr lIns="0" tIns="0" rIns="0" bIns="0" rtlCol="0" anchor="ctr"/>
+          <a:lstStyle/>
+          <a:p>
+            <a:pPr marL="0" marR="0" lvl="0" indent="0" algn="ctr" defTabSz="914400" eaLnBrk="1" fontAlgn="auto" latinLnBrk="0" hangingPunct="1">
+              <a:lnSpc>
+                <a:spcPct val="100000"/>
+              </a:lnSpc>
+              <a:spcBef>
+                <a:spcPts val="0"/>
+              </a:spcBef>
+              <a:spcAft>
+                <a:spcPts val="0"/>
+              </a:spcAft>
+              <a:buClr>
+                <a:srgbClr val="000000"/>
+              </a:buClr>
+              <a:buSzTx/>
+              <a:buFont typeface="Arial"/>
+              <a:buNone/>
+              <a:tabLst/>
+              <a:defRPr/>
+            </a:pPr>
+            <a:endParaRPr kumimoji="0" lang="ko-KR" altLang="en-US" sz="1050" b="0" i="0" u="none" strike="noStrike" kern="0" cap="none" spc="0" normalizeH="0" baseline="0" noProof="0" dirty="0">
+              <a:ln>
+                <a:noFill/>
+              </a:ln>
+              <a:solidFill>
+                <a:srgbClr val="FFFFFF"/>
+              </a:solidFill>
+              <a:effectLst/>
+              <a:uLnTx/>
+              <a:uFillTx/>
+              <a:latin typeface="NanumSquare" panose="020B0600000101010101" pitchFamily="34" charset="-127"/>
+              <a:ea typeface="NanumSquare" panose="020B0600000101010101" pitchFamily="34" charset="-127"/>
+              <a:sym typeface="Arial"/>
+            </a:endParaRPr>
+          </a:p>
+        </p:txBody>
+      </p:sp>
+      <p:sp>
+        <p:nvSpPr>
+          <p:cNvPr id="80" name="직사각형 79">
+            <a:extLst>
+              <a:ext uri="{FF2B5EF4-FFF2-40B4-BE49-F238E27FC236}">
+                <a16:creationId xmlns:a16="http://schemas.microsoft.com/office/drawing/2014/main" id="{A8F4F827-308B-6247-AE51-C893001F9F40}"/>
+              </a:ext>
+            </a:extLst>
+          </p:cNvPr>
+          <p:cNvSpPr/>
+          <p:nvPr/>
+        </p:nvSpPr>
+        <p:spPr>
+          <a:xfrm>
+            <a:off x="833810" y="2594747"/>
+            <a:ext cx="1959191" cy="370743"/>
+          </a:xfrm>
+          <a:prstGeom prst="rect">
+            <a:avLst/>
+          </a:prstGeom>
+        </p:spPr>
+        <p:txBody>
+          <a:bodyPr wrap="none">
+            <a:spAutoFit/>
+          </a:bodyPr>
+          <a:lstStyle/>
+          <a:p>
+            <a:pPr algn="ctr" latinLnBrk="0">
+              <a:lnSpc>
+                <a:spcPct val="120000"/>
+              </a:lnSpc>
+              <a:buClr>
+                <a:srgbClr val="000000"/>
+              </a:buClr>
+              <a:buSzPts val="1600"/>
+              <a:buFont typeface="Arial"/>
+              <a:buNone/>
+            </a:pPr>
+            <a:r>
+              <a:rPr lang="en-US" altLang="ko-KR" sz="1600" b="1" kern="0" dirty="0">
+                <a:solidFill>
+                  <a:srgbClr val="FFFFFF"/>
+                </a:solidFill>
+                <a:latin typeface="NanumSquare Bold" panose="020B0600000101010101" pitchFamily="34" charset="-127"/>
+                <a:ea typeface="NanumSquare Bold" panose="020B0600000101010101" pitchFamily="34" charset="-127"/>
+                <a:cs typeface="Arial"/>
+                <a:sym typeface="Arial"/>
+              </a:rPr>
+              <a:t>Package Developer</a:t>
+            </a:r>
+          </a:p>
+        </p:txBody>
+      </p:sp>
+      <p:sp>
+        <p:nvSpPr>
+          <p:cNvPr id="81" name="타원 80">
+            <a:extLst>
+              <a:ext uri="{FF2B5EF4-FFF2-40B4-BE49-F238E27FC236}">
+                <a16:creationId xmlns:a16="http://schemas.microsoft.com/office/drawing/2014/main" id="{34E47F98-4746-8C41-A637-1D2FA686AF1F}"/>
+              </a:ext>
+            </a:extLst>
+          </p:cNvPr>
+          <p:cNvSpPr/>
+          <p:nvPr/>
+        </p:nvSpPr>
+        <p:spPr>
+          <a:xfrm>
+            <a:off x="1471030" y="1936097"/>
+            <a:ext cx="684742" cy="684742"/>
+          </a:xfrm>
+          <a:prstGeom prst="ellipse">
+            <a:avLst/>
+          </a:prstGeom>
+          <a:solidFill>
+            <a:srgbClr val="FFFFFF"/>
+          </a:solidFill>
+          <a:ln w="25400" cap="flat" cmpd="sng" algn="ctr">
+            <a:noFill/>
+            <a:prstDash val="solid"/>
+          </a:ln>
+          <a:effectLst>
+            <a:outerShdw blurRad="50800" dist="38100" dir="2700000" algn="tl" rotWithShape="0">
+              <a:prstClr val="black">
+                <a:alpha val="40000"/>
+              </a:prstClr>
+            </a:outerShdw>
+          </a:effectLst>
+        </p:spPr>
+        <p:txBody>
+          <a:bodyPr rtlCol="0" anchor="ctr"/>
+          <a:lstStyle/>
+          <a:p>
+            <a:pPr marL="0" marR="0" lvl="0" indent="0" algn="ctr" defTabSz="914400" eaLnBrk="1" fontAlgn="auto" latinLnBrk="0" hangingPunct="1">
+              <a:lnSpc>
+                <a:spcPct val="100000"/>
+              </a:lnSpc>
+              <a:spcBef>
+                <a:spcPts val="0"/>
+              </a:spcBef>
+              <a:spcAft>
+                <a:spcPts val="0"/>
+              </a:spcAft>
+              <a:buClr>
+                <a:srgbClr val="000000"/>
+              </a:buClr>
+              <a:buSzTx/>
+              <a:buFont typeface="Arial"/>
+              <a:buNone/>
+              <a:tabLst/>
+              <a:defRPr/>
+            </a:pPr>
+            <a:endParaRPr kumimoji="0" lang="ko-KR" altLang="en-US" sz="1400" b="0" i="0" u="none" strike="noStrike" kern="0" cap="none" spc="0" normalizeH="0" baseline="0" noProof="0">
+              <a:ln>
+                <a:noFill/>
+              </a:ln>
+              <a:solidFill>
+                <a:srgbClr val="FFFFFF"/>
+              </a:solidFill>
+              <a:effectLst/>
+              <a:uLnTx/>
+              <a:uFillTx/>
+              <a:latin typeface="NanumSquare" panose="020B0600000101010101" pitchFamily="34" charset="-127"/>
+              <a:ea typeface="NanumSquare" panose="020B0600000101010101" pitchFamily="34" charset="-127"/>
+              <a:sym typeface="Arial"/>
+            </a:endParaRPr>
+          </a:p>
+        </p:txBody>
+      </p:sp>
+      <p:pic>
+        <p:nvPicPr>
+          <p:cNvPr id="82" name="그림 81">
+            <a:extLst>
+              <a:ext uri="{FF2B5EF4-FFF2-40B4-BE49-F238E27FC236}">
+                <a16:creationId xmlns:a16="http://schemas.microsoft.com/office/drawing/2014/main" id="{995E59A4-5189-464B-8311-5B6BBF7FB913}"/>
+              </a:ext>
+            </a:extLst>
+          </p:cNvPr>
+          <p:cNvPicPr>
+            <a:picLocks noChangeAspect="1"/>
+          </p:cNvPicPr>
+          <p:nvPr/>
+        </p:nvPicPr>
+        <p:blipFill>
+          <a:blip r:embed="rId3"/>
+          <a:srcRect/>
+          <a:stretch/>
+        </p:blipFill>
+        <p:spPr>
+          <a:xfrm>
+            <a:off x="1572735" y="2008494"/>
+            <a:ext cx="481332" cy="481332"/>
+          </a:xfrm>
+          <a:prstGeom prst="rect">
+            <a:avLst/>
+          </a:prstGeom>
+        </p:spPr>
+      </p:pic>
+      <p:sp>
+        <p:nvSpPr>
+          <p:cNvPr id="83" name="직사각형 82">
+            <a:extLst>
+              <a:ext uri="{FF2B5EF4-FFF2-40B4-BE49-F238E27FC236}">
+                <a16:creationId xmlns:a16="http://schemas.microsoft.com/office/drawing/2014/main" id="{937E0C42-9710-F444-AA77-2B8314AFDB03}"/>
+              </a:ext>
+            </a:extLst>
+          </p:cNvPr>
+          <p:cNvSpPr/>
+          <p:nvPr/>
+        </p:nvSpPr>
+        <p:spPr>
+          <a:xfrm>
+            <a:off x="809808" y="3668425"/>
+            <a:ext cx="2007186" cy="493776"/>
+          </a:xfrm>
+          <a:prstGeom prst="rect">
+            <a:avLst/>
+          </a:prstGeom>
+          <a:solidFill>
+            <a:schemeClr val="accent1"/>
+          </a:solidFill>
+          <a:ln w="25400" cap="flat" cmpd="sng" algn="ctr">
+            <a:noFill/>
+            <a:prstDash val="solid"/>
+          </a:ln>
+          <a:effectLst/>
+        </p:spPr>
+        <p:txBody>
+          <a:bodyPr lIns="0" tIns="0" rIns="0" bIns="0" rtlCol="0" anchor="ctr"/>
+          <a:lstStyle/>
+          <a:p>
+            <a:pPr marL="0" marR="0" lvl="0" indent="0" algn="ctr" defTabSz="914400" eaLnBrk="1" fontAlgn="auto" latinLnBrk="0" hangingPunct="1">
+              <a:lnSpc>
+                <a:spcPct val="100000"/>
+              </a:lnSpc>
+              <a:spcBef>
+                <a:spcPts val="0"/>
+              </a:spcBef>
+              <a:spcAft>
+                <a:spcPts val="0"/>
+              </a:spcAft>
+              <a:buClr>
+                <a:srgbClr val="000000"/>
+              </a:buClr>
+              <a:buSzTx/>
+              <a:buFont typeface="Arial"/>
+              <a:buNone/>
+              <a:tabLst/>
+              <a:defRPr/>
+            </a:pPr>
+            <a:endParaRPr kumimoji="0" lang="ko-KR" altLang="en-US" sz="1050" b="0" i="0" u="none" strike="noStrike" kern="0" cap="none" spc="0" normalizeH="0" baseline="0" noProof="0" dirty="0">
+              <a:ln>
+                <a:noFill/>
+              </a:ln>
+              <a:solidFill>
+                <a:srgbClr val="FFFFFF"/>
+              </a:solidFill>
+              <a:effectLst/>
+              <a:uLnTx/>
+              <a:uFillTx/>
+              <a:latin typeface="NanumSquare" panose="020B0600000101010101" pitchFamily="34" charset="-127"/>
+              <a:ea typeface="NanumSquare" panose="020B0600000101010101" pitchFamily="34" charset="-127"/>
+              <a:sym typeface="Arial"/>
+            </a:endParaRPr>
+          </a:p>
+        </p:txBody>
+      </p:sp>
+      <p:sp>
+        <p:nvSpPr>
+          <p:cNvPr id="84" name="직사각형 83">
+            <a:extLst>
+              <a:ext uri="{FF2B5EF4-FFF2-40B4-BE49-F238E27FC236}">
+                <a16:creationId xmlns:a16="http://schemas.microsoft.com/office/drawing/2014/main" id="{E032F596-E4CF-9341-8484-A74A42EA90E1}"/>
+              </a:ext>
+            </a:extLst>
+          </p:cNvPr>
+          <p:cNvSpPr/>
+          <p:nvPr/>
+        </p:nvSpPr>
+        <p:spPr>
+          <a:xfrm>
+            <a:off x="1172044" y="3763204"/>
+            <a:ext cx="1282722" cy="370743"/>
+          </a:xfrm>
+          <a:prstGeom prst="rect">
+            <a:avLst/>
+          </a:prstGeom>
+        </p:spPr>
+        <p:txBody>
+          <a:bodyPr wrap="none">
+            <a:spAutoFit/>
+          </a:bodyPr>
+          <a:lstStyle/>
+          <a:p>
+            <a:pPr algn="ctr" latinLnBrk="0">
+              <a:lnSpc>
+                <a:spcPct val="120000"/>
+              </a:lnSpc>
+              <a:buClr>
+                <a:srgbClr val="000000"/>
+              </a:buClr>
+              <a:buSzPts val="1600"/>
+              <a:buFont typeface="Arial"/>
+              <a:buNone/>
+            </a:pPr>
+            <a:r>
+              <a:rPr lang="en-US" altLang="ko-KR" sz="1600" b="1" kern="0" dirty="0">
+                <a:solidFill>
+                  <a:srgbClr val="FFFFFF"/>
+                </a:solidFill>
+                <a:latin typeface="NanumSquare Bold" panose="020B0600000101010101" pitchFamily="34" charset="-127"/>
+                <a:ea typeface="NanumSquare Bold" panose="020B0600000101010101" pitchFamily="34" charset="-127"/>
+                <a:cs typeface="Arial"/>
+                <a:sym typeface="Arial"/>
+              </a:rPr>
+              <a:t>Distribution</a:t>
+            </a:r>
+          </a:p>
+        </p:txBody>
+      </p:sp>
+      <p:sp>
+        <p:nvSpPr>
+          <p:cNvPr id="85" name="타원 84">
+            <a:extLst>
+              <a:ext uri="{FF2B5EF4-FFF2-40B4-BE49-F238E27FC236}">
+                <a16:creationId xmlns:a16="http://schemas.microsoft.com/office/drawing/2014/main" id="{9800A001-08FE-6C44-BD84-86DBC9B723FC}"/>
+              </a:ext>
+            </a:extLst>
+          </p:cNvPr>
+          <p:cNvSpPr/>
+          <p:nvPr/>
+        </p:nvSpPr>
+        <p:spPr>
+          <a:xfrm>
+            <a:off x="1471030" y="3104554"/>
+            <a:ext cx="684742" cy="684742"/>
+          </a:xfrm>
+          <a:prstGeom prst="ellipse">
+            <a:avLst/>
+          </a:prstGeom>
+          <a:solidFill>
+            <a:srgbClr val="FFFFFF"/>
+          </a:solidFill>
+          <a:ln w="25400" cap="flat" cmpd="sng" algn="ctr">
+            <a:noFill/>
+            <a:prstDash val="solid"/>
+          </a:ln>
+          <a:effectLst>
+            <a:outerShdw blurRad="50800" dist="38100" dir="2700000" algn="tl" rotWithShape="0">
+              <a:prstClr val="black">
+                <a:alpha val="40000"/>
+              </a:prstClr>
+            </a:outerShdw>
+          </a:effectLst>
+        </p:spPr>
+        <p:txBody>
+          <a:bodyPr rtlCol="0" anchor="ctr"/>
+          <a:lstStyle/>
+          <a:p>
+            <a:pPr marL="0" marR="0" lvl="0" indent="0" algn="ctr" defTabSz="914400" eaLnBrk="1" fontAlgn="auto" latinLnBrk="0" hangingPunct="1">
+              <a:lnSpc>
+                <a:spcPct val="100000"/>
+              </a:lnSpc>
+              <a:spcBef>
+                <a:spcPts val="0"/>
+              </a:spcBef>
+              <a:spcAft>
+                <a:spcPts val="0"/>
+              </a:spcAft>
+              <a:buClr>
+                <a:srgbClr val="000000"/>
+              </a:buClr>
+              <a:buSzTx/>
+              <a:buFont typeface="Arial"/>
+              <a:buNone/>
+              <a:tabLst/>
+              <a:defRPr/>
+            </a:pPr>
+            <a:endParaRPr kumimoji="0" lang="ko-KR" altLang="en-US" sz="1400" b="0" i="0" u="none" strike="noStrike" kern="0" cap="none" spc="0" normalizeH="0" baseline="0" noProof="0">
+              <a:ln>
+                <a:noFill/>
+              </a:ln>
+              <a:solidFill>
+                <a:srgbClr val="FFFFFF"/>
+              </a:solidFill>
+              <a:effectLst/>
+              <a:uLnTx/>
+              <a:uFillTx/>
+              <a:latin typeface="NanumSquare" panose="020B0600000101010101" pitchFamily="34" charset="-127"/>
+              <a:ea typeface="NanumSquare" panose="020B0600000101010101" pitchFamily="34" charset="-127"/>
+              <a:sym typeface="Arial"/>
+            </a:endParaRPr>
+          </a:p>
+        </p:txBody>
+      </p:sp>
+      <p:pic>
+        <p:nvPicPr>
+          <p:cNvPr id="86" name="그림 85">
+            <a:extLst>
+              <a:ext uri="{FF2B5EF4-FFF2-40B4-BE49-F238E27FC236}">
+                <a16:creationId xmlns:a16="http://schemas.microsoft.com/office/drawing/2014/main" id="{FFD034E0-8D04-0944-8141-4C8E3CFB5875}"/>
+              </a:ext>
+            </a:extLst>
+          </p:cNvPr>
+          <p:cNvPicPr>
+            <a:picLocks noChangeAspect="1"/>
+          </p:cNvPicPr>
+          <p:nvPr/>
+        </p:nvPicPr>
+        <p:blipFill>
+          <a:blip r:embed="rId4"/>
+          <a:srcRect/>
+          <a:stretch/>
+        </p:blipFill>
+        <p:spPr>
+          <a:xfrm>
+            <a:off x="1557722" y="3202106"/>
+            <a:ext cx="511358" cy="511358"/>
+          </a:xfrm>
+          <a:prstGeom prst="rect">
+            <a:avLst/>
+          </a:prstGeom>
+        </p:spPr>
+      </p:pic>
+      <p:sp>
+        <p:nvSpPr>
+          <p:cNvPr id="87" name="직사각형 86">
+            <a:extLst>
+              <a:ext uri="{FF2B5EF4-FFF2-40B4-BE49-F238E27FC236}">
+                <a16:creationId xmlns:a16="http://schemas.microsoft.com/office/drawing/2014/main" id="{FD8D1A16-555E-5A4F-A21D-A26D41F97585}"/>
+              </a:ext>
+            </a:extLst>
+          </p:cNvPr>
+          <p:cNvSpPr/>
+          <p:nvPr/>
+        </p:nvSpPr>
+        <p:spPr>
+          <a:xfrm>
+            <a:off x="814567" y="5873853"/>
+            <a:ext cx="2007186" cy="493776"/>
+          </a:xfrm>
+          <a:prstGeom prst="rect">
+            <a:avLst/>
+          </a:prstGeom>
+          <a:solidFill>
+            <a:schemeClr val="accent1"/>
+          </a:solidFill>
+          <a:ln w="25400" cap="flat" cmpd="sng" algn="ctr">
+            <a:noFill/>
+            <a:prstDash val="solid"/>
+          </a:ln>
+          <a:effectLst/>
+        </p:spPr>
+        <p:txBody>
+          <a:bodyPr lIns="0" tIns="0" rIns="0" bIns="0" rtlCol="0" anchor="ctr"/>
+          <a:lstStyle/>
+          <a:p>
+            <a:pPr marL="0" marR="0" lvl="0" indent="0" algn="ctr" defTabSz="914400" eaLnBrk="1" fontAlgn="auto" latinLnBrk="0" hangingPunct="1">
+              <a:lnSpc>
+                <a:spcPct val="100000"/>
+              </a:lnSpc>
+              <a:spcBef>
+                <a:spcPts val="0"/>
+              </a:spcBef>
+              <a:spcAft>
+                <a:spcPts val="0"/>
+              </a:spcAft>
+              <a:buClr>
+                <a:srgbClr val="000000"/>
+              </a:buClr>
+              <a:buSzTx/>
+              <a:buFont typeface="Arial"/>
+              <a:buNone/>
+              <a:tabLst/>
+              <a:defRPr/>
+            </a:pPr>
+            <a:endParaRPr kumimoji="0" lang="ko-KR" altLang="en-US" sz="1050" b="0" i="0" u="none" strike="noStrike" kern="0" cap="none" spc="0" normalizeH="0" baseline="0" noProof="0" dirty="0">
+              <a:ln>
+                <a:noFill/>
+              </a:ln>
+              <a:solidFill>
+                <a:srgbClr val="FFFFFF"/>
+              </a:solidFill>
+              <a:effectLst/>
+              <a:uLnTx/>
+              <a:uFillTx/>
+              <a:latin typeface="NanumSquare" panose="020B0600000101010101" pitchFamily="34" charset="-127"/>
+              <a:ea typeface="NanumSquare" panose="020B0600000101010101" pitchFamily="34" charset="-127"/>
+              <a:sym typeface="Arial"/>
+            </a:endParaRPr>
+          </a:p>
+        </p:txBody>
+      </p:sp>
+      <p:sp>
+        <p:nvSpPr>
+          <p:cNvPr id="88" name="직사각형 87">
+            <a:extLst>
+              <a:ext uri="{FF2B5EF4-FFF2-40B4-BE49-F238E27FC236}">
+                <a16:creationId xmlns:a16="http://schemas.microsoft.com/office/drawing/2014/main" id="{DD0C728D-51E1-EA44-9C3C-F8A2560D6CC8}"/>
+              </a:ext>
+            </a:extLst>
+          </p:cNvPr>
+          <p:cNvSpPr/>
+          <p:nvPr/>
+        </p:nvSpPr>
+        <p:spPr>
+          <a:xfrm>
+            <a:off x="868223" y="5968632"/>
+            <a:ext cx="1899879" cy="370743"/>
+          </a:xfrm>
+          <a:prstGeom prst="rect">
+            <a:avLst/>
+          </a:prstGeom>
+        </p:spPr>
+        <p:txBody>
+          <a:bodyPr wrap="none">
+            <a:spAutoFit/>
+          </a:bodyPr>
+          <a:lstStyle/>
+          <a:p>
+            <a:pPr algn="ctr" latinLnBrk="0">
+              <a:lnSpc>
+                <a:spcPct val="120000"/>
+              </a:lnSpc>
+              <a:buClr>
+                <a:srgbClr val="000000"/>
+              </a:buClr>
+              <a:buSzPts val="1600"/>
+              <a:buFont typeface="Arial"/>
+              <a:buNone/>
+            </a:pPr>
+            <a:r>
+              <a:rPr lang="en-US" altLang="ko-KR" sz="1600" b="1" kern="0" dirty="0">
+                <a:solidFill>
+                  <a:srgbClr val="FFFFFF"/>
+                </a:solidFill>
+                <a:latin typeface="NanumSquare Bold" panose="020B0600000101010101" pitchFamily="34" charset="-127"/>
+                <a:ea typeface="NanumSquare Bold" panose="020B0600000101010101" pitchFamily="34" charset="-127"/>
+                <a:cs typeface="Arial"/>
+                <a:sym typeface="Arial"/>
+              </a:rPr>
+              <a:t>Analytics Methods</a:t>
+            </a:r>
+          </a:p>
+        </p:txBody>
+      </p:sp>
+      <p:sp>
+        <p:nvSpPr>
+          <p:cNvPr id="89" name="타원 88">
+            <a:extLst>
+              <a:ext uri="{FF2B5EF4-FFF2-40B4-BE49-F238E27FC236}">
+                <a16:creationId xmlns:a16="http://schemas.microsoft.com/office/drawing/2014/main" id="{C5A9EC1A-DFC3-534D-924D-E362A10D8B44}"/>
+              </a:ext>
+            </a:extLst>
+          </p:cNvPr>
+          <p:cNvSpPr/>
+          <p:nvPr/>
+        </p:nvSpPr>
+        <p:spPr>
+          <a:xfrm>
+            <a:off x="1475789" y="5309982"/>
+            <a:ext cx="684742" cy="684742"/>
+          </a:xfrm>
+          <a:prstGeom prst="ellipse">
+            <a:avLst/>
+          </a:prstGeom>
+          <a:solidFill>
+            <a:srgbClr val="FFFFFF"/>
+          </a:solidFill>
+          <a:ln w="25400" cap="flat" cmpd="sng" algn="ctr">
+            <a:noFill/>
+            <a:prstDash val="solid"/>
+          </a:ln>
+          <a:effectLst>
+            <a:outerShdw blurRad="50800" dist="38100" dir="2700000" algn="tl" rotWithShape="0">
+              <a:prstClr val="black">
+                <a:alpha val="40000"/>
+              </a:prstClr>
+            </a:outerShdw>
+          </a:effectLst>
+        </p:spPr>
+        <p:txBody>
+          <a:bodyPr rtlCol="0" anchor="ctr"/>
+          <a:lstStyle/>
+          <a:p>
+            <a:pPr marL="0" marR="0" lvl="0" indent="0" algn="ctr" defTabSz="914400" eaLnBrk="1" fontAlgn="auto" latinLnBrk="0" hangingPunct="1">
+              <a:lnSpc>
+                <a:spcPct val="100000"/>
+              </a:lnSpc>
+              <a:spcBef>
+                <a:spcPts val="0"/>
+              </a:spcBef>
+              <a:spcAft>
+                <a:spcPts val="0"/>
+              </a:spcAft>
+              <a:buClr>
+                <a:srgbClr val="000000"/>
+              </a:buClr>
+              <a:buSzTx/>
+              <a:buFont typeface="Arial"/>
+              <a:buNone/>
+              <a:tabLst/>
+              <a:defRPr/>
+            </a:pPr>
+            <a:endParaRPr kumimoji="0" lang="ko-KR" altLang="en-US" sz="1400" b="0" i="0" u="none" strike="noStrike" kern="0" cap="none" spc="0" normalizeH="0" baseline="0" noProof="0">
+              <a:ln>
+                <a:noFill/>
+              </a:ln>
+              <a:solidFill>
+                <a:srgbClr val="FFFFFF"/>
+              </a:solidFill>
+              <a:effectLst/>
+              <a:uLnTx/>
+              <a:uFillTx/>
+              <a:latin typeface="NanumSquare" panose="020B0600000101010101" pitchFamily="34" charset="-127"/>
+              <a:ea typeface="NanumSquare" panose="020B0600000101010101" pitchFamily="34" charset="-127"/>
+              <a:sym typeface="Arial"/>
+            </a:endParaRPr>
+          </a:p>
+        </p:txBody>
+      </p:sp>
+      <p:pic>
+        <p:nvPicPr>
+          <p:cNvPr id="90" name="그림 89">
+            <a:extLst>
+              <a:ext uri="{FF2B5EF4-FFF2-40B4-BE49-F238E27FC236}">
+                <a16:creationId xmlns:a16="http://schemas.microsoft.com/office/drawing/2014/main" id="{5A6CE1C3-607A-C74E-8ED0-23CA675A0599}"/>
+              </a:ext>
+            </a:extLst>
+          </p:cNvPr>
+          <p:cNvPicPr>
+            <a:picLocks noChangeAspect="1"/>
+          </p:cNvPicPr>
+          <p:nvPr/>
+        </p:nvPicPr>
+        <p:blipFill>
+          <a:blip r:embed="rId5"/>
+          <a:srcRect/>
+          <a:stretch/>
+        </p:blipFill>
+        <p:spPr>
+          <a:xfrm>
+            <a:off x="1583616" y="5399568"/>
+            <a:ext cx="469088" cy="469088"/>
+          </a:xfrm>
+          <a:prstGeom prst="rect">
+            <a:avLst/>
+          </a:prstGeom>
+        </p:spPr>
+      </p:pic>
+      <p:sp>
+        <p:nvSpPr>
+          <p:cNvPr id="91" name="직사각형 90">
+            <a:extLst>
+              <a:ext uri="{FF2B5EF4-FFF2-40B4-BE49-F238E27FC236}">
+                <a16:creationId xmlns:a16="http://schemas.microsoft.com/office/drawing/2014/main" id="{04AD0840-359C-3448-8F03-79E04007A14D}"/>
+              </a:ext>
+            </a:extLst>
+          </p:cNvPr>
+          <p:cNvSpPr/>
+          <p:nvPr/>
+        </p:nvSpPr>
+        <p:spPr>
+          <a:xfrm>
+            <a:off x="4413468" y="399050"/>
+            <a:ext cx="915635" cy="369332"/>
+          </a:xfrm>
+          <a:prstGeom prst="rect">
+            <a:avLst/>
+          </a:prstGeom>
+        </p:spPr>
+        <p:txBody>
+          <a:bodyPr wrap="none">
+            <a:spAutoFit/>
+          </a:bodyPr>
+          <a:lstStyle/>
+          <a:p>
+            <a:r>
+              <a:rPr lang="en" altLang="ko-Kore-KR" b="1" u="sng" dirty="0">
+                <a:solidFill>
+                  <a:schemeClr val="tx1">
+                    <a:lumMod val="65000"/>
+                    <a:lumOff val="35000"/>
+                  </a:schemeClr>
+                </a:solidFill>
+                <a:latin typeface="NanumSquare Bold" panose="020B0600000101010101" pitchFamily="34" charset="-127"/>
+                <a:ea typeface="NanumSquare Bold" panose="020B0600000101010101" pitchFamily="34" charset="-127"/>
+              </a:rPr>
+              <a:t>Before</a:t>
+            </a:r>
+            <a:endParaRPr lang="ko-Kore-KR" altLang="en-US" u="sng" dirty="0">
+              <a:solidFill>
+                <a:schemeClr val="tx1">
+                  <a:lumMod val="65000"/>
+                  <a:lumOff val="35000"/>
+                </a:schemeClr>
+              </a:solidFill>
+              <a:latin typeface="NanumSquare" panose="020B0600000101010101" pitchFamily="34" charset="-127"/>
+              <a:ea typeface="NanumSquare" panose="020B0600000101010101" pitchFamily="34" charset="-127"/>
+            </a:endParaRPr>
+          </a:p>
+        </p:txBody>
+      </p:sp>
+      <p:sp>
+        <p:nvSpPr>
+          <p:cNvPr id="92" name="직사각형 91">
+            <a:extLst>
+              <a:ext uri="{FF2B5EF4-FFF2-40B4-BE49-F238E27FC236}">
+                <a16:creationId xmlns:a16="http://schemas.microsoft.com/office/drawing/2014/main" id="{9E37A1A4-FA3C-794C-8658-BF6A50B0A62C}"/>
+              </a:ext>
+            </a:extLst>
+          </p:cNvPr>
+          <p:cNvSpPr/>
+          <p:nvPr/>
+        </p:nvSpPr>
+        <p:spPr>
+          <a:xfrm>
+            <a:off x="8902139" y="406843"/>
+            <a:ext cx="723275" cy="369332"/>
+          </a:xfrm>
+          <a:prstGeom prst="rect">
+            <a:avLst/>
+          </a:prstGeom>
+        </p:spPr>
+        <p:txBody>
+          <a:bodyPr wrap="none">
+            <a:spAutoFit/>
+          </a:bodyPr>
+          <a:lstStyle/>
+          <a:p>
+            <a:r>
+              <a:rPr lang="en" altLang="ko-Kore-KR" b="1" u="sng" dirty="0">
+                <a:solidFill>
+                  <a:schemeClr val="tx1">
+                    <a:lumMod val="65000"/>
+                    <a:lumOff val="35000"/>
+                  </a:schemeClr>
+                </a:solidFill>
+                <a:latin typeface="NanumSquare Bold" panose="020B0600000101010101" pitchFamily="34" charset="-127"/>
+                <a:ea typeface="NanumSquare Bold" panose="020B0600000101010101" pitchFamily="34" charset="-127"/>
+              </a:rPr>
+              <a:t>After</a:t>
+            </a:r>
+            <a:endParaRPr lang="ko-Kore-KR" altLang="en-US" u="sng" dirty="0">
+              <a:solidFill>
+                <a:schemeClr val="tx1">
+                  <a:lumMod val="65000"/>
+                  <a:lumOff val="35000"/>
+                </a:schemeClr>
+              </a:solidFill>
+              <a:latin typeface="NanumSquare" panose="020B0600000101010101" pitchFamily="34" charset="-127"/>
+              <a:ea typeface="NanumSquare" panose="020B0600000101010101" pitchFamily="34" charset="-127"/>
+            </a:endParaRPr>
+          </a:p>
+        </p:txBody>
+      </p:sp>
+      <p:sp>
+        <p:nvSpPr>
+          <p:cNvPr id="103" name="직사각형 102">
+            <a:extLst>
+              <a:ext uri="{FF2B5EF4-FFF2-40B4-BE49-F238E27FC236}">
+                <a16:creationId xmlns:a16="http://schemas.microsoft.com/office/drawing/2014/main" id="{7024287A-2013-414C-8673-576830FD19CF}"/>
+              </a:ext>
+            </a:extLst>
+          </p:cNvPr>
+          <p:cNvSpPr/>
+          <p:nvPr/>
+        </p:nvSpPr>
+        <p:spPr>
+          <a:xfrm>
+            <a:off x="7559520" y="4377244"/>
+            <a:ext cx="3600000" cy="950808"/>
+          </a:xfrm>
+          <a:prstGeom prst="rect">
+            <a:avLst/>
+          </a:prstGeom>
+          <a:solidFill>
+            <a:schemeClr val="accent5">
+              <a:lumMod val="60000"/>
+              <a:lumOff val="40000"/>
+            </a:schemeClr>
+          </a:solidFill>
+          <a:ln w="25400" cap="flat" cmpd="sng" algn="ctr">
+            <a:noFill/>
+            <a:prstDash val="solid"/>
+          </a:ln>
+          <a:effectLst/>
+        </p:spPr>
+        <p:txBody>
+          <a:bodyPr rtlCol="0" anchor="ctr"/>
+          <a:lstStyle/>
+          <a:p>
+            <a:pPr algn="ctr">
+              <a:buClr>
+                <a:srgbClr val="000000"/>
+              </a:buClr>
+            </a:pPr>
+            <a:endParaRPr lang="ko-KR" altLang="en-US" sz="1200" b="1" kern="0" dirty="0">
+              <a:solidFill>
+                <a:srgbClr val="000000">
+                  <a:lumMod val="65000"/>
+                  <a:lumOff val="35000"/>
+                </a:srgbClr>
+              </a:solidFill>
+              <a:latin typeface="NanumSquare Bold" panose="020B0600000101010101" pitchFamily="34" charset="-127"/>
+              <a:ea typeface="NanumSquare Bold" panose="020B0600000101010101" pitchFamily="34" charset="-127"/>
+              <a:cs typeface="Arial"/>
+              <a:sym typeface="Arial"/>
+            </a:endParaRPr>
+          </a:p>
+        </p:txBody>
+      </p:sp>
+      <p:sp>
+        <p:nvSpPr>
+          <p:cNvPr id="104" name="직사각형 103">
+            <a:extLst>
+              <a:ext uri="{FF2B5EF4-FFF2-40B4-BE49-F238E27FC236}">
+                <a16:creationId xmlns:a16="http://schemas.microsoft.com/office/drawing/2014/main" id="{5AF2F8D3-5AC9-CE45-830F-BE6C38D9992D}"/>
+              </a:ext>
+            </a:extLst>
+          </p:cNvPr>
+          <p:cNvSpPr/>
+          <p:nvPr/>
+        </p:nvSpPr>
+        <p:spPr>
+          <a:xfrm>
+            <a:off x="3008959" y="4377244"/>
+            <a:ext cx="3600000" cy="950808"/>
+          </a:xfrm>
+          <a:prstGeom prst="rect">
+            <a:avLst/>
+          </a:prstGeom>
+          <a:solidFill>
+            <a:schemeClr val="accent5">
+              <a:lumMod val="60000"/>
+              <a:lumOff val="40000"/>
+            </a:schemeClr>
+          </a:solidFill>
+          <a:ln w="25400" cap="flat" cmpd="sng" algn="ctr">
+            <a:noFill/>
+            <a:prstDash val="solid"/>
+          </a:ln>
+          <a:effectLst/>
+        </p:spPr>
+        <p:txBody>
+          <a:bodyPr rtlCol="0" anchor="ctr"/>
+          <a:lstStyle/>
+          <a:p>
+            <a:pPr algn="ctr">
+              <a:buClr>
+                <a:srgbClr val="000000"/>
+              </a:buClr>
+            </a:pPr>
+            <a:endParaRPr lang="ko-KR" altLang="en-US" sz="1200" b="1" kern="0" dirty="0">
+              <a:solidFill>
+                <a:srgbClr val="000000">
+                  <a:lumMod val="65000"/>
+                  <a:lumOff val="35000"/>
+                </a:srgbClr>
+              </a:solidFill>
+              <a:latin typeface="NanumSquare Bold" panose="020B0600000101010101" pitchFamily="34" charset="-127"/>
+              <a:ea typeface="NanumSquare Bold" panose="020B0600000101010101" pitchFamily="34" charset="-127"/>
+              <a:cs typeface="Arial"/>
+              <a:sym typeface="Arial"/>
+            </a:endParaRPr>
+          </a:p>
+        </p:txBody>
+      </p:sp>
+      <p:sp>
+        <p:nvSpPr>
+          <p:cNvPr id="105" name="직사각형 104">
+            <a:extLst>
+              <a:ext uri="{FF2B5EF4-FFF2-40B4-BE49-F238E27FC236}">
+                <a16:creationId xmlns:a16="http://schemas.microsoft.com/office/drawing/2014/main" id="{D5E53530-EE5B-4B46-B45E-2254F463191D}"/>
+              </a:ext>
+            </a:extLst>
+          </p:cNvPr>
+          <p:cNvSpPr/>
+          <p:nvPr/>
+        </p:nvSpPr>
+        <p:spPr>
+          <a:xfrm>
+            <a:off x="3598641" y="4440972"/>
+            <a:ext cx="2544416" cy="338554"/>
+          </a:xfrm>
+          <a:prstGeom prst="rect">
+            <a:avLst/>
+          </a:prstGeom>
+        </p:spPr>
+        <p:txBody>
+          <a:bodyPr wrap="square">
+            <a:spAutoFit/>
+          </a:bodyPr>
+          <a:lstStyle/>
+          <a:p>
+            <a:pPr algn="ctr"/>
+            <a:r>
+              <a:rPr lang="en-US" altLang="ko-Kore-KR" sz="1600" b="1" dirty="0">
+                <a:solidFill>
+                  <a:schemeClr val="tx1">
+                    <a:lumMod val="65000"/>
+                    <a:lumOff val="35000"/>
+                  </a:schemeClr>
+                </a:solidFill>
+                <a:latin typeface="NanumSquare Bold" panose="020B0600000101010101" pitchFamily="34" charset="-127"/>
+                <a:ea typeface="NanumSquare Bold" panose="020B0600000101010101" pitchFamily="34" charset="-127"/>
+              </a:rPr>
+              <a:t>Statistician</a:t>
+            </a:r>
+            <a:endParaRPr lang="ko-Kore-KR" altLang="en-US" sz="1600" b="1" dirty="0">
+              <a:solidFill>
+                <a:schemeClr val="tx1">
+                  <a:lumMod val="65000"/>
+                  <a:lumOff val="35000"/>
+                </a:schemeClr>
+              </a:solidFill>
+              <a:latin typeface="NanumSquare Bold" panose="020B0600000101010101" pitchFamily="34" charset="-127"/>
+              <a:ea typeface="NanumSquare Bold" panose="020B0600000101010101" pitchFamily="34" charset="-127"/>
+            </a:endParaRPr>
+          </a:p>
+        </p:txBody>
+      </p:sp>
+      <p:sp>
+        <p:nvSpPr>
+          <p:cNvPr id="108" name="직사각형 107">
+            <a:extLst>
+              <a:ext uri="{FF2B5EF4-FFF2-40B4-BE49-F238E27FC236}">
+                <a16:creationId xmlns:a16="http://schemas.microsoft.com/office/drawing/2014/main" id="{1D7BD8DA-3188-7A43-A23E-746E9182ED27}"/>
+              </a:ext>
+            </a:extLst>
+          </p:cNvPr>
+          <p:cNvSpPr/>
+          <p:nvPr/>
+        </p:nvSpPr>
+        <p:spPr>
+          <a:xfrm>
+            <a:off x="3315272" y="4848651"/>
+            <a:ext cx="2844075" cy="338554"/>
+          </a:xfrm>
+          <a:prstGeom prst="rect">
+            <a:avLst/>
+          </a:prstGeom>
+        </p:spPr>
+        <p:txBody>
+          <a:bodyPr wrap="square">
+            <a:spAutoFit/>
+          </a:bodyPr>
+          <a:lstStyle/>
+          <a:p>
+            <a:pPr algn="ctr"/>
+            <a:r>
+              <a:rPr lang="en-US" altLang="ko-Kore-KR" sz="1600" b="1" dirty="0">
+                <a:solidFill>
+                  <a:schemeClr val="tx1">
+                    <a:lumMod val="65000"/>
+                    <a:lumOff val="35000"/>
+                  </a:schemeClr>
+                </a:solidFill>
+                <a:latin typeface="NanumSquare Bold" panose="020B0600000101010101" pitchFamily="34" charset="-127"/>
+                <a:ea typeface="NanumSquare Bold" panose="020B0600000101010101" pitchFamily="34" charset="-127"/>
+              </a:rPr>
+              <a:t>for Education, Research</a:t>
+            </a:r>
+            <a:endParaRPr lang="ko-Kore-KR" altLang="en-US" sz="1600" b="1" dirty="0">
+              <a:solidFill>
+                <a:schemeClr val="tx1">
+                  <a:lumMod val="65000"/>
+                  <a:lumOff val="35000"/>
+                </a:schemeClr>
+              </a:solidFill>
+              <a:latin typeface="NanumSquare Bold" panose="020B0600000101010101" pitchFamily="34" charset="-127"/>
+              <a:ea typeface="NanumSquare Bold" panose="020B0600000101010101" pitchFamily="34" charset="-127"/>
+            </a:endParaRPr>
+          </a:p>
+        </p:txBody>
+      </p:sp>
+      <p:sp>
+        <p:nvSpPr>
+          <p:cNvPr id="109" name="직사각형 108">
+            <a:extLst>
+              <a:ext uri="{FF2B5EF4-FFF2-40B4-BE49-F238E27FC236}">
+                <a16:creationId xmlns:a16="http://schemas.microsoft.com/office/drawing/2014/main" id="{FF32B10E-C8F2-CC4E-A98D-339404AEAD15}"/>
+              </a:ext>
+            </a:extLst>
+          </p:cNvPr>
+          <p:cNvSpPr/>
+          <p:nvPr/>
+        </p:nvSpPr>
+        <p:spPr>
+          <a:xfrm>
+            <a:off x="814130" y="4800670"/>
+            <a:ext cx="2007186" cy="493776"/>
+          </a:xfrm>
+          <a:prstGeom prst="rect">
+            <a:avLst/>
+          </a:prstGeom>
+          <a:solidFill>
+            <a:schemeClr val="accent1"/>
+          </a:solidFill>
+          <a:ln w="25400" cap="flat" cmpd="sng" algn="ctr">
+            <a:noFill/>
+            <a:prstDash val="solid"/>
+          </a:ln>
+          <a:effectLst/>
+        </p:spPr>
+        <p:txBody>
+          <a:bodyPr lIns="0" tIns="0" rIns="0" bIns="0" rtlCol="0" anchor="ctr"/>
+          <a:lstStyle/>
+          <a:p>
+            <a:pPr marL="0" marR="0" lvl="0" indent="0" algn="ctr" defTabSz="914400" eaLnBrk="1" fontAlgn="auto" latinLnBrk="0" hangingPunct="1">
+              <a:lnSpc>
+                <a:spcPct val="100000"/>
+              </a:lnSpc>
+              <a:spcBef>
+                <a:spcPts val="0"/>
+              </a:spcBef>
+              <a:spcAft>
+                <a:spcPts val="0"/>
+              </a:spcAft>
+              <a:buClr>
+                <a:srgbClr val="000000"/>
+              </a:buClr>
+              <a:buSzTx/>
+              <a:buFont typeface="Arial"/>
+              <a:buNone/>
+              <a:tabLst/>
+              <a:defRPr/>
+            </a:pPr>
+            <a:endParaRPr kumimoji="0" lang="ko-KR" altLang="en-US" sz="1050" b="0" i="0" u="none" strike="noStrike" kern="0" cap="none" spc="0" normalizeH="0" baseline="0" noProof="0" dirty="0">
+              <a:ln>
+                <a:noFill/>
+              </a:ln>
+              <a:solidFill>
+                <a:srgbClr val="FFFFFF"/>
+              </a:solidFill>
+              <a:effectLst/>
+              <a:uLnTx/>
+              <a:uFillTx/>
+              <a:latin typeface="NanumSquare" panose="020B0600000101010101" pitchFamily="34" charset="-127"/>
+              <a:ea typeface="NanumSquare" panose="020B0600000101010101" pitchFamily="34" charset="-127"/>
+              <a:sym typeface="Arial"/>
+            </a:endParaRPr>
+          </a:p>
+        </p:txBody>
+      </p:sp>
+      <p:sp>
+        <p:nvSpPr>
+          <p:cNvPr id="110" name="직사각형 109">
+            <a:extLst>
+              <a:ext uri="{FF2B5EF4-FFF2-40B4-BE49-F238E27FC236}">
+                <a16:creationId xmlns:a16="http://schemas.microsoft.com/office/drawing/2014/main" id="{C9BB4834-988F-8E4F-B7CD-54F9A719B56E}"/>
+              </a:ext>
+            </a:extLst>
+          </p:cNvPr>
+          <p:cNvSpPr/>
+          <p:nvPr/>
+        </p:nvSpPr>
+        <p:spPr>
+          <a:xfrm>
+            <a:off x="1351893" y="4895449"/>
+            <a:ext cx="931665" cy="370743"/>
+          </a:xfrm>
+          <a:prstGeom prst="rect">
+            <a:avLst/>
+          </a:prstGeom>
+        </p:spPr>
+        <p:txBody>
+          <a:bodyPr wrap="none">
+            <a:spAutoFit/>
+          </a:bodyPr>
+          <a:lstStyle/>
+          <a:p>
+            <a:pPr algn="ctr">
+              <a:lnSpc>
+                <a:spcPct val="120000"/>
+              </a:lnSpc>
+              <a:buClr>
+                <a:srgbClr val="000000"/>
+              </a:buClr>
+              <a:buSzPts val="1600"/>
+            </a:pPr>
+            <a:r>
+              <a:rPr lang="en-US" altLang="ko-KR" sz="1600" b="1" kern="0" dirty="0">
+                <a:solidFill>
+                  <a:srgbClr val="FFFFFF"/>
+                </a:solidFill>
+                <a:latin typeface="NanumSquare Bold" panose="020B0600000101010101" pitchFamily="34" charset="-127"/>
+                <a:ea typeface="NanumSquare Bold" panose="020B0600000101010101" pitchFamily="34" charset="-127"/>
+                <a:cs typeface="Arial"/>
+                <a:sym typeface="Arial"/>
+              </a:rPr>
+              <a:t>Analyst </a:t>
+            </a:r>
+            <a:endParaRPr lang="en-US" altLang="ko-KR" sz="1600" b="1" kern="0" dirty="0">
+              <a:solidFill>
+                <a:srgbClr val="FFFFFF"/>
+              </a:solidFill>
+              <a:latin typeface="NanumSquare Bold" panose="020B0600000101010101" pitchFamily="34" charset="-127"/>
+              <a:ea typeface="NanumSquare Bold" panose="020B0600000101010101" pitchFamily="34" charset="-127"/>
+              <a:cs typeface="Arial"/>
+              <a:sym typeface="Arial"/>
+            </a:endParaRPr>
+          </a:p>
+        </p:txBody>
+      </p:sp>
+      <p:sp>
+        <p:nvSpPr>
+          <p:cNvPr id="111" name="타원 110">
+            <a:extLst>
+              <a:ext uri="{FF2B5EF4-FFF2-40B4-BE49-F238E27FC236}">
+                <a16:creationId xmlns:a16="http://schemas.microsoft.com/office/drawing/2014/main" id="{76A78F4A-2513-E24D-8C1A-38826BCBEC96}"/>
+              </a:ext>
+            </a:extLst>
+          </p:cNvPr>
+          <p:cNvSpPr/>
+          <p:nvPr/>
+        </p:nvSpPr>
+        <p:spPr>
+          <a:xfrm>
+            <a:off x="1475352" y="4236799"/>
+            <a:ext cx="684742" cy="684742"/>
+          </a:xfrm>
+          <a:prstGeom prst="ellipse">
+            <a:avLst/>
+          </a:prstGeom>
+          <a:solidFill>
+            <a:srgbClr val="FFFFFF"/>
+          </a:solidFill>
+          <a:ln w="25400" cap="flat" cmpd="sng" algn="ctr">
+            <a:noFill/>
+            <a:prstDash val="solid"/>
+          </a:ln>
+          <a:effectLst>
+            <a:outerShdw blurRad="50800" dist="38100" dir="2700000" algn="tl" rotWithShape="0">
+              <a:prstClr val="black">
+                <a:alpha val="40000"/>
+              </a:prstClr>
+            </a:outerShdw>
+          </a:effectLst>
+        </p:spPr>
+        <p:txBody>
+          <a:bodyPr rtlCol="0" anchor="ctr"/>
+          <a:lstStyle/>
+          <a:p>
+            <a:pPr marL="0" marR="0" lvl="0" indent="0" algn="ctr" defTabSz="914400" eaLnBrk="1" fontAlgn="auto" latinLnBrk="0" hangingPunct="1">
+              <a:lnSpc>
+                <a:spcPct val="100000"/>
+              </a:lnSpc>
+              <a:spcBef>
+                <a:spcPts val="0"/>
+              </a:spcBef>
+              <a:spcAft>
+                <a:spcPts val="0"/>
+              </a:spcAft>
+              <a:buClr>
+                <a:srgbClr val="000000"/>
+              </a:buClr>
+              <a:buSzTx/>
+              <a:buFont typeface="Arial"/>
+              <a:buNone/>
+              <a:tabLst/>
+              <a:defRPr/>
+            </a:pPr>
+            <a:endParaRPr kumimoji="0" lang="ko-KR" altLang="en-US" sz="1400" b="0" i="0" u="none" strike="noStrike" kern="0" cap="none" spc="0" normalizeH="0" baseline="0" noProof="0">
+              <a:ln>
+                <a:noFill/>
+              </a:ln>
+              <a:solidFill>
+                <a:srgbClr val="FFFFFF"/>
+              </a:solidFill>
+              <a:effectLst/>
+              <a:uLnTx/>
+              <a:uFillTx/>
+              <a:latin typeface="NanumSquare" panose="020B0600000101010101" pitchFamily="34" charset="-127"/>
+              <a:ea typeface="NanumSquare" panose="020B0600000101010101" pitchFamily="34" charset="-127"/>
+              <a:sym typeface="Arial"/>
+            </a:endParaRPr>
+          </a:p>
+        </p:txBody>
+      </p:sp>
+      <p:pic>
+        <p:nvPicPr>
+          <p:cNvPr id="112" name="그림 111">
+            <a:extLst>
+              <a:ext uri="{FF2B5EF4-FFF2-40B4-BE49-F238E27FC236}">
+                <a16:creationId xmlns:a16="http://schemas.microsoft.com/office/drawing/2014/main" id="{B2C8C621-0176-7E4D-B62E-D33BAEACF33D}"/>
+              </a:ext>
+            </a:extLst>
+          </p:cNvPr>
+          <p:cNvPicPr>
+            <a:picLocks noChangeAspect="1"/>
+          </p:cNvPicPr>
+          <p:nvPr/>
+        </p:nvPicPr>
+        <p:blipFill>
+          <a:blip r:embed="rId6"/>
+          <a:srcRect/>
+          <a:stretch/>
+        </p:blipFill>
+        <p:spPr>
+          <a:xfrm>
+            <a:off x="1583179" y="4326385"/>
+            <a:ext cx="469088" cy="469088"/>
+          </a:xfrm>
+          <a:prstGeom prst="rect">
+            <a:avLst/>
+          </a:prstGeom>
+        </p:spPr>
+      </p:pic>
+      <p:sp>
+        <p:nvSpPr>
+          <p:cNvPr id="113" name="직사각형 112">
+            <a:extLst>
+              <a:ext uri="{FF2B5EF4-FFF2-40B4-BE49-F238E27FC236}">
+                <a16:creationId xmlns:a16="http://schemas.microsoft.com/office/drawing/2014/main" id="{EF7A6E15-D6B9-2246-A15B-9B5074205325}"/>
+              </a:ext>
+            </a:extLst>
+          </p:cNvPr>
+          <p:cNvSpPr/>
+          <p:nvPr/>
+        </p:nvSpPr>
+        <p:spPr>
+          <a:xfrm>
+            <a:off x="7626336" y="6053661"/>
+            <a:ext cx="3468954" cy="338554"/>
+          </a:xfrm>
+          <a:prstGeom prst="rect">
+            <a:avLst/>
+          </a:prstGeom>
+        </p:spPr>
+        <p:txBody>
+          <a:bodyPr wrap="square">
+            <a:spAutoFit/>
+          </a:bodyPr>
+          <a:lstStyle/>
+          <a:p>
+            <a:pPr algn="ctr"/>
+            <a:r>
+              <a:rPr lang="en-US" altLang="ko-Kore-KR" sz="1600" b="1" dirty="0">
+                <a:solidFill>
+                  <a:schemeClr val="tx1">
+                    <a:lumMod val="65000"/>
+                    <a:lumOff val="35000"/>
+                  </a:schemeClr>
+                </a:solidFill>
+                <a:latin typeface="NanumSquare Bold" panose="020B0600000101010101" pitchFamily="34" charset="-127"/>
+                <a:ea typeface="NanumSquare Bold" panose="020B0600000101010101" pitchFamily="34" charset="-127"/>
+              </a:rPr>
+              <a:t>reticulate(tensorflow, keras),  h2o</a:t>
+            </a:r>
+            <a:endParaRPr lang="ko-Kore-KR" altLang="en-US" sz="1600" b="1" dirty="0">
+              <a:solidFill>
+                <a:schemeClr val="tx1">
+                  <a:lumMod val="65000"/>
+                  <a:lumOff val="35000"/>
+                </a:schemeClr>
+              </a:solidFill>
+              <a:latin typeface="NanumSquare Bold" panose="020B0600000101010101" pitchFamily="34" charset="-127"/>
+              <a:ea typeface="NanumSquare Bold" panose="020B0600000101010101" pitchFamily="34" charset="-127"/>
+            </a:endParaRPr>
+          </a:p>
+        </p:txBody>
+      </p:sp>
+      <p:sp>
+        <p:nvSpPr>
+          <p:cNvPr id="114" name="직사각형 113">
+            <a:extLst>
+              <a:ext uri="{FF2B5EF4-FFF2-40B4-BE49-F238E27FC236}">
+                <a16:creationId xmlns:a16="http://schemas.microsoft.com/office/drawing/2014/main" id="{E6D8A92A-776B-1B4C-9D51-3FF8BEC084C3}"/>
+              </a:ext>
+            </a:extLst>
+          </p:cNvPr>
+          <p:cNvSpPr/>
+          <p:nvPr/>
+        </p:nvSpPr>
+        <p:spPr>
+          <a:xfrm>
+            <a:off x="7680438" y="4388406"/>
+            <a:ext cx="3358163" cy="584775"/>
+          </a:xfrm>
+          <a:prstGeom prst="rect">
+            <a:avLst/>
+          </a:prstGeom>
+        </p:spPr>
+        <p:txBody>
+          <a:bodyPr wrap="square">
+            <a:spAutoFit/>
+          </a:bodyPr>
+          <a:lstStyle/>
+          <a:p>
+            <a:pPr algn="ctr"/>
+            <a:r>
+              <a:rPr lang="en-US" altLang="ko-KR" sz="1600" b="1" dirty="0">
+                <a:solidFill>
+                  <a:schemeClr val="tx1">
+                    <a:lumMod val="65000"/>
+                    <a:lumOff val="35000"/>
+                  </a:schemeClr>
+                </a:solidFill>
+                <a:latin typeface="NanumSquare Bold" panose="020B0600000101010101" pitchFamily="34" charset="-127"/>
+                <a:ea typeface="NanumSquare Bold" panose="020B0600000101010101" pitchFamily="34" charset="-127"/>
+              </a:rPr>
+              <a:t>Data Scientist, Data Engineer, </a:t>
+            </a:r>
+          </a:p>
+          <a:p>
+            <a:pPr algn="ctr"/>
+            <a:r>
+              <a:rPr lang="en-US" altLang="ko-Kore-KR" sz="1600" b="1" dirty="0">
+                <a:solidFill>
+                  <a:schemeClr val="tx1">
+                    <a:lumMod val="65000"/>
+                    <a:lumOff val="35000"/>
+                  </a:schemeClr>
+                </a:solidFill>
+                <a:latin typeface="NanumSquare Bold" panose="020B0600000101010101" pitchFamily="34" charset="-127"/>
+                <a:ea typeface="NanumSquare Bold" panose="020B0600000101010101" pitchFamily="34" charset="-127"/>
+              </a:rPr>
+              <a:t>BI </a:t>
+            </a:r>
+            <a:r>
+              <a:rPr lang="en-US" altLang="ko-KR" sz="1600" b="1" dirty="0">
+                <a:solidFill>
+                  <a:schemeClr val="tx1">
+                    <a:lumMod val="65000"/>
+                    <a:lumOff val="35000"/>
+                  </a:schemeClr>
+                </a:solidFill>
+                <a:latin typeface="NanumSquare Bold" panose="020B0600000101010101" pitchFamily="34" charset="-127"/>
+                <a:ea typeface="NanumSquare Bold" panose="020B0600000101010101" pitchFamily="34" charset="-127"/>
+              </a:rPr>
+              <a:t>Analyst, S/W Developer</a:t>
+            </a:r>
+            <a:r>
+              <a:rPr lang="ko-KR" altLang="en-US" sz="1600" b="1" dirty="0">
+                <a:solidFill>
+                  <a:schemeClr val="tx1">
+                    <a:lumMod val="65000"/>
+                    <a:lumOff val="35000"/>
+                  </a:schemeClr>
+                </a:solidFill>
+                <a:latin typeface="NanumSquare Bold" panose="020B0600000101010101" pitchFamily="34" charset="-127"/>
+                <a:ea typeface="NanumSquare Bold" panose="020B0600000101010101" pitchFamily="34" charset="-127"/>
+              </a:rPr>
+              <a:t> 합류</a:t>
+            </a:r>
+            <a:endParaRPr lang="en-US" altLang="ko-KR" sz="1600" b="1" dirty="0">
+              <a:solidFill>
+                <a:schemeClr val="tx1">
+                  <a:lumMod val="65000"/>
+                  <a:lumOff val="35000"/>
+                </a:schemeClr>
+              </a:solidFill>
+              <a:latin typeface="NanumSquare Bold" panose="020B0600000101010101" pitchFamily="34" charset="-127"/>
+              <a:ea typeface="NanumSquare Bold" panose="020B0600000101010101" pitchFamily="34" charset="-127"/>
+            </a:endParaRPr>
+          </a:p>
+        </p:txBody>
+      </p:sp>
+      <p:sp>
+        <p:nvSpPr>
+          <p:cNvPr id="115" name="직사각형 114">
+            <a:extLst>
+              <a:ext uri="{FF2B5EF4-FFF2-40B4-BE49-F238E27FC236}">
+                <a16:creationId xmlns:a16="http://schemas.microsoft.com/office/drawing/2014/main" id="{6D01F12B-F089-BB49-8679-B13B883BFF3C}"/>
+              </a:ext>
+            </a:extLst>
+          </p:cNvPr>
+          <p:cNvSpPr/>
+          <p:nvPr/>
+        </p:nvSpPr>
+        <p:spPr>
+          <a:xfrm>
+            <a:off x="7973934" y="4951522"/>
+            <a:ext cx="2844075" cy="338554"/>
+          </a:xfrm>
+          <a:prstGeom prst="rect">
+            <a:avLst/>
+          </a:prstGeom>
+        </p:spPr>
+        <p:txBody>
+          <a:bodyPr wrap="square">
+            <a:spAutoFit/>
+          </a:bodyPr>
+          <a:lstStyle/>
+          <a:p>
+            <a:pPr algn="ctr"/>
+            <a:r>
+              <a:rPr lang="en-US" altLang="ko-Kore-KR" sz="1600" b="1" dirty="0">
+                <a:solidFill>
+                  <a:schemeClr val="tx1">
+                    <a:lumMod val="65000"/>
+                    <a:lumOff val="35000"/>
+                  </a:schemeClr>
+                </a:solidFill>
+                <a:latin typeface="NanumSquare Bold" panose="020B0600000101010101" pitchFamily="34" charset="-127"/>
+                <a:ea typeface="NanumSquare Bold" panose="020B0600000101010101" pitchFamily="34" charset="-127"/>
+              </a:rPr>
+              <a:t>for Enterprise</a:t>
+            </a:r>
+            <a:endParaRPr lang="ko-Kore-KR" altLang="en-US" sz="1600" b="1" dirty="0">
+              <a:solidFill>
+                <a:schemeClr val="tx1">
+                  <a:lumMod val="65000"/>
+                  <a:lumOff val="35000"/>
+                </a:schemeClr>
+              </a:solidFill>
+              <a:latin typeface="NanumSquare Bold" panose="020B0600000101010101" pitchFamily="34" charset="-127"/>
+              <a:ea typeface="NanumSquare Bold" panose="020B0600000101010101" pitchFamily="34" charset="-127"/>
+            </a:endParaRPr>
+          </a:p>
+        </p:txBody>
+      </p:sp>
+    </p:spTree>
+    <p:extLst>
+      <p:ext uri="{BB962C8B-B14F-4D97-AF65-F5344CB8AC3E}">
+        <p14:creationId xmlns:p14="http://schemas.microsoft.com/office/powerpoint/2010/main" val="2541438303"/>
+      </p:ext>
+    </p:extLst>
+  </p:cSld>
+  <p:clrMapOvr>
+    <a:masterClrMapping/>
+  </p:clrMapOvr>
+</p:sld>
+</file>
+
 <file path=ppt/theme/theme1.xml><?xml version="1.0" encoding="utf-8"?>
 <a:theme xmlns:a="http://schemas.openxmlformats.org/drawingml/2006/main" name="Office 테마">
   <a:themeElements>
